--- a/pptx/PEGI.pptx
+++ b/pptx/PEGI.pptx
@@ -7,12 +7,14 @@
   <p:sldIdLst>
     <p:sldId id="256" r:id="rId2"/>
     <p:sldId id="259" r:id="rId3"/>
-    <p:sldId id="266" r:id="rId4"/>
-    <p:sldId id="261" r:id="rId5"/>
-    <p:sldId id="265" r:id="rId6"/>
-    <p:sldId id="260" r:id="rId7"/>
-    <p:sldId id="262" r:id="rId8"/>
-    <p:sldId id="263" r:id="rId9"/>
+    <p:sldId id="268" r:id="rId4"/>
+    <p:sldId id="267" r:id="rId5"/>
+    <p:sldId id="266" r:id="rId6"/>
+    <p:sldId id="261" r:id="rId7"/>
+    <p:sldId id="265" r:id="rId8"/>
+    <p:sldId id="260" r:id="rId9"/>
+    <p:sldId id="262" r:id="rId10"/>
+    <p:sldId id="263" r:id="rId11"/>
   </p:sldIdLst>
   <p:sldSz cx="12192000" cy="6858000"/>
   <p:notesSz cx="6858000" cy="9144000"/>
@@ -266,7 +268,7 @@
           <a:p>
             <a:fld id="{E6FD7358-6D57-47F0-935A-2A8A0A25487F}" type="datetimeFigureOut">
               <a:rPr kumimoji="1" lang="ja-JP" altLang="en-US" smtClean="0"/>
-              <a:t>2019/12/5</a:t>
+              <a:t>2019/12/6</a:t>
             </a:fld>
             <a:endParaRPr kumimoji="1" lang="ja-JP" altLang="en-US"/>
           </a:p>
@@ -496,7 +498,7 @@
           <a:p>
             <a:fld id="{E6FD7358-6D57-47F0-935A-2A8A0A25487F}" type="datetimeFigureOut">
               <a:rPr kumimoji="1" lang="ja-JP" altLang="en-US" smtClean="0"/>
-              <a:t>2019/12/5</a:t>
+              <a:t>2019/12/6</a:t>
             </a:fld>
             <a:endParaRPr kumimoji="1" lang="ja-JP" altLang="en-US"/>
           </a:p>
@@ -736,7 +738,7 @@
           <a:p>
             <a:fld id="{E6FD7358-6D57-47F0-935A-2A8A0A25487F}" type="datetimeFigureOut">
               <a:rPr kumimoji="1" lang="ja-JP" altLang="en-US" smtClean="0"/>
-              <a:t>2019/12/5</a:t>
+              <a:t>2019/12/6</a:t>
             </a:fld>
             <a:endParaRPr kumimoji="1" lang="ja-JP" altLang="en-US"/>
           </a:p>
@@ -966,7 +968,7 @@
           <a:p>
             <a:fld id="{E6FD7358-6D57-47F0-935A-2A8A0A25487F}" type="datetimeFigureOut">
               <a:rPr kumimoji="1" lang="ja-JP" altLang="en-US" smtClean="0"/>
-              <a:t>2019/12/5</a:t>
+              <a:t>2019/12/6</a:t>
             </a:fld>
             <a:endParaRPr kumimoji="1" lang="ja-JP" altLang="en-US"/>
           </a:p>
@@ -1241,7 +1243,7 @@
           <a:p>
             <a:fld id="{E6FD7358-6D57-47F0-935A-2A8A0A25487F}" type="datetimeFigureOut">
               <a:rPr kumimoji="1" lang="ja-JP" altLang="en-US" smtClean="0"/>
-              <a:t>2019/12/5</a:t>
+              <a:t>2019/12/6</a:t>
             </a:fld>
             <a:endParaRPr kumimoji="1" lang="ja-JP" altLang="en-US"/>
           </a:p>
@@ -1570,7 +1572,7 @@
           <a:p>
             <a:fld id="{E6FD7358-6D57-47F0-935A-2A8A0A25487F}" type="datetimeFigureOut">
               <a:rPr kumimoji="1" lang="ja-JP" altLang="en-US" smtClean="0"/>
-              <a:t>2019/12/5</a:t>
+              <a:t>2019/12/6</a:t>
             </a:fld>
             <a:endParaRPr kumimoji="1" lang="ja-JP" altLang="en-US"/>
           </a:p>
@@ -2046,7 +2048,7 @@
           <a:p>
             <a:fld id="{E6FD7358-6D57-47F0-935A-2A8A0A25487F}" type="datetimeFigureOut">
               <a:rPr kumimoji="1" lang="ja-JP" altLang="en-US" smtClean="0"/>
-              <a:t>2019/12/5</a:t>
+              <a:t>2019/12/6</a:t>
             </a:fld>
             <a:endParaRPr kumimoji="1" lang="ja-JP" altLang="en-US"/>
           </a:p>
@@ -2187,7 +2189,7 @@
           <a:p>
             <a:fld id="{E6FD7358-6D57-47F0-935A-2A8A0A25487F}" type="datetimeFigureOut">
               <a:rPr kumimoji="1" lang="ja-JP" altLang="en-US" smtClean="0"/>
-              <a:t>2019/12/5</a:t>
+              <a:t>2019/12/6</a:t>
             </a:fld>
             <a:endParaRPr kumimoji="1" lang="ja-JP" altLang="en-US"/>
           </a:p>
@@ -2300,7 +2302,7 @@
           <a:p>
             <a:fld id="{E6FD7358-6D57-47F0-935A-2A8A0A25487F}" type="datetimeFigureOut">
               <a:rPr kumimoji="1" lang="ja-JP" altLang="en-US" smtClean="0"/>
-              <a:t>2019/12/5</a:t>
+              <a:t>2019/12/6</a:t>
             </a:fld>
             <a:endParaRPr kumimoji="1" lang="ja-JP" altLang="en-US"/>
           </a:p>
@@ -2643,7 +2645,7 @@
           <a:p>
             <a:fld id="{E6FD7358-6D57-47F0-935A-2A8A0A25487F}" type="datetimeFigureOut">
               <a:rPr kumimoji="1" lang="ja-JP" altLang="en-US" smtClean="0"/>
-              <a:t>2019/12/5</a:t>
+              <a:t>2019/12/6</a:t>
             </a:fld>
             <a:endParaRPr kumimoji="1" lang="ja-JP" altLang="en-US"/>
           </a:p>
@@ -2931,7 +2933,7 @@
           <a:p>
             <a:fld id="{E6FD7358-6D57-47F0-935A-2A8A0A25487F}" type="datetimeFigureOut">
               <a:rPr kumimoji="1" lang="ja-JP" altLang="en-US" smtClean="0"/>
-              <a:t>2019/12/5</a:t>
+              <a:t>2019/12/6</a:t>
             </a:fld>
             <a:endParaRPr kumimoji="1" lang="ja-JP" altLang="en-US"/>
           </a:p>
@@ -3204,7 +3206,7 @@
           <a:p>
             <a:fld id="{E6FD7358-6D57-47F0-935A-2A8A0A25487F}" type="datetimeFigureOut">
               <a:rPr kumimoji="1" lang="ja-JP" altLang="en-US" smtClean="0"/>
-              <a:t>2019/12/5</a:t>
+              <a:t>2019/12/6</a:t>
             </a:fld>
             <a:endParaRPr kumimoji="1" lang="ja-JP" altLang="en-US"/>
           </a:p>
@@ -3808,6 +3810,44 @@
           </a:p>
         </p:txBody>
       </p:sp>
+      <p:pic>
+        <p:nvPicPr>
+          <p:cNvPr id="2" name="オーディオ 1">
+            <a:hlinkClick r:id="" action="ppaction://media"/>
+            <a:extLst>
+              <a:ext uri="{FF2B5EF4-FFF2-40B4-BE49-F238E27FC236}">
+                <a16:creationId xmlns:a16="http://schemas.microsoft.com/office/drawing/2014/main" id="{83B4BAE4-9881-4C3B-97EE-A51E012E2CBE}"/>
+              </a:ext>
+            </a:extLst>
+          </p:cNvPr>
+          <p:cNvPicPr>
+            <a:picLocks noChangeAspect="1"/>
+          </p:cNvPicPr>
+          <p:nvPr>
+            <a:audioFile r:link="rId2"/>
+            <p:extLst>
+              <p:ext uri="{DAA4B4D4-6D71-4841-9C94-3DE7FCFB9230}">
+                <p14:media xmlns:p14="http://schemas.microsoft.com/office/powerpoint/2010/main" r:embed="rId1"/>
+              </p:ext>
+            </p:extLst>
+          </p:nvPr>
+        </p:nvPicPr>
+        <p:blipFill>
+          <a:blip r:embed="rId4"/>
+          <a:stretch>
+            <a:fillRect/>
+          </a:stretch>
+        </p:blipFill>
+        <p:spPr>
+          <a:xfrm>
+            <a:off x="11569700" y="6235700"/>
+            <a:ext cx="406400" cy="406400"/>
+          </a:xfrm>
+          <a:prstGeom prst="rect">
+            <a:avLst/>
+          </a:prstGeom>
+        </p:spPr>
+      </p:pic>
     </p:spTree>
     <p:extLst>
       <p:ext uri="{BB962C8B-B14F-4D97-AF65-F5344CB8AC3E}">
@@ -3818,6 +3858,377 @@
   <p:clrMapOvr>
     <a:masterClrMapping/>
   </p:clrMapOvr>
+  <mc:AlternateContent xmlns:mc="http://schemas.openxmlformats.org/markup-compatibility/2006">
+    <mc:Choice xmlns:p14="http://schemas.microsoft.com/office/powerpoint/2010/main" Requires="p14">
+      <p:transition spd="slow" p14:dur="2000" advTm="14080"/>
+    </mc:Choice>
+    <mc:Fallback>
+      <p:transition spd="slow" advTm="14080"/>
+    </mc:Fallback>
+  </mc:AlternateContent>
+  <p:timing>
+    <p:tnLst>
+      <p:par>
+        <p:cTn id="1" dur="indefinite" restart="never" nodeType="tmRoot">
+          <p:childTnLst>
+            <p:seq concurrent="1" nextAc="seek">
+              <p:cTn id="2" dur="indefinite" nodeType="mainSeq">
+                <p:childTnLst>
+                  <p:par>
+                    <p:cTn id="3" fill="hold">
+                      <p:stCondLst>
+                        <p:cond delay="indefinite"/>
+                        <p:cond evt="onBegin" delay="0">
+                          <p:tn val="2"/>
+                        </p:cond>
+                      </p:stCondLst>
+                      <p:childTnLst>
+                        <p:par>
+                          <p:cTn id="4" fill="hold">
+                            <p:stCondLst>
+                              <p:cond delay="0"/>
+                            </p:stCondLst>
+                            <p:childTnLst>
+                              <p:par>
+                                <p:cTn id="5" presetID="1" presetClass="mediacall" presetSubtype="0" fill="hold" nodeType="afterEffect">
+                                  <p:stCondLst>
+                                    <p:cond delay="0"/>
+                                  </p:stCondLst>
+                                  <p:childTnLst>
+                                    <p:cmd type="call" cmd="playFrom(0.0)">
+                                      <p:cBhvr>
+                                        <p:cTn id="6" dur="1" fill="hold"/>
+                                        <p:tgtEl>
+                                          <p:spTgt spid="2"/>
+                                        </p:tgtEl>
+                                      </p:cBhvr>
+                                    </p:cmd>
+                                  </p:childTnLst>
+                                </p:cTn>
+                              </p:par>
+                            </p:childTnLst>
+                          </p:cTn>
+                        </p:par>
+                      </p:childTnLst>
+                    </p:cTn>
+                  </p:par>
+                </p:childTnLst>
+              </p:cTn>
+              <p:prevCondLst>
+                <p:cond evt="onPrev" delay="0">
+                  <p:tgtEl>
+                    <p:sldTgt/>
+                  </p:tgtEl>
+                </p:cond>
+              </p:prevCondLst>
+              <p:nextCondLst>
+                <p:cond evt="onNext" delay="0">
+                  <p:tgtEl>
+                    <p:sldTgt/>
+                  </p:tgtEl>
+                </p:cond>
+              </p:nextCondLst>
+            </p:seq>
+            <p:audio isNarration="1">
+              <p:cMediaNode vol="80000" showWhenStopped="0">
+                <p:cTn id="7" fill="hold" display="0">
+                  <p:stCondLst>
+                    <p:cond delay="indefinite"/>
+                  </p:stCondLst>
+                  <p:endCondLst>
+                    <p:cond evt="onStopAudio" delay="0">
+                      <p:tgtEl>
+                        <p:sldTgt/>
+                      </p:tgtEl>
+                    </p:cond>
+                  </p:endCondLst>
+                </p:cTn>
+                <p:tgtEl>
+                  <p:spTgt spid="2"/>
+                </p:tgtEl>
+              </p:cMediaNode>
+            </p:audio>
+          </p:childTnLst>
+        </p:cTn>
+      </p:par>
+    </p:tnLst>
+  </p:timing>
+</p:sld>
+</file>
+
+<file path=ppt/slides/slide10.xml><?xml version="1.0" encoding="utf-8"?>
+<p:sld xmlns:a="http://schemas.openxmlformats.org/drawingml/2006/main" xmlns:r="http://schemas.openxmlformats.org/officeDocument/2006/relationships" xmlns:p="http://schemas.openxmlformats.org/presentationml/2006/main">
+  <p:cSld>
+    <p:spTree>
+      <p:nvGrpSpPr>
+        <p:cNvPr id="1" name=""/>
+        <p:cNvGrpSpPr/>
+        <p:nvPr/>
+      </p:nvGrpSpPr>
+      <p:grpSpPr>
+        <a:xfrm>
+          <a:off x="0" y="0"/>
+          <a:ext cx="0" cy="0"/>
+          <a:chOff x="0" y="0"/>
+          <a:chExt cx="0" cy="0"/>
+        </a:xfrm>
+      </p:grpSpPr>
+      <p:sp>
+        <p:nvSpPr>
+          <p:cNvPr id="2" name="正方形/長方形 1">
+            <a:extLst>
+              <a:ext uri="{FF2B5EF4-FFF2-40B4-BE49-F238E27FC236}">
+                <a16:creationId xmlns:a16="http://schemas.microsoft.com/office/drawing/2014/main" id="{06513E0B-DFE2-4C68-AFFD-6914BA692E09}"/>
+              </a:ext>
+            </a:extLst>
+          </p:cNvPr>
+          <p:cNvSpPr/>
+          <p:nvPr/>
+        </p:nvSpPr>
+        <p:spPr>
+          <a:xfrm>
+            <a:off x="1" y="0"/>
+            <a:ext cx="12192000" cy="6858000"/>
+          </a:xfrm>
+          <a:prstGeom prst="rect">
+            <a:avLst/>
+          </a:prstGeom>
+          <a:solidFill>
+            <a:schemeClr val="accent1">
+              <a:lumMod val="50000"/>
+            </a:schemeClr>
+          </a:solidFill>
+          <a:ln>
+            <a:solidFill>
+              <a:schemeClr val="accent1">
+                <a:lumMod val="50000"/>
+              </a:schemeClr>
+            </a:solidFill>
+          </a:ln>
+        </p:spPr>
+        <p:style>
+          <a:lnRef idx="2">
+            <a:schemeClr val="accent1">
+              <a:shade val="50000"/>
+            </a:schemeClr>
+          </a:lnRef>
+          <a:fillRef idx="1">
+            <a:schemeClr val="accent1"/>
+          </a:fillRef>
+          <a:effectRef idx="0">
+            <a:schemeClr val="accent1"/>
+          </a:effectRef>
+          <a:fontRef idx="minor">
+            <a:schemeClr val="lt1"/>
+          </a:fontRef>
+        </p:style>
+        <p:txBody>
+          <a:bodyPr rtlCol="0" anchor="ctr"/>
+          <a:lstStyle/>
+          <a:p>
+            <a:pPr algn="ctr"/>
+            <a:r>
+              <a:rPr kumimoji="1" lang="ja-JP" altLang="en-US" sz="4000" b="1" dirty="0"/>
+              <a:t>最後まで聞いていただきありがとうございました。</a:t>
+            </a:r>
+            <a:endParaRPr kumimoji="1" lang="en-US" altLang="ja-JP" sz="4000" b="1" dirty="0"/>
+          </a:p>
+          <a:p>
+            <a:pPr algn="ctr"/>
+            <a:endParaRPr lang="en-US" altLang="ja-JP" sz="4000" b="1" dirty="0"/>
+          </a:p>
+          <a:p>
+            <a:pPr algn="ctr"/>
+            <a:endParaRPr lang="en-US" altLang="ja-JP" sz="4000" b="1" dirty="0"/>
+          </a:p>
+          <a:p>
+            <a:pPr algn="ctr"/>
+            <a:endParaRPr lang="en-US" altLang="ja-JP" sz="4000" b="1" dirty="0"/>
+          </a:p>
+          <a:p>
+            <a:pPr algn="ctr"/>
+            <a:endParaRPr lang="en-US" altLang="ja-JP" sz="4000" b="1" dirty="0"/>
+          </a:p>
+          <a:p>
+            <a:pPr algn="ctr"/>
+            <a:endParaRPr lang="en-US" altLang="ja-JP" sz="4000" b="1" dirty="0"/>
+          </a:p>
+          <a:p>
+            <a:pPr algn="r"/>
+            <a:r>
+              <a:rPr lang="ja-JP" altLang="en-US" sz="4000" b="1" dirty="0"/>
+              <a:t>ブログ：</a:t>
+            </a:r>
+            <a:r>
+              <a:rPr lang="en-US" altLang="ja-JP" sz="4000" b="1" dirty="0"/>
+              <a:t>kabu-guide.com</a:t>
+            </a:r>
+          </a:p>
+          <a:p>
+            <a:pPr algn="r"/>
+            <a:r>
+              <a:rPr lang="en-US" altLang="ja-JP" sz="4000" b="1" dirty="0"/>
+              <a:t>Twitter: </a:t>
+            </a:r>
+            <a:r>
+              <a:rPr lang="en-US" altLang="ja-JP" sz="4000" b="1" dirty="0" err="1"/>
+              <a:t>litte</a:t>
+            </a:r>
+            <a:r>
+              <a:rPr lang="en-US" altLang="ja-JP" sz="4000" b="1" dirty="0"/>
+              <a:t> </a:t>
+            </a:r>
+            <a:r>
+              <a:rPr lang="en-US" altLang="ja-JP" sz="4000" b="1" dirty="0" err="1"/>
+              <a:t>jhon</a:t>
+            </a:r>
+            <a:endParaRPr lang="en-US" altLang="ja-JP" sz="4000" b="1" dirty="0"/>
+          </a:p>
+        </p:txBody>
+      </p:sp>
+      <p:pic>
+        <p:nvPicPr>
+          <p:cNvPr id="3" name="オーディオ 2">
+            <a:hlinkClick r:id="" action="ppaction://media"/>
+            <a:extLst>
+              <a:ext uri="{FF2B5EF4-FFF2-40B4-BE49-F238E27FC236}">
+                <a16:creationId xmlns:a16="http://schemas.microsoft.com/office/drawing/2014/main" id="{422CD703-46A3-4BE5-9DF8-6A559622B579}"/>
+              </a:ext>
+            </a:extLst>
+          </p:cNvPr>
+          <p:cNvPicPr>
+            <a:picLocks noChangeAspect="1"/>
+          </p:cNvPicPr>
+          <p:nvPr>
+            <a:audioFile r:link="rId2"/>
+            <p:extLst>
+              <p:ext uri="{DAA4B4D4-6D71-4841-9C94-3DE7FCFB9230}">
+                <p14:media xmlns:p14="http://schemas.microsoft.com/office/powerpoint/2010/main" r:embed="rId1"/>
+              </p:ext>
+            </p:extLst>
+          </p:nvPr>
+        </p:nvPicPr>
+        <p:blipFill>
+          <a:blip r:embed="rId4"/>
+          <a:stretch>
+            <a:fillRect/>
+          </a:stretch>
+        </p:blipFill>
+        <p:spPr>
+          <a:xfrm>
+            <a:off x="11569700" y="6235700"/>
+            <a:ext cx="406400" cy="406400"/>
+          </a:xfrm>
+          <a:prstGeom prst="rect">
+            <a:avLst/>
+          </a:prstGeom>
+        </p:spPr>
+      </p:pic>
+    </p:spTree>
+    <p:extLst>
+      <p:ext uri="{BB962C8B-B14F-4D97-AF65-F5344CB8AC3E}">
+        <p14:creationId xmlns:p14="http://schemas.microsoft.com/office/powerpoint/2010/main" val="721029526"/>
+      </p:ext>
+    </p:extLst>
+  </p:cSld>
+  <p:clrMapOvr>
+    <a:masterClrMapping/>
+  </p:clrMapOvr>
+  <mc:AlternateContent xmlns:mc="http://schemas.openxmlformats.org/markup-compatibility/2006">
+    <mc:Choice xmlns:p14="http://schemas.microsoft.com/office/powerpoint/2010/main" Requires="p14">
+      <p:transition spd="slow" p14:dur="2000" advTm="15883"/>
+    </mc:Choice>
+    <mc:Fallback>
+      <p:transition spd="slow" advTm="15883"/>
+    </mc:Fallback>
+  </mc:AlternateContent>
+  <p:timing>
+    <p:tnLst>
+      <p:par>
+        <p:cTn id="1" dur="indefinite" restart="never" nodeType="tmRoot">
+          <p:childTnLst>
+            <p:seq concurrent="1" nextAc="seek">
+              <p:cTn id="2" dur="indefinite" nodeType="mainSeq">
+                <p:childTnLst>
+                  <p:par>
+                    <p:cTn id="3" fill="hold">
+                      <p:stCondLst>
+                        <p:cond delay="indefinite"/>
+                        <p:cond evt="onBegin" delay="0">
+                          <p:tn val="2"/>
+                        </p:cond>
+                      </p:stCondLst>
+                      <p:childTnLst>
+                        <p:par>
+                          <p:cTn id="4" fill="hold">
+                            <p:stCondLst>
+                              <p:cond delay="0"/>
+                            </p:stCondLst>
+                            <p:childTnLst>
+                              <p:par>
+                                <p:cTn id="5" presetID="1" presetClass="mediacall" presetSubtype="0" fill="hold" nodeType="afterEffect">
+                                  <p:stCondLst>
+                                    <p:cond delay="0"/>
+                                  </p:stCondLst>
+                                  <p:childTnLst>
+                                    <p:cmd type="call" cmd="playFrom(0.0)">
+                                      <p:cBhvr>
+                                        <p:cTn id="6" dur="1" fill="hold"/>
+                                        <p:tgtEl>
+                                          <p:spTgt spid="3"/>
+                                        </p:tgtEl>
+                                      </p:cBhvr>
+                                    </p:cmd>
+                                  </p:childTnLst>
+                                </p:cTn>
+                              </p:par>
+                            </p:childTnLst>
+                          </p:cTn>
+                        </p:par>
+                      </p:childTnLst>
+                    </p:cTn>
+                  </p:par>
+                </p:childTnLst>
+              </p:cTn>
+              <p:prevCondLst>
+                <p:cond evt="onPrev" delay="0">
+                  <p:tgtEl>
+                    <p:sldTgt/>
+                  </p:tgtEl>
+                </p:cond>
+              </p:prevCondLst>
+              <p:nextCondLst>
+                <p:cond evt="onNext" delay="0">
+                  <p:tgtEl>
+                    <p:sldTgt/>
+                  </p:tgtEl>
+                </p:cond>
+              </p:nextCondLst>
+            </p:seq>
+            <p:audio isNarration="1">
+              <p:cMediaNode vol="80000" showWhenStopped="0">
+                <p:cTn id="7" fill="hold" display="0">
+                  <p:stCondLst>
+                    <p:cond delay="indefinite"/>
+                  </p:stCondLst>
+                  <p:endCondLst>
+                    <p:cond evt="onStopAudio" delay="0">
+                      <p:tgtEl>
+                        <p:sldTgt/>
+                      </p:tgtEl>
+                    </p:cond>
+                  </p:endCondLst>
+                </p:cTn>
+                <p:tgtEl>
+                  <p:spTgt spid="3"/>
+                </p:tgtEl>
+              </p:cMediaNode>
+            </p:audio>
+          </p:childTnLst>
+        </p:cTn>
+      </p:par>
+    </p:tnLst>
+  </p:timing>
 </p:sld>
 </file>
 
@@ -3938,8 +4349,8 @@
         </p:nvSpPr>
         <p:spPr>
           <a:xfrm>
-            <a:off x="2328262" y="2358998"/>
-            <a:ext cx="6077202" cy="1754326"/>
+            <a:off x="239486" y="1545771"/>
+            <a:ext cx="11723914" cy="4455259"/>
           </a:xfrm>
           <a:prstGeom prst="rect">
             <a:avLst/>
@@ -3952,26 +4363,69 @@
           </a:bodyPr>
           <a:lstStyle/>
           <a:p>
-            <a:r>
-              <a:rPr dirty="0" err="1"/>
+            <a:pPr>
+              <a:lnSpc>
+                <a:spcPct val="150000"/>
+              </a:lnSpc>
+            </a:pPr>
+            <a:r>
+              <a:rPr sz="3200" dirty="0" err="1"/>
               <a:t>パターン・エナジ</a:t>
             </a:r>
             <a:r>
-              <a:rPr dirty="0"/>
+              <a:rPr sz="3200" dirty="0"/>
               <a:t>ー・グループは、米国の独立系電力会社。米国、カナダ、チリの風力発電プロジェクトの利権を保有する。所有プロジェクトには、ガルフ・ウィンドとハチェット・リッジ、セント・ジョセフ、スプリング・バレー、</a:t>
             </a:r>
             <a:r>
-              <a:rPr dirty="0" err="1"/>
+              <a:rPr sz="3200" dirty="0" err="1"/>
               <a:t>サンタ・イサベル、オコティロなどがある。本社は、カリフォルニア州サンフランシスコ</a:t>
             </a:r>
             <a:r>
-              <a:rPr dirty="0"/>
+              <a:rPr sz="3200" dirty="0"/>
               <a:t>。</a:t>
             </a:r>
-            <a:endParaRPr kumimoji="1" lang="ja-JP" altLang="en-US" dirty="0"/>
+            <a:endParaRPr kumimoji="1" lang="ja-JP" altLang="en-US" sz="3200" dirty="0"/>
           </a:p>
         </p:txBody>
       </p:sp>
+      <p:pic>
+        <p:nvPicPr>
+          <p:cNvPr id="3" name="オーディオ 2">
+            <a:hlinkClick r:id="" action="ppaction://media"/>
+            <a:extLst>
+              <a:ext uri="{FF2B5EF4-FFF2-40B4-BE49-F238E27FC236}">
+                <a16:creationId xmlns:a16="http://schemas.microsoft.com/office/drawing/2014/main" id="{31609D77-90BF-46BF-A150-22223B0BD54B}"/>
+              </a:ext>
+            </a:extLst>
+          </p:cNvPr>
+          <p:cNvPicPr>
+            <a:picLocks noChangeAspect="1"/>
+          </p:cNvPicPr>
+          <p:nvPr>
+            <a:audioFile r:link="rId2"/>
+            <p:extLst>
+              <p:ext uri="{DAA4B4D4-6D71-4841-9C94-3DE7FCFB9230}">
+                <p14:media xmlns:p14="http://schemas.microsoft.com/office/powerpoint/2010/main" r:embed="rId1"/>
+              </p:ext>
+            </p:extLst>
+          </p:nvPr>
+        </p:nvPicPr>
+        <p:blipFill>
+          <a:blip r:embed="rId4"/>
+          <a:stretch>
+            <a:fillRect/>
+          </a:stretch>
+        </p:blipFill>
+        <p:spPr>
+          <a:xfrm>
+            <a:off x="11569700" y="6235700"/>
+            <a:ext cx="406400" cy="406400"/>
+          </a:xfrm>
+          <a:prstGeom prst="rect">
+            <a:avLst/>
+          </a:prstGeom>
+        </p:spPr>
+      </p:pic>
     </p:spTree>
     <p:extLst>
       <p:ext uri="{BB962C8B-B14F-4D97-AF65-F5344CB8AC3E}">
@@ -3982,6 +4436,101 @@
   <p:clrMapOvr>
     <a:masterClrMapping/>
   </p:clrMapOvr>
+  <mc:AlternateContent xmlns:mc="http://schemas.openxmlformats.org/markup-compatibility/2006">
+    <mc:Choice xmlns:p14="http://schemas.microsoft.com/office/powerpoint/2010/main" Requires="p14">
+      <p:transition spd="slow" p14:dur="2000" advTm="22711"/>
+    </mc:Choice>
+    <mc:Fallback>
+      <p:transition spd="slow" advTm="22711"/>
+    </mc:Fallback>
+  </mc:AlternateContent>
+  <p:timing>
+    <p:tnLst>
+      <p:par>
+        <p:cTn id="1" dur="indefinite" restart="never" nodeType="tmRoot">
+          <p:childTnLst>
+            <p:seq concurrent="1" nextAc="seek">
+              <p:cTn id="2" dur="indefinite" nodeType="mainSeq">
+                <p:childTnLst>
+                  <p:par>
+                    <p:cTn id="3" fill="hold">
+                      <p:stCondLst>
+                        <p:cond delay="indefinite"/>
+                        <p:cond evt="onBegin" delay="0">
+                          <p:tn val="2"/>
+                        </p:cond>
+                      </p:stCondLst>
+                      <p:childTnLst>
+                        <p:par>
+                          <p:cTn id="4" fill="hold">
+                            <p:stCondLst>
+                              <p:cond delay="0"/>
+                            </p:stCondLst>
+                            <p:childTnLst>
+                              <p:par>
+                                <p:cTn id="5" presetID="1" presetClass="mediacall" presetSubtype="0" fill="hold" nodeType="afterEffect">
+                                  <p:stCondLst>
+                                    <p:cond delay="0"/>
+                                  </p:stCondLst>
+                                  <p:childTnLst>
+                                    <p:cmd type="call" cmd="playFrom(0.0)">
+                                      <p:cBhvr>
+                                        <p:cTn id="6" dur="1" fill="hold"/>
+                                        <p:tgtEl>
+                                          <p:spTgt spid="3"/>
+                                        </p:tgtEl>
+                                      </p:cBhvr>
+                                    </p:cmd>
+                                  </p:childTnLst>
+                                </p:cTn>
+                              </p:par>
+                            </p:childTnLst>
+                          </p:cTn>
+                        </p:par>
+                      </p:childTnLst>
+                    </p:cTn>
+                  </p:par>
+                </p:childTnLst>
+              </p:cTn>
+              <p:prevCondLst>
+                <p:cond evt="onPrev" delay="0">
+                  <p:tgtEl>
+                    <p:sldTgt/>
+                  </p:tgtEl>
+                </p:cond>
+              </p:prevCondLst>
+              <p:nextCondLst>
+                <p:cond evt="onNext" delay="0">
+                  <p:tgtEl>
+                    <p:sldTgt/>
+                  </p:tgtEl>
+                </p:cond>
+              </p:nextCondLst>
+            </p:seq>
+            <p:audio isNarration="1">
+              <p:cMediaNode vol="80000" showWhenStopped="0">
+                <p:cTn id="7" fill="hold" display="0">
+                  <p:stCondLst>
+                    <p:cond delay="indefinite"/>
+                  </p:stCondLst>
+                  <p:endCondLst>
+                    <p:cond evt="onStopAudio" delay="0">
+                      <p:tgtEl>
+                        <p:sldTgt/>
+                      </p:tgtEl>
+                    </p:cond>
+                  </p:endCondLst>
+                </p:cTn>
+                <p:tgtEl>
+                  <p:spTgt spid="3"/>
+                </p:tgtEl>
+              </p:cMediaNode>
+            </p:audio>
+          </p:childTnLst>
+        </p:cTn>
+      </p:par>
+    </p:tnLst>
+  </p:timing>
 </p:sld>
 </file>
 
@@ -4002,1042 +4551,179 @@
           <a:chExt cx="0" cy="0"/>
         </a:xfrm>
       </p:grpSpPr>
-      <p:sp>
-        <p:nvSpPr>
-          <p:cNvPr id="2" name="正方形/長方形 1">
+      <p:pic>
+        <p:nvPicPr>
+          <p:cNvPr id="2" name="図 1">
             <a:extLst>
               <a:ext uri="{FF2B5EF4-FFF2-40B4-BE49-F238E27FC236}">
-                <a16:creationId xmlns:a16="http://schemas.microsoft.com/office/drawing/2014/main" id="{06513E0B-DFE2-4C68-AFFD-6914BA692E09}"/>
+                <a16:creationId xmlns:a16="http://schemas.microsoft.com/office/drawing/2014/main" id="{8D6469ED-26C5-46DD-9039-C2DCD6E40CB8}"/>
               </a:ext>
             </a:extLst>
           </p:cNvPr>
-          <p:cNvSpPr/>
+          <p:cNvPicPr>
+            <a:picLocks noChangeAspect="1"/>
+          </p:cNvPicPr>
           <p:nvPr/>
-        </p:nvSpPr>
+        </p:nvPicPr>
+        <p:blipFill>
+          <a:blip r:embed="rId4"/>
+          <a:stretch>
+            <a:fillRect/>
+          </a:stretch>
+        </p:blipFill>
         <p:spPr>
           <a:xfrm>
-            <a:off x="1" y="0"/>
-            <a:ext cx="12192000" cy="1084881"/>
+            <a:off x="337616" y="958467"/>
+            <a:ext cx="11529606" cy="4946573"/>
           </a:xfrm>
           <a:prstGeom prst="rect">
             <a:avLst/>
           </a:prstGeom>
-          <a:solidFill>
-            <a:schemeClr val="accent1">
-              <a:lumMod val="50000"/>
-            </a:schemeClr>
-          </a:solidFill>
-          <a:ln>
-            <a:solidFill>
-              <a:schemeClr val="accent1">
-                <a:lumMod val="50000"/>
-              </a:schemeClr>
-            </a:solidFill>
-          </a:ln>
         </p:spPr>
-        <p:style>
-          <a:lnRef idx="2">
-            <a:schemeClr val="accent1">
-              <a:shade val="50000"/>
-            </a:schemeClr>
-          </a:lnRef>
-          <a:fillRef idx="1">
-            <a:schemeClr val="accent1"/>
-          </a:fillRef>
-          <a:effectRef idx="0">
-            <a:schemeClr val="accent1"/>
-          </a:effectRef>
-          <a:fontRef idx="minor">
-            <a:schemeClr val="lt1"/>
-          </a:fontRef>
-        </p:style>
-        <p:txBody>
-          <a:bodyPr rtlCol="0" anchor="ctr"/>
-          <a:lstStyle/>
-          <a:p>
-            <a:pPr algn="ctr"/>
-            <a:r>
-              <a:rPr dirty="0"/>
-              <a:t>Pattern</a:t>
-            </a:r>
-            <a:r>
-              <a:rPr lang="ja-JP" altLang="en-US" dirty="0"/>
-              <a:t> </a:t>
-            </a:r>
-            <a:r>
-              <a:rPr dirty="0"/>
-              <a:t>Energy</a:t>
-            </a:r>
-            <a:r>
-              <a:rPr lang="ja-JP" altLang="en-US" dirty="0"/>
-              <a:t> </a:t>
-            </a:r>
-            <a:r>
-              <a:rPr dirty="0"/>
-              <a:t>Group</a:t>
-            </a:r>
-            <a:r>
-              <a:rPr lang="ja-JP" altLang="en-US" dirty="0"/>
-              <a:t> </a:t>
-            </a:r>
-            <a:r>
-              <a:rPr dirty="0"/>
-              <a:t>Inc</a:t>
-            </a:r>
-            <a:endParaRPr kumimoji="1" lang="ja-JP" altLang="en-US" sz="7200" b="1" dirty="0"/>
-          </a:p>
-        </p:txBody>
-      </p:sp>
-      <p:graphicFrame>
-        <p:nvGraphicFramePr>
-          <p:cNvPr id="3" name="表 2">
+      </p:pic>
+      <p:pic>
+        <p:nvPicPr>
+          <p:cNvPr id="3" name="オーディオ 2">
+            <a:hlinkClick r:id="" action="ppaction://media"/>
             <a:extLst>
               <a:ext uri="{FF2B5EF4-FFF2-40B4-BE49-F238E27FC236}">
-                <a16:creationId xmlns:a16="http://schemas.microsoft.com/office/drawing/2014/main" id="{FFCCECC4-349B-4502-8D9C-AF477547D7D1}"/>
+                <a16:creationId xmlns:a16="http://schemas.microsoft.com/office/drawing/2014/main" id="{D722F140-FE7A-4FD9-ACF6-35627BABB961}"/>
               </a:ext>
             </a:extLst>
           </p:cNvPr>
-          <p:cNvGraphicFramePr>
-            <a:graphicFrameLocks noGrp="1"/>
-          </p:cNvGraphicFramePr>
-          <p:nvPr/>
-        </p:nvGraphicFramePr>
-        <p:xfrm>
-          <a:off x="435429" y="1497727"/>
-          <a:ext cx="11342914" cy="5327510"/>
-        </p:xfrm>
-        <a:graphic>
-          <a:graphicData uri="http://schemas.openxmlformats.org/drawingml/2006/table">
-            <a:tbl>
-              <a:tblPr/>
-              <a:tblGrid>
-                <a:gridCol w="5671457">
-                  <a:extLst>
-                    <a:ext uri="{9D8B030D-6E8A-4147-A177-3AD203B41FA5}">
-                      <a16:colId xmlns:a16="http://schemas.microsoft.com/office/drawing/2014/main" val="373451061"/>
-                    </a:ext>
-                  </a:extLst>
-                </a:gridCol>
-                <a:gridCol w="5671457">
-                  <a:extLst>
-                    <a:ext uri="{9D8B030D-6E8A-4147-A177-3AD203B41FA5}">
-                      <a16:colId xmlns:a16="http://schemas.microsoft.com/office/drawing/2014/main" val="590999438"/>
-                    </a:ext>
-                  </a:extLst>
-                </a:gridCol>
-              </a:tblGrid>
-              <a:tr h="682461">
-                <a:tc>
-                  <a:txBody>
-                    <a:bodyPr/>
-                    <a:lstStyle/>
-                    <a:p>
-                      <a:pPr algn="ctr"/>
-                      <a:r>
-                        <a:rPr kumimoji="1" lang="ja-JP" altLang="en-US" sz="2800" b="0" i="0" kern="1200" dirty="0">
-                          <a:solidFill>
-                            <a:schemeClr val="tx1"/>
-                          </a:solidFill>
-                          <a:effectLst/>
-                          <a:latin typeface="+mn-lt"/>
-                          <a:ea typeface="+mn-ea"/>
-                          <a:cs typeface="+mn-cs"/>
-                        </a:rPr>
-                        <a:t>時価総額</a:t>
-                      </a:r>
-                      <a:endParaRPr lang="en-US" sz="2800" dirty="0">
-                        <a:effectLst/>
-                      </a:endParaRPr>
-                    </a:p>
-                  </a:txBody>
-                  <a:tcPr marL="48348" marR="33575" marT="24174" marB="24174" anchor="ctr">
-                    <a:lnL>
-                      <a:noFill/>
-                    </a:lnL>
-                    <a:lnR>
-                      <a:noFill/>
-                    </a:lnR>
-                    <a:lnT w="6350" cap="flat" cmpd="sng" algn="ctr">
-                      <a:solidFill>
-                        <a:srgbClr val="E0E4E9"/>
-                      </a:solidFill>
-                      <a:prstDash val="solid"/>
-                      <a:round/>
-                      <a:headEnd type="none" w="med" len="med"/>
-                      <a:tailEnd type="none" w="med" len="med"/>
-                    </a:lnT>
-                    <a:lnB w="6350" cap="flat" cmpd="sng" algn="ctr">
-                      <a:solidFill>
-                        <a:srgbClr val="E0E4E9"/>
-                      </a:solidFill>
-                      <a:prstDash val="solid"/>
-                      <a:round/>
-                      <a:headEnd type="none" w="med" len="med"/>
-                      <a:tailEnd type="none" w="med" len="med"/>
-                    </a:lnB>
-                    <a:solidFill>
-                      <a:srgbClr val="FFFFFF"/>
-                    </a:solidFill>
-                  </a:tcPr>
-                </a:tc>
-                <a:tc>
-                  <a:txBody>
-                    <a:bodyPr/>
-                    <a:lstStyle/>
-                    <a:p>
-                      <a:r>
-                        <a:t>2.7B</a:t>
-                      </a:r>
-                    </a:p>
-                  </a:txBody>
-                  <a:tcPr marL="33575" marR="48348" marT="24174" marB="24174" anchor="ctr">
-                    <a:lnL>
-                      <a:noFill/>
-                    </a:lnL>
-                    <a:lnR>
-                      <a:noFill/>
-                    </a:lnR>
-                    <a:lnT w="6350" cap="flat" cmpd="sng" algn="ctr">
-                      <a:solidFill>
-                        <a:srgbClr val="E0E4E9"/>
-                      </a:solidFill>
-                      <a:prstDash val="solid"/>
-                      <a:round/>
-                      <a:headEnd type="none" w="med" len="med"/>
-                      <a:tailEnd type="none" w="med" len="med"/>
-                    </a:lnT>
-                    <a:lnB w="6350" cap="flat" cmpd="sng" algn="ctr">
-                      <a:solidFill>
-                        <a:srgbClr val="E0E4E9"/>
-                      </a:solidFill>
-                      <a:prstDash val="solid"/>
-                      <a:round/>
-                      <a:headEnd type="none" w="med" len="med"/>
-                      <a:tailEnd type="none" w="med" len="med"/>
-                    </a:lnB>
-                    <a:noFill/>
-                  </a:tcPr>
-                </a:tc>
-                <a:extLst>
-                  <a:ext uri="{0D108BD9-81ED-4DB2-BD59-A6C34878D82A}">
-                    <a16:rowId xmlns:a16="http://schemas.microsoft.com/office/drawing/2014/main" val="2804550959"/>
-                  </a:ext>
-                </a:extLst>
-              </a:tr>
-              <a:tr h="449643">
-                <a:tc>
-                  <a:txBody>
-                    <a:bodyPr/>
-                    <a:lstStyle/>
-                    <a:p>
-                      <a:pPr algn="ctr"/>
-                      <a:r>
-                        <a:rPr kumimoji="1" lang="ja-JP" altLang="en-US" sz="1800" b="0" i="0" kern="1200" dirty="0">
-                          <a:solidFill>
-                            <a:schemeClr val="tx1"/>
-                          </a:solidFill>
-                          <a:effectLst/>
-                          <a:latin typeface="+mn-lt"/>
-                          <a:ea typeface="+mn-ea"/>
-                          <a:cs typeface="+mn-cs"/>
-                        </a:rPr>
-                        <a:t>企業価値</a:t>
-                      </a:r>
-                      <a:endParaRPr lang="en-US" sz="2400" dirty="0">
-                        <a:effectLst/>
-                      </a:endParaRPr>
-                    </a:p>
-                  </a:txBody>
-                  <a:tcPr marL="48348" marR="33575" marT="24174" marB="24174" anchor="ctr">
-                    <a:lnL>
-                      <a:noFill/>
-                    </a:lnL>
-                    <a:lnR>
-                      <a:noFill/>
-                    </a:lnR>
-                    <a:lnT w="6350" cap="flat" cmpd="sng" algn="ctr">
-                      <a:solidFill>
-                        <a:srgbClr val="E0E4E9"/>
-                      </a:solidFill>
-                      <a:prstDash val="solid"/>
-                      <a:round/>
-                      <a:headEnd type="none" w="med" len="med"/>
-                      <a:tailEnd type="none" w="med" len="med"/>
-                    </a:lnT>
-                    <a:lnB w="6350" cap="flat" cmpd="sng" algn="ctr">
-                      <a:solidFill>
-                        <a:srgbClr val="E0E4E9"/>
-                      </a:solidFill>
-                      <a:prstDash val="solid"/>
-                      <a:round/>
-                      <a:headEnd type="none" w="med" len="med"/>
-                      <a:tailEnd type="none" w="med" len="med"/>
-                    </a:lnB>
-                    <a:solidFill>
-                      <a:srgbClr val="FFFFFF"/>
-                    </a:solidFill>
-                  </a:tcPr>
-                </a:tc>
-                <a:tc>
-                  <a:txBody>
-                    <a:bodyPr/>
-                    <a:lstStyle/>
-                    <a:p>
-                      <a:r>
-                        <a:t>6.35B</a:t>
-                      </a:r>
-                    </a:p>
-                  </a:txBody>
-                  <a:tcPr marL="33575" marR="48348" marT="24174" marB="24174" anchor="ctr">
-                    <a:lnL>
-                      <a:noFill/>
-                    </a:lnL>
-                    <a:lnR>
-                      <a:noFill/>
-                    </a:lnR>
-                    <a:lnT w="6350" cap="flat" cmpd="sng" algn="ctr">
-                      <a:solidFill>
-                        <a:srgbClr val="E0E4E9"/>
-                      </a:solidFill>
-                      <a:prstDash val="solid"/>
-                      <a:round/>
-                      <a:headEnd type="none" w="med" len="med"/>
-                      <a:tailEnd type="none" w="med" len="med"/>
-                    </a:lnT>
-                    <a:lnB w="6350" cap="flat" cmpd="sng" algn="ctr">
-                      <a:solidFill>
-                        <a:srgbClr val="E0E4E9"/>
-                      </a:solidFill>
-                      <a:prstDash val="solid"/>
-                      <a:round/>
-                      <a:headEnd type="none" w="med" len="med"/>
-                      <a:tailEnd type="none" w="med" len="med"/>
-                    </a:lnB>
-                  </a:tcPr>
-                </a:tc>
-                <a:extLst>
-                  <a:ext uri="{0D108BD9-81ED-4DB2-BD59-A6C34878D82A}">
-                    <a16:rowId xmlns:a16="http://schemas.microsoft.com/office/drawing/2014/main" val="1352689207"/>
-                  </a:ext>
-                </a:extLst>
-              </a:tr>
-              <a:tr h="641604">
-                <a:tc>
-                  <a:txBody>
-                    <a:bodyPr/>
-                    <a:lstStyle/>
-                    <a:p>
-                      <a:pPr algn="ctr"/>
-                      <a:r>
-                        <a:rPr kumimoji="1" lang="ja-JP" altLang="en-US" sz="1800" b="0" i="0" kern="1200" dirty="0">
-                          <a:solidFill>
-                            <a:schemeClr val="tx1"/>
-                          </a:solidFill>
-                          <a:effectLst/>
-                          <a:latin typeface="+mn-lt"/>
-                          <a:ea typeface="+mn-ea"/>
-                          <a:cs typeface="+mn-cs"/>
-                        </a:rPr>
-                        <a:t>実績</a:t>
-                      </a:r>
-                      <a:r>
-                        <a:rPr kumimoji="1" lang="en-US" altLang="ja-JP" sz="1800" b="0" i="0" kern="1200" dirty="0">
-                          <a:solidFill>
-                            <a:schemeClr val="tx1"/>
-                          </a:solidFill>
-                          <a:effectLst/>
-                          <a:latin typeface="+mn-lt"/>
-                          <a:ea typeface="+mn-ea"/>
-                          <a:cs typeface="+mn-cs"/>
-                        </a:rPr>
-                        <a:t>PER</a:t>
-                      </a:r>
-                      <a:endParaRPr lang="en-US" sz="2400" dirty="0">
-                        <a:effectLst/>
-                      </a:endParaRPr>
-                    </a:p>
-                  </a:txBody>
-                  <a:tcPr marL="48348" marR="33575" marT="24174" marB="24174" anchor="ctr">
-                    <a:lnL>
-                      <a:noFill/>
-                    </a:lnL>
-                    <a:lnR>
-                      <a:noFill/>
-                    </a:lnR>
-                    <a:lnT w="6350" cap="flat" cmpd="sng" algn="ctr">
-                      <a:solidFill>
-                        <a:srgbClr val="E0E4E9"/>
-                      </a:solidFill>
-                      <a:prstDash val="solid"/>
-                      <a:round/>
-                      <a:headEnd type="none" w="med" len="med"/>
-                      <a:tailEnd type="none" w="med" len="med"/>
-                    </a:lnT>
-                    <a:lnB w="6350" cap="flat" cmpd="sng" algn="ctr">
-                      <a:solidFill>
-                        <a:srgbClr val="E0E4E9"/>
-                      </a:solidFill>
-                      <a:prstDash val="solid"/>
-                      <a:round/>
-                      <a:headEnd type="none" w="med" len="med"/>
-                      <a:tailEnd type="none" w="med" len="med"/>
-                    </a:lnB>
-                    <a:solidFill>
-                      <a:srgbClr val="FFFFFF"/>
-                    </a:solidFill>
-                  </a:tcPr>
-                </a:tc>
-                <a:tc>
-                  <a:txBody>
-                    <a:bodyPr/>
-                    <a:lstStyle/>
-                    <a:p>
-                      <a:r>
-                        <a:t>N/A</a:t>
-                      </a:r>
-                    </a:p>
-                  </a:txBody>
-                  <a:tcPr marL="33575" marR="48348" marT="24174" marB="24174" anchor="ctr">
-                    <a:lnL>
-                      <a:noFill/>
-                    </a:lnL>
-                    <a:lnR>
-                      <a:noFill/>
-                    </a:lnR>
-                    <a:lnT w="6350" cap="flat" cmpd="sng" algn="ctr">
-                      <a:solidFill>
-                        <a:srgbClr val="E0E4E9"/>
-                      </a:solidFill>
-                      <a:prstDash val="solid"/>
-                      <a:round/>
-                      <a:headEnd type="none" w="med" len="med"/>
-                      <a:tailEnd type="none" w="med" len="med"/>
-                    </a:lnT>
-                    <a:lnB w="6350" cap="flat" cmpd="sng" algn="ctr">
-                      <a:solidFill>
-                        <a:srgbClr val="E0E4E9"/>
-                      </a:solidFill>
-                      <a:prstDash val="solid"/>
-                      <a:round/>
-                      <a:headEnd type="none" w="med" len="med"/>
-                      <a:tailEnd type="none" w="med" len="med"/>
-                    </a:lnB>
-                  </a:tcPr>
-                </a:tc>
-                <a:extLst>
-                  <a:ext uri="{0D108BD9-81ED-4DB2-BD59-A6C34878D82A}">
-                    <a16:rowId xmlns:a16="http://schemas.microsoft.com/office/drawing/2014/main" val="25769734"/>
-                  </a:ext>
-                </a:extLst>
-              </a:tr>
-              <a:tr h="449643">
-                <a:tc>
-                  <a:txBody>
-                    <a:bodyPr/>
-                    <a:lstStyle/>
-                    <a:p>
-                      <a:pPr algn="ctr"/>
-                      <a:r>
-                        <a:rPr kumimoji="1" lang="ja-JP" altLang="en-US" sz="1800" b="0" i="0" kern="1200" dirty="0">
-                          <a:solidFill>
-                            <a:schemeClr val="tx1"/>
-                          </a:solidFill>
-                          <a:effectLst/>
-                          <a:latin typeface="+mn-lt"/>
-                          <a:ea typeface="+mn-ea"/>
-                          <a:cs typeface="+mn-cs"/>
-                        </a:rPr>
-                        <a:t>予想</a:t>
-                      </a:r>
-                      <a:r>
-                        <a:rPr kumimoji="1" lang="en-US" altLang="ja-JP" sz="1800" b="0" i="0" kern="1200" dirty="0">
-                          <a:solidFill>
-                            <a:schemeClr val="tx1"/>
-                          </a:solidFill>
-                          <a:effectLst/>
-                          <a:latin typeface="+mn-lt"/>
-                          <a:ea typeface="+mn-ea"/>
-                          <a:cs typeface="+mn-cs"/>
-                        </a:rPr>
-                        <a:t>PER</a:t>
-                      </a:r>
-                      <a:endParaRPr lang="en-US" sz="2400" dirty="0">
-                        <a:effectLst/>
-                      </a:endParaRPr>
-                    </a:p>
-                  </a:txBody>
-                  <a:tcPr marL="48348" marR="33575" marT="24174" marB="24174" anchor="ctr">
-                    <a:lnL>
-                      <a:noFill/>
-                    </a:lnL>
-                    <a:lnR>
-                      <a:noFill/>
-                    </a:lnR>
-                    <a:lnT w="6350" cap="flat" cmpd="sng" algn="ctr">
-                      <a:solidFill>
-                        <a:srgbClr val="E0E4E9"/>
-                      </a:solidFill>
-                      <a:prstDash val="solid"/>
-                      <a:round/>
-                      <a:headEnd type="none" w="med" len="med"/>
-                      <a:tailEnd type="none" w="med" len="med"/>
-                    </a:lnT>
-                    <a:lnB w="6350" cap="flat" cmpd="sng" algn="ctr">
-                      <a:solidFill>
-                        <a:srgbClr val="E0E4E9"/>
-                      </a:solidFill>
-                      <a:prstDash val="solid"/>
-                      <a:round/>
-                      <a:headEnd type="none" w="med" len="med"/>
-                      <a:tailEnd type="none" w="med" len="med"/>
-                    </a:lnB>
-                    <a:solidFill>
-                      <a:srgbClr val="FFFFFF"/>
-                    </a:solidFill>
-                  </a:tcPr>
-                </a:tc>
-                <a:tc>
-                  <a:txBody>
-                    <a:bodyPr/>
-                    <a:lstStyle/>
-                    <a:p>
-                      <a:r>
-                        <a:t>392.14</a:t>
-                      </a:r>
-                    </a:p>
-                  </a:txBody>
-                  <a:tcPr marL="33575" marR="48348" marT="24174" marB="24174" anchor="ctr">
-                    <a:lnL>
-                      <a:noFill/>
-                    </a:lnL>
-                    <a:lnR>
-                      <a:noFill/>
-                    </a:lnR>
-                    <a:lnT w="6350" cap="flat" cmpd="sng" algn="ctr">
-                      <a:solidFill>
-                        <a:srgbClr val="E0E4E9"/>
-                      </a:solidFill>
-                      <a:prstDash val="solid"/>
-                      <a:round/>
-                      <a:headEnd type="none" w="med" len="med"/>
-                      <a:tailEnd type="none" w="med" len="med"/>
-                    </a:lnT>
-                    <a:lnB w="6350" cap="flat" cmpd="sng" algn="ctr">
-                      <a:solidFill>
-                        <a:srgbClr val="E0E4E9"/>
-                      </a:solidFill>
-                      <a:prstDash val="solid"/>
-                      <a:round/>
-                      <a:headEnd type="none" w="med" len="med"/>
-                      <a:tailEnd type="none" w="med" len="med"/>
-                    </a:lnB>
-                  </a:tcPr>
-                </a:tc>
-                <a:extLst>
-                  <a:ext uri="{0D108BD9-81ED-4DB2-BD59-A6C34878D82A}">
-                    <a16:rowId xmlns:a16="http://schemas.microsoft.com/office/drawing/2014/main" val="2424227900"/>
-                  </a:ext>
-                </a:extLst>
-              </a:tr>
-              <a:tr h="839951">
-                <a:tc>
-                  <a:txBody>
-                    <a:bodyPr/>
-                    <a:lstStyle/>
-                    <a:p>
-                      <a:pPr algn="ctr"/>
-                      <a:r>
-                        <a:rPr kumimoji="1" lang="en-US" altLang="ja-JP" sz="1800" b="1" i="0" kern="1200" dirty="0">
-                          <a:solidFill>
-                            <a:schemeClr val="tx1"/>
-                          </a:solidFill>
-                          <a:effectLst/>
-                          <a:latin typeface="+mn-lt"/>
-                          <a:ea typeface="+mn-ea"/>
-                          <a:cs typeface="+mn-cs"/>
-                        </a:rPr>
-                        <a:t>PEG</a:t>
-                      </a:r>
-                      <a:r>
-                        <a:rPr kumimoji="1" lang="ja-JP" altLang="en-US" sz="1800" b="1" i="0" kern="1200">
-                          <a:solidFill>
-                            <a:schemeClr val="tx1"/>
-                          </a:solidFill>
-                          <a:effectLst/>
-                          <a:latin typeface="+mn-lt"/>
-                          <a:ea typeface="+mn-ea"/>
-                          <a:cs typeface="+mn-cs"/>
-                        </a:rPr>
-                        <a:t>レシオ</a:t>
-                      </a:r>
-                      <a:endParaRPr lang="en-US" sz="2400" dirty="0">
-                        <a:effectLst/>
-                      </a:endParaRPr>
-                    </a:p>
-                  </a:txBody>
-                  <a:tcPr marL="48348" marR="33575" marT="24174" marB="24174" anchor="ctr">
-                    <a:lnL>
-                      <a:noFill/>
-                    </a:lnL>
-                    <a:lnR>
-                      <a:noFill/>
-                    </a:lnR>
-                    <a:lnT w="6350" cap="flat" cmpd="sng" algn="ctr">
-                      <a:solidFill>
-                        <a:srgbClr val="E0E4E9"/>
-                      </a:solidFill>
-                      <a:prstDash val="solid"/>
-                      <a:round/>
-                      <a:headEnd type="none" w="med" len="med"/>
-                      <a:tailEnd type="none" w="med" len="med"/>
-                    </a:lnT>
-                    <a:lnB w="6350" cap="flat" cmpd="sng" algn="ctr">
-                      <a:solidFill>
-                        <a:srgbClr val="E0E4E9"/>
-                      </a:solidFill>
-                      <a:prstDash val="solid"/>
-                      <a:round/>
-                      <a:headEnd type="none" w="med" len="med"/>
-                      <a:tailEnd type="none" w="med" len="med"/>
-                    </a:lnB>
-                    <a:solidFill>
-                      <a:srgbClr val="FFFFFF"/>
-                    </a:solidFill>
-                  </a:tcPr>
-                </a:tc>
-                <a:tc>
-                  <a:txBody>
-                    <a:bodyPr/>
-                    <a:lstStyle/>
-                    <a:p>
-                      <a:r>
-                        <a:t>-1.58</a:t>
-                      </a:r>
-                    </a:p>
-                  </a:txBody>
-                  <a:tcPr marL="33575" marR="48348" marT="24174" marB="24174" anchor="ctr">
-                    <a:lnL>
-                      <a:noFill/>
-                    </a:lnL>
-                    <a:lnR>
-                      <a:noFill/>
-                    </a:lnR>
-                    <a:lnT w="6350" cap="flat" cmpd="sng" algn="ctr">
-                      <a:solidFill>
-                        <a:srgbClr val="E0E4E9"/>
-                      </a:solidFill>
-                      <a:prstDash val="solid"/>
-                      <a:round/>
-                      <a:headEnd type="none" w="med" len="med"/>
-                      <a:tailEnd type="none" w="med" len="med"/>
-                    </a:lnT>
-                    <a:lnB w="6350" cap="flat" cmpd="sng" algn="ctr">
-                      <a:solidFill>
-                        <a:srgbClr val="E0E4E9"/>
-                      </a:solidFill>
-                      <a:prstDash val="solid"/>
-                      <a:round/>
-                      <a:headEnd type="none" w="med" len="med"/>
-                      <a:tailEnd type="none" w="med" len="med"/>
-                    </a:lnB>
-                  </a:tcPr>
-                </a:tc>
-                <a:extLst>
-                  <a:ext uri="{0D108BD9-81ED-4DB2-BD59-A6C34878D82A}">
-                    <a16:rowId xmlns:a16="http://schemas.microsoft.com/office/drawing/2014/main" val="1621651659"/>
-                  </a:ext>
-                </a:extLst>
-              </a:tr>
-              <a:tr h="449643">
-                <a:tc>
-                  <a:txBody>
-                    <a:bodyPr/>
-                    <a:lstStyle/>
-                    <a:p>
-                      <a:pPr algn="ctr"/>
-                      <a:r>
-                        <a:rPr lang="en-US" sz="2400" dirty="0">
-                          <a:effectLst/>
-                        </a:rPr>
-                        <a:t>Price/Sales (</a:t>
-                      </a:r>
-                      <a:r>
-                        <a:rPr lang="en-US" sz="2400" dirty="0" err="1">
-                          <a:effectLst/>
-                        </a:rPr>
-                        <a:t>ttm</a:t>
-                      </a:r>
-                      <a:r>
-                        <a:rPr lang="en-US" sz="2400" dirty="0">
-                          <a:effectLst/>
-                        </a:rPr>
-                        <a:t>)</a:t>
-                      </a:r>
-                    </a:p>
-                  </a:txBody>
-                  <a:tcPr marL="48348" marR="33575" marT="24174" marB="24174" anchor="ctr">
-                    <a:lnL>
-                      <a:noFill/>
-                    </a:lnL>
-                    <a:lnR>
-                      <a:noFill/>
-                    </a:lnR>
-                    <a:lnT w="6350" cap="flat" cmpd="sng" algn="ctr">
-                      <a:solidFill>
-                        <a:srgbClr val="E0E4E9"/>
-                      </a:solidFill>
-                      <a:prstDash val="solid"/>
-                      <a:round/>
-                      <a:headEnd type="none" w="med" len="med"/>
-                      <a:tailEnd type="none" w="med" len="med"/>
-                    </a:lnT>
-                    <a:lnB w="6350" cap="flat" cmpd="sng" algn="ctr">
-                      <a:solidFill>
-                        <a:srgbClr val="E0E4E9"/>
-                      </a:solidFill>
-                      <a:prstDash val="solid"/>
-                      <a:round/>
-                      <a:headEnd type="none" w="med" len="med"/>
-                      <a:tailEnd type="none" w="med" len="med"/>
-                    </a:lnB>
-                    <a:solidFill>
-                      <a:srgbClr val="FFFFFF"/>
-                    </a:solidFill>
-                  </a:tcPr>
-                </a:tc>
-                <a:tc>
-                  <a:txBody>
-                    <a:bodyPr/>
-                    <a:lstStyle/>
-                    <a:p>
-                      <a:r>
-                        <a:t>5.43</a:t>
-                      </a:r>
-                    </a:p>
-                  </a:txBody>
-                  <a:tcPr marL="33575" marR="48348" marT="24174" marB="24174" anchor="ctr">
-                    <a:lnL>
-                      <a:noFill/>
-                    </a:lnL>
-                    <a:lnR>
-                      <a:noFill/>
-                    </a:lnR>
-                    <a:lnT w="6350" cap="flat" cmpd="sng" algn="ctr">
-                      <a:solidFill>
-                        <a:srgbClr val="E0E4E9"/>
-                      </a:solidFill>
-                      <a:prstDash val="solid"/>
-                      <a:round/>
-                      <a:headEnd type="none" w="med" len="med"/>
-                      <a:tailEnd type="none" w="med" len="med"/>
-                    </a:lnT>
-                    <a:lnB w="6350" cap="flat" cmpd="sng" algn="ctr">
-                      <a:solidFill>
-                        <a:srgbClr val="E0E4E9"/>
-                      </a:solidFill>
-                      <a:prstDash val="solid"/>
-                      <a:round/>
-                      <a:headEnd type="none" w="med" len="med"/>
-                      <a:tailEnd type="none" w="med" len="med"/>
-                    </a:lnB>
-                  </a:tcPr>
-                </a:tc>
-                <a:extLst>
-                  <a:ext uri="{0D108BD9-81ED-4DB2-BD59-A6C34878D82A}">
-                    <a16:rowId xmlns:a16="http://schemas.microsoft.com/office/drawing/2014/main" val="939867563"/>
-                  </a:ext>
-                </a:extLst>
-              </a:tr>
-              <a:tr h="449643">
-                <a:tc>
-                  <a:txBody>
-                    <a:bodyPr/>
-                    <a:lstStyle/>
-                    <a:p>
-                      <a:pPr algn="ctr"/>
-                      <a:r>
-                        <a:rPr lang="en-US" sz="2400" dirty="0">
-                          <a:effectLst/>
-                        </a:rPr>
-                        <a:t>Price/Book (</a:t>
-                      </a:r>
-                      <a:r>
-                        <a:rPr lang="en-US" sz="2400" dirty="0" err="1">
-                          <a:effectLst/>
-                        </a:rPr>
-                        <a:t>mrq</a:t>
-                      </a:r>
-                      <a:r>
-                        <a:rPr lang="en-US" sz="2400" dirty="0">
-                          <a:effectLst/>
-                        </a:rPr>
-                        <a:t>)</a:t>
-                      </a:r>
-                    </a:p>
-                  </a:txBody>
-                  <a:tcPr marL="48348" marR="33575" marT="24174" marB="24174" anchor="ctr">
-                    <a:lnL>
-                      <a:noFill/>
-                    </a:lnL>
-                    <a:lnR>
-                      <a:noFill/>
-                    </a:lnR>
-                    <a:lnT w="6350" cap="flat" cmpd="sng" algn="ctr">
-                      <a:solidFill>
-                        <a:srgbClr val="E0E4E9"/>
-                      </a:solidFill>
-                      <a:prstDash val="solid"/>
-                      <a:round/>
-                      <a:headEnd type="none" w="med" len="med"/>
-                      <a:tailEnd type="none" w="med" len="med"/>
-                    </a:lnT>
-                    <a:lnB w="6350" cap="flat" cmpd="sng" algn="ctr">
-                      <a:solidFill>
-                        <a:srgbClr val="E0E4E9"/>
-                      </a:solidFill>
-                      <a:prstDash val="solid"/>
-                      <a:round/>
-                      <a:headEnd type="none" w="med" len="med"/>
-                      <a:tailEnd type="none" w="med" len="med"/>
-                    </a:lnB>
-                    <a:solidFill>
-                      <a:srgbClr val="FFFFFF"/>
-                    </a:solidFill>
-                  </a:tcPr>
-                </a:tc>
-                <a:tc>
-                  <a:txBody>
-                    <a:bodyPr/>
-                    <a:lstStyle/>
-                    <a:p>
-                      <a:r>
-                        <a:t>3.42</a:t>
-                      </a:r>
-                    </a:p>
-                  </a:txBody>
-                  <a:tcPr marL="33575" marR="48348" marT="24174" marB="24174" anchor="ctr">
-                    <a:lnL>
-                      <a:noFill/>
-                    </a:lnL>
-                    <a:lnR>
-                      <a:noFill/>
-                    </a:lnR>
-                    <a:lnT w="6350" cap="flat" cmpd="sng" algn="ctr">
-                      <a:solidFill>
-                        <a:srgbClr val="E0E4E9"/>
-                      </a:solidFill>
-                      <a:prstDash val="solid"/>
-                      <a:round/>
-                      <a:headEnd type="none" w="med" len="med"/>
-                      <a:tailEnd type="none" w="med" len="med"/>
-                    </a:lnT>
-                    <a:lnB w="6350" cap="flat" cmpd="sng" algn="ctr">
-                      <a:solidFill>
-                        <a:srgbClr val="E0E4E9"/>
-                      </a:solidFill>
-                      <a:prstDash val="solid"/>
-                      <a:round/>
-                      <a:headEnd type="none" w="med" len="med"/>
-                      <a:tailEnd type="none" w="med" len="med"/>
-                    </a:lnB>
-                  </a:tcPr>
-                </a:tc>
-                <a:extLst>
-                  <a:ext uri="{0D108BD9-81ED-4DB2-BD59-A6C34878D82A}">
-                    <a16:rowId xmlns:a16="http://schemas.microsoft.com/office/drawing/2014/main" val="1595040042"/>
-                  </a:ext>
-                </a:extLst>
-              </a:tr>
-              <a:tr h="682461">
-                <a:tc>
-                  <a:txBody>
-                    <a:bodyPr/>
-                    <a:lstStyle/>
-                    <a:p>
-                      <a:pPr algn="ctr"/>
-                      <a:r>
-                        <a:rPr lang="en-US" sz="2400" dirty="0">
-                          <a:effectLst/>
-                        </a:rPr>
-                        <a:t>Enterprise Value/Revenue </a:t>
-                      </a:r>
-                    </a:p>
-                  </a:txBody>
-                  <a:tcPr marL="48348" marR="33575" marT="24174" marB="24174" anchor="ctr">
-                    <a:lnL>
-                      <a:noFill/>
-                    </a:lnL>
-                    <a:lnR>
-                      <a:noFill/>
-                    </a:lnR>
-                    <a:lnT w="6350" cap="flat" cmpd="sng" algn="ctr">
-                      <a:solidFill>
-                        <a:srgbClr val="E0E4E9"/>
-                      </a:solidFill>
-                      <a:prstDash val="solid"/>
-                      <a:round/>
-                      <a:headEnd type="none" w="med" len="med"/>
-                      <a:tailEnd type="none" w="med" len="med"/>
-                    </a:lnT>
-                    <a:lnB w="6350" cap="flat" cmpd="sng" algn="ctr">
-                      <a:solidFill>
-                        <a:srgbClr val="E0E4E9"/>
-                      </a:solidFill>
-                      <a:prstDash val="solid"/>
-                      <a:round/>
-                      <a:headEnd type="none" w="med" len="med"/>
-                      <a:tailEnd type="none" w="med" len="med"/>
-                    </a:lnB>
-                    <a:solidFill>
-                      <a:srgbClr val="FFFFFF"/>
-                    </a:solidFill>
-                  </a:tcPr>
-                </a:tc>
-                <a:tc>
-                  <a:txBody>
-                    <a:bodyPr/>
-                    <a:lstStyle/>
-                    <a:p>
-                      <a:r>
-                        <a:t>12.78</a:t>
-                      </a:r>
-                    </a:p>
-                  </a:txBody>
-                  <a:tcPr marL="33575" marR="48348" marT="24174" marB="24174" anchor="ctr">
-                    <a:lnL>
-                      <a:noFill/>
-                    </a:lnL>
-                    <a:lnR>
-                      <a:noFill/>
-                    </a:lnR>
-                    <a:lnT w="6350" cap="flat" cmpd="sng" algn="ctr">
-                      <a:solidFill>
-                        <a:srgbClr val="E0E4E9"/>
-                      </a:solidFill>
-                      <a:prstDash val="solid"/>
-                      <a:round/>
-                      <a:headEnd type="none" w="med" len="med"/>
-                      <a:tailEnd type="none" w="med" len="med"/>
-                    </a:lnT>
-                    <a:lnB w="6350" cap="flat" cmpd="sng" algn="ctr">
-                      <a:solidFill>
-                        <a:srgbClr val="E0E4E9"/>
-                      </a:solidFill>
-                      <a:prstDash val="solid"/>
-                      <a:round/>
-                      <a:headEnd type="none" w="med" len="med"/>
-                      <a:tailEnd type="none" w="med" len="med"/>
-                    </a:lnB>
-                  </a:tcPr>
-                </a:tc>
-                <a:extLst>
-                  <a:ext uri="{0D108BD9-81ED-4DB2-BD59-A6C34878D82A}">
-                    <a16:rowId xmlns:a16="http://schemas.microsoft.com/office/drawing/2014/main" val="2732022641"/>
-                  </a:ext>
-                </a:extLst>
-              </a:tr>
-              <a:tr h="682461">
-                <a:tc>
-                  <a:txBody>
-                    <a:bodyPr/>
-                    <a:lstStyle/>
-                    <a:p>
-                      <a:pPr algn="ctr"/>
-                      <a:r>
-                        <a:rPr lang="en-US" sz="2400" dirty="0">
-                          <a:effectLst/>
-                        </a:rPr>
-                        <a:t>Enterprise Value/EBITDA </a:t>
-                      </a:r>
-                    </a:p>
-                  </a:txBody>
-                  <a:tcPr marL="48348" marR="33575" marT="24174" marB="24174" anchor="ctr">
-                    <a:lnL>
-                      <a:noFill/>
-                    </a:lnL>
-                    <a:lnR>
-                      <a:noFill/>
-                    </a:lnR>
-                    <a:lnT w="6350" cap="flat" cmpd="sng" algn="ctr">
-                      <a:solidFill>
-                        <a:srgbClr val="E0E4E9"/>
-                      </a:solidFill>
-                      <a:prstDash val="solid"/>
-                      <a:round/>
-                      <a:headEnd type="none" w="med" len="med"/>
-                      <a:tailEnd type="none" w="med" len="med"/>
-                    </a:lnT>
-                    <a:lnB w="6350" cap="flat" cmpd="sng" algn="ctr">
-                      <a:solidFill>
-                        <a:srgbClr val="E0E4E9"/>
-                      </a:solidFill>
-                      <a:prstDash val="solid"/>
-                      <a:round/>
-                      <a:headEnd type="none" w="med" len="med"/>
-                      <a:tailEnd type="none" w="med" len="med"/>
-                    </a:lnB>
-                    <a:solidFill>
-                      <a:srgbClr val="FFFFFF"/>
-                    </a:solidFill>
-                  </a:tcPr>
-                </a:tc>
-                <a:tc>
-                  <a:txBody>
-                    <a:bodyPr/>
-                    <a:lstStyle/>
-                    <a:p>
-                      <a:r>
-                        <a:t>20.56</a:t>
-                      </a:r>
-                    </a:p>
-                  </a:txBody>
-                  <a:tcPr marL="33575" marR="48348" marT="24174" marB="24174" anchor="ctr">
-                    <a:lnL>
-                      <a:noFill/>
-                    </a:lnL>
-                    <a:lnR>
-                      <a:noFill/>
-                    </a:lnR>
-                    <a:lnT w="6350" cap="flat" cmpd="sng" algn="ctr">
-                      <a:solidFill>
-                        <a:srgbClr val="E0E4E9"/>
-                      </a:solidFill>
-                      <a:prstDash val="solid"/>
-                      <a:round/>
-                      <a:headEnd type="none" w="med" len="med"/>
-                      <a:tailEnd type="none" w="med" len="med"/>
-                    </a:lnT>
-                    <a:lnB w="6350" cap="flat" cmpd="sng" algn="ctr">
-                      <a:solidFill>
-                        <a:srgbClr val="E0E4E9"/>
-                      </a:solidFill>
-                      <a:prstDash val="solid"/>
-                      <a:round/>
-                      <a:headEnd type="none" w="med" len="med"/>
-                      <a:tailEnd type="none" w="med" len="med"/>
-                    </a:lnB>
-                  </a:tcPr>
-                </a:tc>
-                <a:extLst>
-                  <a:ext uri="{0D108BD9-81ED-4DB2-BD59-A6C34878D82A}">
-                    <a16:rowId xmlns:a16="http://schemas.microsoft.com/office/drawing/2014/main" val="1410042439"/>
-                  </a:ext>
-                </a:extLst>
-              </a:tr>
-            </a:tbl>
-          </a:graphicData>
-        </a:graphic>
-      </p:graphicFrame>
+          <p:cNvPicPr>
+            <a:picLocks noChangeAspect="1"/>
+          </p:cNvPicPr>
+          <p:nvPr>
+            <a:audioFile r:link="rId2"/>
+            <p:extLst>
+              <p:ext uri="{DAA4B4D4-6D71-4841-9C94-3DE7FCFB9230}">
+                <p14:media xmlns:p14="http://schemas.microsoft.com/office/powerpoint/2010/main" r:embed="rId1"/>
+              </p:ext>
+            </p:extLst>
+          </p:nvPr>
+        </p:nvPicPr>
+        <p:blipFill>
+          <a:blip r:embed="rId5"/>
+          <a:stretch>
+            <a:fillRect/>
+          </a:stretch>
+        </p:blipFill>
+        <p:spPr>
+          <a:xfrm>
+            <a:off x="11569700" y="6235700"/>
+            <a:ext cx="406400" cy="406400"/>
+          </a:xfrm>
+          <a:prstGeom prst="rect">
+            <a:avLst/>
+          </a:prstGeom>
+        </p:spPr>
+      </p:pic>
     </p:spTree>
     <p:extLst>
       <p:ext uri="{BB962C8B-B14F-4D97-AF65-F5344CB8AC3E}">
-        <p14:creationId xmlns:p14="http://schemas.microsoft.com/office/powerpoint/2010/main" val="3623608928"/>
+        <p14:creationId xmlns:p14="http://schemas.microsoft.com/office/powerpoint/2010/main" val="2800112354"/>
       </p:ext>
     </p:extLst>
   </p:cSld>
   <p:clrMapOvr>
     <a:masterClrMapping/>
   </p:clrMapOvr>
+  <mc:AlternateContent xmlns:mc="http://schemas.openxmlformats.org/markup-compatibility/2006">
+    <mc:Choice xmlns:p14="http://schemas.microsoft.com/office/powerpoint/2010/main" Requires="p14">
+      <p:transition spd="slow" p14:dur="2000" advTm="18685"/>
+    </mc:Choice>
+    <mc:Fallback>
+      <p:transition spd="slow" advTm="18685"/>
+    </mc:Fallback>
+  </mc:AlternateContent>
+  <p:timing>
+    <p:tnLst>
+      <p:par>
+        <p:cTn id="1" dur="indefinite" restart="never" nodeType="tmRoot">
+          <p:childTnLst>
+            <p:seq concurrent="1" nextAc="seek">
+              <p:cTn id="2" dur="indefinite" nodeType="mainSeq">
+                <p:childTnLst>
+                  <p:par>
+                    <p:cTn id="3" fill="hold">
+                      <p:stCondLst>
+                        <p:cond delay="indefinite"/>
+                        <p:cond evt="onBegin" delay="0">
+                          <p:tn val="2"/>
+                        </p:cond>
+                      </p:stCondLst>
+                      <p:childTnLst>
+                        <p:par>
+                          <p:cTn id="4" fill="hold">
+                            <p:stCondLst>
+                              <p:cond delay="0"/>
+                            </p:stCondLst>
+                            <p:childTnLst>
+                              <p:par>
+                                <p:cTn id="5" presetID="1" presetClass="mediacall" presetSubtype="0" fill="hold" nodeType="afterEffect">
+                                  <p:stCondLst>
+                                    <p:cond delay="0"/>
+                                  </p:stCondLst>
+                                  <p:childTnLst>
+                                    <p:cmd type="call" cmd="playFrom(0.0)">
+                                      <p:cBhvr>
+                                        <p:cTn id="6" dur="1" fill="hold"/>
+                                        <p:tgtEl>
+                                          <p:spTgt spid="3"/>
+                                        </p:tgtEl>
+                                      </p:cBhvr>
+                                    </p:cmd>
+                                  </p:childTnLst>
+                                </p:cTn>
+                              </p:par>
+                            </p:childTnLst>
+                          </p:cTn>
+                        </p:par>
+                      </p:childTnLst>
+                    </p:cTn>
+                  </p:par>
+                </p:childTnLst>
+              </p:cTn>
+              <p:prevCondLst>
+                <p:cond evt="onPrev" delay="0">
+                  <p:tgtEl>
+                    <p:sldTgt/>
+                  </p:tgtEl>
+                </p:cond>
+              </p:prevCondLst>
+              <p:nextCondLst>
+                <p:cond evt="onNext" delay="0">
+                  <p:tgtEl>
+                    <p:sldTgt/>
+                  </p:tgtEl>
+                </p:cond>
+              </p:nextCondLst>
+            </p:seq>
+            <p:audio isNarration="1">
+              <p:cMediaNode vol="80000" showWhenStopped="0">
+                <p:cTn id="7" fill="hold" display="0">
+                  <p:stCondLst>
+                    <p:cond delay="indefinite"/>
+                  </p:stCondLst>
+                  <p:endCondLst>
+                    <p:cond evt="onStopAudio" delay="0">
+                      <p:tgtEl>
+                        <p:sldTgt/>
+                      </p:tgtEl>
+                    </p:cond>
+                  </p:endCondLst>
+                </p:cTn>
+                <p:tgtEl>
+                  <p:spTgt spid="3"/>
+                </p:tgtEl>
+              </p:cMediaNode>
+            </p:audio>
+          </p:childTnLst>
+        </p:cTn>
+      </p:par>
+    </p:tnLst>
+  </p:timing>
 </p:sld>
 </file>
 
@@ -5058,787 +4744,179 @@
           <a:chExt cx="0" cy="0"/>
         </a:xfrm>
       </p:grpSpPr>
-      <p:sp>
-        <p:nvSpPr>
-          <p:cNvPr id="2" name="正方形/長方形 1">
+      <p:pic>
+        <p:nvPicPr>
+          <p:cNvPr id="2" name="図 1">
             <a:extLst>
               <a:ext uri="{FF2B5EF4-FFF2-40B4-BE49-F238E27FC236}">
-                <a16:creationId xmlns:a16="http://schemas.microsoft.com/office/drawing/2014/main" id="{06513E0B-DFE2-4C68-AFFD-6914BA692E09}"/>
+                <a16:creationId xmlns:a16="http://schemas.microsoft.com/office/drawing/2014/main" id="{695C3D3F-F49B-4B85-9FE6-228518761FCD}"/>
               </a:ext>
             </a:extLst>
           </p:cNvPr>
-          <p:cNvSpPr/>
+          <p:cNvPicPr>
+            <a:picLocks noChangeAspect="1"/>
+          </p:cNvPicPr>
           <p:nvPr/>
-        </p:nvSpPr>
+        </p:nvPicPr>
+        <p:blipFill>
+          <a:blip r:embed="rId4"/>
+          <a:stretch>
+            <a:fillRect/>
+          </a:stretch>
+        </p:blipFill>
         <p:spPr>
           <a:xfrm>
-            <a:off x="1" y="0"/>
-            <a:ext cx="12192000" cy="1084881"/>
+            <a:off x="483888" y="969485"/>
+            <a:ext cx="11613865" cy="5089792"/>
           </a:xfrm>
           <a:prstGeom prst="rect">
             <a:avLst/>
           </a:prstGeom>
-          <a:solidFill>
-            <a:schemeClr val="accent1">
-              <a:lumMod val="50000"/>
-            </a:schemeClr>
-          </a:solidFill>
-          <a:ln>
-            <a:solidFill>
-              <a:schemeClr val="accent1">
-                <a:lumMod val="50000"/>
-              </a:schemeClr>
-            </a:solidFill>
-          </a:ln>
         </p:spPr>
-        <p:style>
-          <a:lnRef idx="2">
-            <a:schemeClr val="accent1">
-              <a:shade val="50000"/>
-            </a:schemeClr>
-          </a:lnRef>
-          <a:fillRef idx="1">
-            <a:schemeClr val="accent1"/>
-          </a:fillRef>
-          <a:effectRef idx="0">
-            <a:schemeClr val="accent1"/>
-          </a:effectRef>
-          <a:fontRef idx="minor">
-            <a:schemeClr val="lt1"/>
-          </a:fontRef>
-        </p:style>
-        <p:txBody>
-          <a:bodyPr rtlCol="0" anchor="ctr"/>
-          <a:lstStyle/>
-          <a:p>
-            <a:pPr algn="ctr"/>
-            <a:r>
-              <a:rPr dirty="0"/>
-              <a:t>Pattern</a:t>
-            </a:r>
-            <a:r>
-              <a:rPr lang="ja-JP" altLang="en-US" dirty="0"/>
-              <a:t> </a:t>
-            </a:r>
-            <a:r>
-              <a:rPr dirty="0"/>
-              <a:t>Energy</a:t>
-            </a:r>
-            <a:r>
-              <a:rPr lang="ja-JP" altLang="en-US" dirty="0"/>
-              <a:t> </a:t>
-            </a:r>
-            <a:r>
-              <a:rPr dirty="0"/>
-              <a:t>Group</a:t>
-            </a:r>
-            <a:r>
-              <a:rPr lang="ja-JP" altLang="en-US" dirty="0"/>
-              <a:t> </a:t>
-            </a:r>
-            <a:r>
-              <a:rPr dirty="0"/>
-              <a:t>Inc</a:t>
-            </a:r>
-            <a:endParaRPr kumimoji="1" lang="ja-JP" altLang="en-US" sz="7200" b="1" dirty="0"/>
-          </a:p>
-        </p:txBody>
-      </p:sp>
-      <p:graphicFrame>
-        <p:nvGraphicFramePr>
-          <p:cNvPr id="3" name="表 2">
+      </p:pic>
+      <p:pic>
+        <p:nvPicPr>
+          <p:cNvPr id="3" name="オーディオ 2">
+            <a:hlinkClick r:id="" action="ppaction://media"/>
             <a:extLst>
               <a:ext uri="{FF2B5EF4-FFF2-40B4-BE49-F238E27FC236}">
-                <a16:creationId xmlns:a16="http://schemas.microsoft.com/office/drawing/2014/main" id="{2DA63077-9A9D-4333-904B-C77BDFF9E900}"/>
+                <a16:creationId xmlns:a16="http://schemas.microsoft.com/office/drawing/2014/main" id="{F50DA037-4F9F-4E84-81D3-BA808EAA436A}"/>
               </a:ext>
             </a:extLst>
           </p:cNvPr>
-          <p:cNvGraphicFramePr>
-            <a:graphicFrameLocks noGrp="1"/>
-          </p:cNvGraphicFramePr>
+          <p:cNvPicPr>
+            <a:picLocks noChangeAspect="1"/>
+          </p:cNvPicPr>
           <p:nvPr>
+            <a:audioFile r:link="rId2"/>
             <p:extLst>
-              <p:ext uri="{D42A27DB-BD31-4B8C-83A1-F6EECF244321}">
-                <p14:modId xmlns:p14="http://schemas.microsoft.com/office/powerpoint/2010/main" val="2246874431"/>
+              <p:ext uri="{DAA4B4D4-6D71-4841-9C94-3DE7FCFB9230}">
+                <p14:media xmlns:p14="http://schemas.microsoft.com/office/powerpoint/2010/main" r:embed="rId1"/>
               </p:ext>
             </p:extLst>
           </p:nvPr>
-        </p:nvGraphicFramePr>
-        <p:xfrm>
-          <a:off x="435243" y="1615440"/>
-          <a:ext cx="11312472" cy="4769863"/>
-        </p:xfrm>
-        <a:graphic>
-          <a:graphicData uri="http://schemas.openxmlformats.org/drawingml/2006/table">
-            <a:tbl>
-              <a:tblPr/>
-              <a:tblGrid>
-                <a:gridCol w="5656236">
-                  <a:extLst>
-                    <a:ext uri="{9D8B030D-6E8A-4147-A177-3AD203B41FA5}">
-                      <a16:colId xmlns:a16="http://schemas.microsoft.com/office/drawing/2014/main" val="4135310098"/>
-                    </a:ext>
-                  </a:extLst>
-                </a:gridCol>
-                <a:gridCol w="5656236">
-                  <a:extLst>
-                    <a:ext uri="{9D8B030D-6E8A-4147-A177-3AD203B41FA5}">
-                      <a16:colId xmlns:a16="http://schemas.microsoft.com/office/drawing/2014/main" val="199638399"/>
-                    </a:ext>
-                  </a:extLst>
-                </a:gridCol>
-              </a:tblGrid>
-              <a:tr h="681409">
-                <a:tc>
-                  <a:txBody>
-                    <a:bodyPr/>
-                    <a:lstStyle/>
-                    <a:p>
-                      <a:pPr algn="l"/>
-                      <a:r>
-                        <a:rPr lang="en-US" sz="2800" dirty="0">
-                          <a:effectLst/>
-                        </a:rPr>
-                        <a:t>Beta (3Y Monthly)</a:t>
-                      </a:r>
-                    </a:p>
-                  </a:txBody>
-                  <a:tcPr marR="63500" anchor="ctr">
-                    <a:lnL>
-                      <a:noFill/>
-                    </a:lnL>
-                    <a:lnR>
-                      <a:noFill/>
-                    </a:lnR>
-                    <a:lnT w="6350" cap="flat" cmpd="sng" algn="ctr">
-                      <a:solidFill>
-                        <a:srgbClr val="E0E4E9"/>
-                      </a:solidFill>
-                      <a:prstDash val="solid"/>
-                      <a:round/>
-                      <a:headEnd type="none" w="med" len="med"/>
-                      <a:tailEnd type="none" w="med" len="med"/>
-                    </a:lnT>
-                    <a:lnB w="6350" cap="flat" cmpd="sng" algn="ctr">
-                      <a:solidFill>
-                        <a:srgbClr val="E0E4E9"/>
-                      </a:solidFill>
-                      <a:prstDash val="solid"/>
-                      <a:round/>
-                      <a:headEnd type="none" w="med" len="med"/>
-                      <a:tailEnd type="none" w="med" len="med"/>
-                    </a:lnB>
-                    <a:solidFill>
-                      <a:srgbClr val="FFFFFF"/>
-                    </a:solidFill>
-                  </a:tcPr>
-                </a:tc>
-                <a:tc>
-                  <a:txBody>
-                    <a:bodyPr/>
-                    <a:lstStyle/>
-                    <a:p>
-                      <a:r>
-                        <a:t>1.03</a:t>
-                      </a:r>
-                    </a:p>
-                  </a:txBody>
-                  <a:tcPr marL="63500" anchor="ctr">
-                    <a:lnL>
-                      <a:noFill/>
-                    </a:lnL>
-                    <a:lnR>
-                      <a:noFill/>
-                    </a:lnR>
-                    <a:lnT w="6350" cap="flat" cmpd="sng" algn="ctr">
-                      <a:solidFill>
-                        <a:srgbClr val="E0E4E9"/>
-                      </a:solidFill>
-                      <a:prstDash val="solid"/>
-                      <a:round/>
-                      <a:headEnd type="none" w="med" len="med"/>
-                      <a:tailEnd type="none" w="med" len="med"/>
-                    </a:lnT>
-                    <a:lnB w="6350" cap="flat" cmpd="sng" algn="ctr">
-                      <a:solidFill>
-                        <a:srgbClr val="E0E4E9"/>
-                      </a:solidFill>
-                      <a:prstDash val="solid"/>
-                      <a:round/>
-                      <a:headEnd type="none" w="med" len="med"/>
-                      <a:tailEnd type="none" w="med" len="med"/>
-                    </a:lnB>
-                    <a:solidFill>
-                      <a:srgbClr val="FFFFFF"/>
-                    </a:solidFill>
-                  </a:tcPr>
-                </a:tc>
-                <a:extLst>
-                  <a:ext uri="{0D108BD9-81ED-4DB2-BD59-A6C34878D82A}">
-                    <a16:rowId xmlns:a16="http://schemas.microsoft.com/office/drawing/2014/main" val="324425188"/>
-                  </a:ext>
-                </a:extLst>
-              </a:tr>
-              <a:tr h="681409">
-                <a:tc>
-                  <a:txBody>
-                    <a:bodyPr/>
-                    <a:lstStyle/>
-                    <a:p>
-                      <a:pPr algn="l"/>
-                      <a:r>
-                        <a:rPr lang="en-US" sz="2800" dirty="0">
-                          <a:effectLst/>
-                        </a:rPr>
-                        <a:t>52-Week Change</a:t>
-                      </a:r>
-                    </a:p>
-                  </a:txBody>
-                  <a:tcPr marR="63500" anchor="ctr">
-                    <a:lnL>
-                      <a:noFill/>
-                    </a:lnL>
-                    <a:lnR>
-                      <a:noFill/>
-                    </a:lnR>
-                    <a:lnT w="6350" cap="flat" cmpd="sng" algn="ctr">
-                      <a:solidFill>
-                        <a:srgbClr val="E0E4E9"/>
-                      </a:solidFill>
-                      <a:prstDash val="solid"/>
-                      <a:round/>
-                      <a:headEnd type="none" w="med" len="med"/>
-                      <a:tailEnd type="none" w="med" len="med"/>
-                    </a:lnT>
-                    <a:lnB w="6350" cap="flat" cmpd="sng" algn="ctr">
-                      <a:solidFill>
-                        <a:srgbClr val="E0E4E9"/>
-                      </a:solidFill>
-                      <a:prstDash val="solid"/>
-                      <a:round/>
-                      <a:headEnd type="none" w="med" len="med"/>
-                      <a:tailEnd type="none" w="med" len="med"/>
-                    </a:lnB>
-                    <a:solidFill>
-                      <a:srgbClr val="FFFFFF"/>
-                    </a:solidFill>
-                  </a:tcPr>
-                </a:tc>
-                <a:tc>
-                  <a:txBody>
-                    <a:bodyPr/>
-                    <a:lstStyle/>
-                    <a:p>
-                      <a:r>
-                        <a:t>29.47%</a:t>
-                      </a:r>
-                    </a:p>
-                  </a:txBody>
-                  <a:tcPr marL="63500" anchor="ctr">
-                    <a:lnL>
-                      <a:noFill/>
-                    </a:lnL>
-                    <a:lnR>
-                      <a:noFill/>
-                    </a:lnR>
-                    <a:lnT w="6350" cap="flat" cmpd="sng" algn="ctr">
-                      <a:solidFill>
-                        <a:srgbClr val="E0E4E9"/>
-                      </a:solidFill>
-                      <a:prstDash val="solid"/>
-                      <a:round/>
-                      <a:headEnd type="none" w="med" len="med"/>
-                      <a:tailEnd type="none" w="med" len="med"/>
-                    </a:lnT>
-                    <a:lnB w="6350" cap="flat" cmpd="sng" algn="ctr">
-                      <a:solidFill>
-                        <a:srgbClr val="E0E4E9"/>
-                      </a:solidFill>
-                      <a:prstDash val="solid"/>
-                      <a:round/>
-                      <a:headEnd type="none" w="med" len="med"/>
-                      <a:tailEnd type="none" w="med" len="med"/>
-                    </a:lnB>
-                    <a:solidFill>
-                      <a:srgbClr val="FFFFFF"/>
-                    </a:solidFill>
-                  </a:tcPr>
-                </a:tc>
-                <a:extLst>
-                  <a:ext uri="{0D108BD9-81ED-4DB2-BD59-A6C34878D82A}">
-                    <a16:rowId xmlns:a16="http://schemas.microsoft.com/office/drawing/2014/main" val="1953943074"/>
-                  </a:ext>
-                </a:extLst>
-              </a:tr>
-              <a:tr h="681409">
-                <a:tc>
-                  <a:txBody>
-                    <a:bodyPr/>
-                    <a:lstStyle/>
-                    <a:p>
-                      <a:pPr algn="l"/>
-                      <a:r>
-                        <a:rPr lang="en-US" sz="2800" dirty="0">
-                          <a:effectLst/>
-                        </a:rPr>
-                        <a:t>S&amp;P500 52-Week Change</a:t>
-                      </a:r>
-                    </a:p>
-                  </a:txBody>
-                  <a:tcPr marR="63500" anchor="ctr">
-                    <a:lnL>
-                      <a:noFill/>
-                    </a:lnL>
-                    <a:lnR>
-                      <a:noFill/>
-                    </a:lnR>
-                    <a:lnT w="6350" cap="flat" cmpd="sng" algn="ctr">
-                      <a:solidFill>
-                        <a:srgbClr val="E0E4E9"/>
-                      </a:solidFill>
-                      <a:prstDash val="solid"/>
-                      <a:round/>
-                      <a:headEnd type="none" w="med" len="med"/>
-                      <a:tailEnd type="none" w="med" len="med"/>
-                    </a:lnT>
-                    <a:lnB w="6350" cap="flat" cmpd="sng" algn="ctr">
-                      <a:solidFill>
-                        <a:srgbClr val="E0E4E9"/>
-                      </a:solidFill>
-                      <a:prstDash val="solid"/>
-                      <a:round/>
-                      <a:headEnd type="none" w="med" len="med"/>
-                      <a:tailEnd type="none" w="med" len="med"/>
-                    </a:lnB>
-                    <a:solidFill>
-                      <a:srgbClr val="FFFFFF"/>
-                    </a:solidFill>
-                  </a:tcPr>
-                </a:tc>
-                <a:tc>
-                  <a:txBody>
-                    <a:bodyPr/>
-                    <a:lstStyle/>
-                    <a:p>
-                      <a:r>
-                        <a:t>15.46%</a:t>
-                      </a:r>
-                    </a:p>
-                  </a:txBody>
-                  <a:tcPr marL="63500" anchor="ctr">
-                    <a:lnL>
-                      <a:noFill/>
-                    </a:lnL>
-                    <a:lnR>
-                      <a:noFill/>
-                    </a:lnR>
-                    <a:lnT w="6350" cap="flat" cmpd="sng" algn="ctr">
-                      <a:solidFill>
-                        <a:srgbClr val="E0E4E9"/>
-                      </a:solidFill>
-                      <a:prstDash val="solid"/>
-                      <a:round/>
-                      <a:headEnd type="none" w="med" len="med"/>
-                      <a:tailEnd type="none" w="med" len="med"/>
-                    </a:lnT>
-                    <a:lnB w="6350" cap="flat" cmpd="sng" algn="ctr">
-                      <a:solidFill>
-                        <a:srgbClr val="E0E4E9"/>
-                      </a:solidFill>
-                      <a:prstDash val="solid"/>
-                      <a:round/>
-                      <a:headEnd type="none" w="med" len="med"/>
-                      <a:tailEnd type="none" w="med" len="med"/>
-                    </a:lnB>
-                    <a:solidFill>
-                      <a:srgbClr val="FFFFFF"/>
-                    </a:solidFill>
-                  </a:tcPr>
-                </a:tc>
-                <a:extLst>
-                  <a:ext uri="{0D108BD9-81ED-4DB2-BD59-A6C34878D82A}">
-                    <a16:rowId xmlns:a16="http://schemas.microsoft.com/office/drawing/2014/main" val="3259018289"/>
-                  </a:ext>
-                </a:extLst>
-              </a:tr>
-              <a:tr h="681409">
-                <a:tc>
-                  <a:txBody>
-                    <a:bodyPr/>
-                    <a:lstStyle/>
-                    <a:p>
-                      <a:pPr algn="l"/>
-                      <a:r>
-                        <a:rPr lang="en-US" sz="2800" dirty="0">
-                          <a:effectLst/>
-                        </a:rPr>
-                        <a:t>52 Week High</a:t>
-                      </a:r>
-                    </a:p>
-                  </a:txBody>
-                  <a:tcPr marR="63500" anchor="ctr">
-                    <a:lnL>
-                      <a:noFill/>
-                    </a:lnL>
-                    <a:lnR>
-                      <a:noFill/>
-                    </a:lnR>
-                    <a:lnT w="6350" cap="flat" cmpd="sng" algn="ctr">
-                      <a:solidFill>
-                        <a:srgbClr val="E0E4E9"/>
-                      </a:solidFill>
-                      <a:prstDash val="solid"/>
-                      <a:round/>
-                      <a:headEnd type="none" w="med" len="med"/>
-                      <a:tailEnd type="none" w="med" len="med"/>
-                    </a:lnT>
-                    <a:lnB w="6350" cap="flat" cmpd="sng" algn="ctr">
-                      <a:solidFill>
-                        <a:srgbClr val="E0E4E9"/>
-                      </a:solidFill>
-                      <a:prstDash val="solid"/>
-                      <a:round/>
-                      <a:headEnd type="none" w="med" len="med"/>
-                      <a:tailEnd type="none" w="med" len="med"/>
-                    </a:lnB>
-                    <a:solidFill>
-                      <a:srgbClr val="FFFFFF"/>
-                    </a:solidFill>
-                  </a:tcPr>
-                </a:tc>
-                <a:tc>
-                  <a:txBody>
-                    <a:bodyPr/>
-                    <a:lstStyle/>
-                    <a:p>
-                      <a:r>
-                        <a:t>28.50</a:t>
-                      </a:r>
-                    </a:p>
-                  </a:txBody>
-                  <a:tcPr marL="63500" anchor="ctr">
-                    <a:lnL>
-                      <a:noFill/>
-                    </a:lnL>
-                    <a:lnR>
-                      <a:noFill/>
-                    </a:lnR>
-                    <a:lnT w="6350" cap="flat" cmpd="sng" algn="ctr">
-                      <a:solidFill>
-                        <a:srgbClr val="E0E4E9"/>
-                      </a:solidFill>
-                      <a:prstDash val="solid"/>
-                      <a:round/>
-                      <a:headEnd type="none" w="med" len="med"/>
-                      <a:tailEnd type="none" w="med" len="med"/>
-                    </a:lnT>
-                    <a:lnB w="6350" cap="flat" cmpd="sng" algn="ctr">
-                      <a:solidFill>
-                        <a:srgbClr val="E0E4E9"/>
-                      </a:solidFill>
-                      <a:prstDash val="solid"/>
-                      <a:round/>
-                      <a:headEnd type="none" w="med" len="med"/>
-                      <a:tailEnd type="none" w="med" len="med"/>
-                    </a:lnB>
-                    <a:solidFill>
-                      <a:srgbClr val="FFFFFF"/>
-                    </a:solidFill>
-                  </a:tcPr>
-                </a:tc>
-                <a:extLst>
-                  <a:ext uri="{0D108BD9-81ED-4DB2-BD59-A6C34878D82A}">
-                    <a16:rowId xmlns:a16="http://schemas.microsoft.com/office/drawing/2014/main" val="3753040745"/>
-                  </a:ext>
-                </a:extLst>
-              </a:tr>
-              <a:tr h="681409">
-                <a:tc>
-                  <a:txBody>
-                    <a:bodyPr/>
-                    <a:lstStyle/>
-                    <a:p>
-                      <a:pPr algn="l"/>
-                      <a:r>
-                        <a:rPr lang="en-US" sz="2800" dirty="0">
-                          <a:effectLst/>
-                        </a:rPr>
-                        <a:t>52 Week Low</a:t>
-                      </a:r>
-                    </a:p>
-                  </a:txBody>
-                  <a:tcPr marR="63500" anchor="ctr">
-                    <a:lnL>
-                      <a:noFill/>
-                    </a:lnL>
-                    <a:lnR>
-                      <a:noFill/>
-                    </a:lnR>
-                    <a:lnT w="6350" cap="flat" cmpd="sng" algn="ctr">
-                      <a:solidFill>
-                        <a:srgbClr val="E0E4E9"/>
-                      </a:solidFill>
-                      <a:prstDash val="solid"/>
-                      <a:round/>
-                      <a:headEnd type="none" w="med" len="med"/>
-                      <a:tailEnd type="none" w="med" len="med"/>
-                    </a:lnT>
-                    <a:lnB w="6350" cap="flat" cmpd="sng" algn="ctr">
-                      <a:solidFill>
-                        <a:srgbClr val="E0E4E9"/>
-                      </a:solidFill>
-                      <a:prstDash val="solid"/>
-                      <a:round/>
-                      <a:headEnd type="none" w="med" len="med"/>
-                      <a:tailEnd type="none" w="med" len="med"/>
-                    </a:lnB>
-                    <a:solidFill>
-                      <a:srgbClr val="FFFFFF"/>
-                    </a:solidFill>
-                  </a:tcPr>
-                </a:tc>
-                <a:tc>
-                  <a:txBody>
-                    <a:bodyPr/>
-                    <a:lstStyle/>
-                    <a:p>
-                      <a:r>
-                        <a:t>17.52</a:t>
-                      </a:r>
-                    </a:p>
-                  </a:txBody>
-                  <a:tcPr marL="63500" anchor="ctr">
-                    <a:lnL>
-                      <a:noFill/>
-                    </a:lnL>
-                    <a:lnR>
-                      <a:noFill/>
-                    </a:lnR>
-                    <a:lnT w="6350" cap="flat" cmpd="sng" algn="ctr">
-                      <a:solidFill>
-                        <a:srgbClr val="E0E4E9"/>
-                      </a:solidFill>
-                      <a:prstDash val="solid"/>
-                      <a:round/>
-                      <a:headEnd type="none" w="med" len="med"/>
-                      <a:tailEnd type="none" w="med" len="med"/>
-                    </a:lnT>
-                    <a:lnB w="6350" cap="flat" cmpd="sng" algn="ctr">
-                      <a:solidFill>
-                        <a:srgbClr val="E0E4E9"/>
-                      </a:solidFill>
-                      <a:prstDash val="solid"/>
-                      <a:round/>
-                      <a:headEnd type="none" w="med" len="med"/>
-                      <a:tailEnd type="none" w="med" len="med"/>
-                    </a:lnB>
-                    <a:solidFill>
-                      <a:srgbClr val="FFFFFF"/>
-                    </a:solidFill>
-                  </a:tcPr>
-                </a:tc>
-                <a:extLst>
-                  <a:ext uri="{0D108BD9-81ED-4DB2-BD59-A6C34878D82A}">
-                    <a16:rowId xmlns:a16="http://schemas.microsoft.com/office/drawing/2014/main" val="2534385162"/>
-                  </a:ext>
-                </a:extLst>
-              </a:tr>
-              <a:tr h="681409">
-                <a:tc>
-                  <a:txBody>
-                    <a:bodyPr/>
-                    <a:lstStyle/>
-                    <a:p>
-                      <a:pPr algn="l"/>
-                      <a:r>
-                        <a:rPr lang="en-US" sz="2800" dirty="0">
-                          <a:effectLst/>
-                        </a:rPr>
-                        <a:t>50-Day Moving Average</a:t>
-                      </a:r>
-                    </a:p>
-                  </a:txBody>
-                  <a:tcPr marR="63500" anchor="ctr">
-                    <a:lnL>
-                      <a:noFill/>
-                    </a:lnL>
-                    <a:lnR>
-                      <a:noFill/>
-                    </a:lnR>
-                    <a:lnT w="6350" cap="flat" cmpd="sng" algn="ctr">
-                      <a:solidFill>
-                        <a:srgbClr val="E0E4E9"/>
-                      </a:solidFill>
-                      <a:prstDash val="solid"/>
-                      <a:round/>
-                      <a:headEnd type="none" w="med" len="med"/>
-                      <a:tailEnd type="none" w="med" len="med"/>
-                    </a:lnT>
-                    <a:lnB w="6350" cap="flat" cmpd="sng" algn="ctr">
-                      <a:solidFill>
-                        <a:srgbClr val="E0E4E9"/>
-                      </a:solidFill>
-                      <a:prstDash val="solid"/>
-                      <a:round/>
-                      <a:headEnd type="none" w="med" len="med"/>
-                      <a:tailEnd type="none" w="med" len="med"/>
-                    </a:lnB>
-                    <a:solidFill>
-                      <a:srgbClr val="FFFFFF"/>
-                    </a:solidFill>
-                  </a:tcPr>
-                </a:tc>
-                <a:tc>
-                  <a:txBody>
-                    <a:bodyPr/>
-                    <a:lstStyle/>
-                    <a:p>
-                      <a:r>
-                        <a:t>27.35</a:t>
-                      </a:r>
-                    </a:p>
-                  </a:txBody>
-                  <a:tcPr marL="63500" anchor="ctr">
-                    <a:lnL>
-                      <a:noFill/>
-                    </a:lnL>
-                    <a:lnR>
-                      <a:noFill/>
-                    </a:lnR>
-                    <a:lnT w="6350" cap="flat" cmpd="sng" algn="ctr">
-                      <a:solidFill>
-                        <a:srgbClr val="E0E4E9"/>
-                      </a:solidFill>
-                      <a:prstDash val="solid"/>
-                      <a:round/>
-                      <a:headEnd type="none" w="med" len="med"/>
-                      <a:tailEnd type="none" w="med" len="med"/>
-                    </a:lnT>
-                    <a:lnB w="6350" cap="flat" cmpd="sng" algn="ctr">
-                      <a:solidFill>
-                        <a:srgbClr val="E0E4E9"/>
-                      </a:solidFill>
-                      <a:prstDash val="solid"/>
-                      <a:round/>
-                      <a:headEnd type="none" w="med" len="med"/>
-                      <a:tailEnd type="none" w="med" len="med"/>
-                    </a:lnB>
-                    <a:solidFill>
-                      <a:srgbClr val="FFFFFF"/>
-                    </a:solidFill>
-                  </a:tcPr>
-                </a:tc>
-                <a:extLst>
-                  <a:ext uri="{0D108BD9-81ED-4DB2-BD59-A6C34878D82A}">
-                    <a16:rowId xmlns:a16="http://schemas.microsoft.com/office/drawing/2014/main" val="1883788569"/>
-                  </a:ext>
-                </a:extLst>
-              </a:tr>
-              <a:tr h="681409">
-                <a:tc>
-                  <a:txBody>
-                    <a:bodyPr/>
-                    <a:lstStyle/>
-                    <a:p>
-                      <a:pPr algn="l"/>
-                      <a:r>
-                        <a:rPr lang="en-US" sz="2800" dirty="0">
-                          <a:effectLst/>
-                        </a:rPr>
-                        <a:t>200-Day Moving Average</a:t>
-                      </a:r>
-                    </a:p>
-                  </a:txBody>
-                  <a:tcPr marR="63500" anchor="ctr">
-                    <a:lnL>
-                      <a:noFill/>
-                    </a:lnL>
-                    <a:lnR>
-                      <a:noFill/>
-                    </a:lnR>
-                    <a:lnT w="6350" cap="flat" cmpd="sng" algn="ctr">
-                      <a:solidFill>
-                        <a:srgbClr val="E0E4E9"/>
-                      </a:solidFill>
-                      <a:prstDash val="solid"/>
-                      <a:round/>
-                      <a:headEnd type="none" w="med" len="med"/>
-                      <a:tailEnd type="none" w="med" len="med"/>
-                    </a:lnT>
-                    <a:lnB w="6350" cap="flat" cmpd="sng" algn="ctr">
-                      <a:solidFill>
-                        <a:srgbClr val="E0E4E9"/>
-                      </a:solidFill>
-                      <a:prstDash val="solid"/>
-                      <a:round/>
-                      <a:headEnd type="none" w="med" len="med"/>
-                      <a:tailEnd type="none" w="med" len="med"/>
-                    </a:lnB>
-                    <a:solidFill>
-                      <a:srgbClr val="FFFFFF"/>
-                    </a:solidFill>
-                  </a:tcPr>
-                </a:tc>
-                <a:tc>
-                  <a:txBody>
-                    <a:bodyPr/>
-                    <a:lstStyle/>
-                    <a:p>
-                      <a:r>
-                        <a:t>25.26</a:t>
-                      </a:r>
-                    </a:p>
-                  </a:txBody>
-                  <a:tcPr marL="63500" anchor="ctr">
-                    <a:lnL>
-                      <a:noFill/>
-                    </a:lnL>
-                    <a:lnR>
-                      <a:noFill/>
-                    </a:lnR>
-                    <a:lnT w="6350" cap="flat" cmpd="sng" algn="ctr">
-                      <a:solidFill>
-                        <a:srgbClr val="E0E4E9"/>
-                      </a:solidFill>
-                      <a:prstDash val="solid"/>
-                      <a:round/>
-                      <a:headEnd type="none" w="med" len="med"/>
-                      <a:tailEnd type="none" w="med" len="med"/>
-                    </a:lnT>
-                    <a:lnB w="6350" cap="flat" cmpd="sng" algn="ctr">
-                      <a:solidFill>
-                        <a:srgbClr val="E0E4E9"/>
-                      </a:solidFill>
-                      <a:prstDash val="solid"/>
-                      <a:round/>
-                      <a:headEnd type="none" w="med" len="med"/>
-                      <a:tailEnd type="none" w="med" len="med"/>
-                    </a:lnB>
-                    <a:solidFill>
-                      <a:srgbClr val="FFFFFF"/>
-                    </a:solidFill>
-                  </a:tcPr>
-                </a:tc>
-                <a:extLst>
-                  <a:ext uri="{0D108BD9-81ED-4DB2-BD59-A6C34878D82A}">
-                    <a16:rowId xmlns:a16="http://schemas.microsoft.com/office/drawing/2014/main" val="4043459353"/>
-                  </a:ext>
-                </a:extLst>
-              </a:tr>
-            </a:tbl>
-          </a:graphicData>
-        </a:graphic>
-      </p:graphicFrame>
+        </p:nvPicPr>
+        <p:blipFill>
+          <a:blip r:embed="rId5"/>
+          <a:stretch>
+            <a:fillRect/>
+          </a:stretch>
+        </p:blipFill>
+        <p:spPr>
+          <a:xfrm>
+            <a:off x="11569700" y="6235700"/>
+            <a:ext cx="406400" cy="406400"/>
+          </a:xfrm>
+          <a:prstGeom prst="rect">
+            <a:avLst/>
+          </a:prstGeom>
+        </p:spPr>
+      </p:pic>
     </p:spTree>
     <p:extLst>
       <p:ext uri="{BB962C8B-B14F-4D97-AF65-F5344CB8AC3E}">
-        <p14:creationId xmlns:p14="http://schemas.microsoft.com/office/powerpoint/2010/main" val="3850834131"/>
+        <p14:creationId xmlns:p14="http://schemas.microsoft.com/office/powerpoint/2010/main" val="3429206927"/>
       </p:ext>
     </p:extLst>
   </p:cSld>
   <p:clrMapOvr>
     <a:masterClrMapping/>
   </p:clrMapOvr>
+  <mc:AlternateContent xmlns:mc="http://schemas.openxmlformats.org/markup-compatibility/2006">
+    <mc:Choice xmlns:p14="http://schemas.microsoft.com/office/powerpoint/2010/main" Requires="p14">
+      <p:transition spd="slow" p14:dur="2000" advTm="12383"/>
+    </mc:Choice>
+    <mc:Fallback>
+      <p:transition spd="slow" advTm="12383"/>
+    </mc:Fallback>
+  </mc:AlternateContent>
+  <p:timing>
+    <p:tnLst>
+      <p:par>
+        <p:cTn id="1" dur="indefinite" restart="never" nodeType="tmRoot">
+          <p:childTnLst>
+            <p:seq concurrent="1" nextAc="seek">
+              <p:cTn id="2" dur="indefinite" nodeType="mainSeq">
+                <p:childTnLst>
+                  <p:par>
+                    <p:cTn id="3" fill="hold">
+                      <p:stCondLst>
+                        <p:cond delay="indefinite"/>
+                        <p:cond evt="onBegin" delay="0">
+                          <p:tn val="2"/>
+                        </p:cond>
+                      </p:stCondLst>
+                      <p:childTnLst>
+                        <p:par>
+                          <p:cTn id="4" fill="hold">
+                            <p:stCondLst>
+                              <p:cond delay="0"/>
+                            </p:stCondLst>
+                            <p:childTnLst>
+                              <p:par>
+                                <p:cTn id="5" presetID="1" presetClass="mediacall" presetSubtype="0" fill="hold" nodeType="afterEffect">
+                                  <p:stCondLst>
+                                    <p:cond delay="0"/>
+                                  </p:stCondLst>
+                                  <p:childTnLst>
+                                    <p:cmd type="call" cmd="playFrom(0.0)">
+                                      <p:cBhvr>
+                                        <p:cTn id="6" dur="1" fill="hold"/>
+                                        <p:tgtEl>
+                                          <p:spTgt spid="3"/>
+                                        </p:tgtEl>
+                                      </p:cBhvr>
+                                    </p:cmd>
+                                  </p:childTnLst>
+                                </p:cTn>
+                              </p:par>
+                            </p:childTnLst>
+                          </p:cTn>
+                        </p:par>
+                      </p:childTnLst>
+                    </p:cTn>
+                  </p:par>
+                </p:childTnLst>
+              </p:cTn>
+              <p:prevCondLst>
+                <p:cond evt="onPrev" delay="0">
+                  <p:tgtEl>
+                    <p:sldTgt/>
+                  </p:tgtEl>
+                </p:cond>
+              </p:prevCondLst>
+              <p:nextCondLst>
+                <p:cond evt="onNext" delay="0">
+                  <p:tgtEl>
+                    <p:sldTgt/>
+                  </p:tgtEl>
+                </p:cond>
+              </p:nextCondLst>
+            </p:seq>
+            <p:audio isNarration="1">
+              <p:cMediaNode vol="80000" showWhenStopped="0">
+                <p:cTn id="7" fill="hold" display="0">
+                  <p:stCondLst>
+                    <p:cond delay="indefinite"/>
+                  </p:stCondLst>
+                  <p:endCondLst>
+                    <p:cond evt="onStopAudio" delay="0">
+                      <p:tgtEl>
+                        <p:sldTgt/>
+                      </p:tgtEl>
+                    </p:cond>
+                  </p:endCondLst>
+                </p:cTn>
+                <p:tgtEl>
+                  <p:spTgt spid="3"/>
+                </p:tgtEl>
+              </p:cMediaNode>
+            </p:audio>
+          </p:childTnLst>
+        </p:cTn>
+      </p:par>
+    </p:tnLst>
+  </p:timing>
 </p:sld>
 </file>
 
@@ -5914,34 +4992,34 @@
           <a:p>
             <a:pPr algn="ctr"/>
             <a:r>
-              <a:rPr dirty="0"/>
+              <a:rPr sz="4000" dirty="0"/>
               <a:t>Pattern</a:t>
             </a:r>
             <a:r>
-              <a:rPr lang="ja-JP" altLang="en-US" dirty="0"/>
+              <a:rPr lang="ja-JP" altLang="en-US" sz="4000" dirty="0"/>
               <a:t> </a:t>
             </a:r>
             <a:r>
-              <a:rPr dirty="0"/>
+              <a:rPr sz="4000" dirty="0"/>
               <a:t>Energy</a:t>
             </a:r>
             <a:r>
-              <a:rPr lang="ja-JP" altLang="en-US" dirty="0"/>
+              <a:rPr lang="ja-JP" altLang="en-US" sz="4000" dirty="0"/>
               <a:t> </a:t>
             </a:r>
             <a:r>
-              <a:rPr dirty="0"/>
+              <a:rPr sz="4000" dirty="0"/>
               <a:t>Group</a:t>
             </a:r>
             <a:r>
-              <a:rPr lang="ja-JP" altLang="en-US" dirty="0"/>
+              <a:rPr lang="ja-JP" altLang="en-US" sz="4000" dirty="0"/>
               <a:t> </a:t>
             </a:r>
             <a:r>
-              <a:rPr dirty="0"/>
+              <a:rPr sz="4000" dirty="0"/>
               <a:t>Inc</a:t>
             </a:r>
-            <a:endParaRPr kumimoji="1" lang="ja-JP" altLang="en-US" sz="7200" b="1" dirty="0"/>
+            <a:endParaRPr kumimoji="1" lang="ja-JP" altLang="en-US" sz="16600" b="1" dirty="0"/>
           </a:p>
         </p:txBody>
       </p:sp>
@@ -5950,7 +5028,7 @@
           <p:cNvPr id="3" name="表 2">
             <a:extLst>
               <a:ext uri="{FF2B5EF4-FFF2-40B4-BE49-F238E27FC236}">
-                <a16:creationId xmlns:a16="http://schemas.microsoft.com/office/drawing/2014/main" id="{3B624B26-FB64-46DF-AC7C-8E8919698F7F}"/>
+                <a16:creationId xmlns:a16="http://schemas.microsoft.com/office/drawing/2014/main" id="{FFCCECC4-349B-4502-8D9C-AF477547D7D1}"/>
               </a:ext>
             </a:extLst>
           </p:cNvPr>
@@ -5960,63 +5038,60 @@
           <p:nvPr>
             <p:extLst>
               <p:ext uri="{D42A27DB-BD31-4B8C-83A1-F6EECF244321}">
-                <p14:modId xmlns:p14="http://schemas.microsoft.com/office/powerpoint/2010/main" val="2423435049"/>
+                <p14:modId xmlns:p14="http://schemas.microsoft.com/office/powerpoint/2010/main" val="1709463854"/>
               </p:ext>
             </p:extLst>
           </p:nvPr>
         </p:nvGraphicFramePr>
         <p:xfrm>
-          <a:off x="517256" y="1778837"/>
-          <a:ext cx="11157488" cy="4145280"/>
+          <a:off x="435429" y="1497727"/>
+          <a:ext cx="11342914" cy="5429210"/>
         </p:xfrm>
         <a:graphic>
           <a:graphicData uri="http://schemas.openxmlformats.org/drawingml/2006/table">
             <a:tbl>
               <a:tblPr/>
               <a:tblGrid>
-                <a:gridCol w="5578744">
+                <a:gridCol w="5671457">
                   <a:extLst>
                     <a:ext uri="{9D8B030D-6E8A-4147-A177-3AD203B41FA5}">
-                      <a16:colId xmlns:a16="http://schemas.microsoft.com/office/drawing/2014/main" val="821910941"/>
+                      <a16:colId xmlns:a16="http://schemas.microsoft.com/office/drawing/2014/main" val="373451061"/>
                     </a:ext>
                   </a:extLst>
                 </a:gridCol>
-                <a:gridCol w="5578744">
+                <a:gridCol w="5671457">
                   <a:extLst>
                     <a:ext uri="{9D8B030D-6E8A-4147-A177-3AD203B41FA5}">
-                      <a16:colId xmlns:a16="http://schemas.microsoft.com/office/drawing/2014/main" val="2654915177"/>
+                      <a16:colId xmlns:a16="http://schemas.microsoft.com/office/drawing/2014/main" val="590999438"/>
                     </a:ext>
                   </a:extLst>
                 </a:gridCol>
               </a:tblGrid>
-              <a:tr h="228600">
+              <a:tr h="682461">
                 <a:tc>
                   <a:txBody>
                     <a:bodyPr/>
                     <a:lstStyle/>
                     <a:p>
-                      <a:pPr algn="l"/>
-                      <a:r>
-                        <a:rPr lang="en-US" sz="2800" dirty="0">
+                      <a:pPr algn="ctr"/>
+                      <a:r>
+                        <a:rPr kumimoji="1" lang="ja-JP" altLang="en-US" sz="2800" b="0" i="0" kern="1200" dirty="0">
+                          <a:solidFill>
+                            <a:schemeClr val="tx1"/>
+                          </a:solidFill>
                           <a:effectLst/>
+                          <a:latin typeface="+mn-lt"/>
+                          <a:ea typeface="+mn-ea"/>
+                          <a:cs typeface="+mn-cs"/>
                         </a:rPr>
-                        <a:t>Revenue (</a:t>
-                      </a:r>
-                      <a:r>
-                        <a:rPr lang="en-US" sz="2800" dirty="0" err="1">
-                          <a:effectLst/>
-                        </a:rPr>
-                        <a:t>ttm</a:t>
-                      </a:r>
-                      <a:r>
-                        <a:rPr lang="en-US" sz="2800" dirty="0">
-                          <a:effectLst/>
-                        </a:rPr>
-                        <a:t>)</a:t>
-                      </a:r>
+                        <a:t>時価総額</a:t>
+                      </a:r>
+                      <a:endParaRPr lang="en-US" sz="2800" dirty="0">
+                        <a:effectLst/>
+                      </a:endParaRPr>
                     </a:p>
                   </a:txBody>
-                  <a:tcPr marR="63500" anchor="ctr">
+                  <a:tcPr marL="48348" marR="33575" marT="24174" marB="24174" anchor="ctr">
                     <a:lnL>
                       <a:noFill/>
                     </a:lnL>
@@ -6052,11 +5127,12 @@
                     <a:lstStyle/>
                     <a:p>
                       <a:r>
-                        <a:t>497M</a:t>
+                        <a:rPr sz="2800"/>
+                        <a:t>2.7B</a:t>
                       </a:r>
                     </a:p>
                   </a:txBody>
-                  <a:tcPr marL="63500" anchor="ctr">
+                  <a:tcPr marL="33575" marR="48348" marT="24174" marB="24174" anchor="ctr">
                     <a:lnL>
                       <a:noFill/>
                     </a:lnL>
@@ -6081,45 +5157,40 @@
                       <a:headEnd type="none" w="med" len="med"/>
                       <a:tailEnd type="none" w="med" len="med"/>
                     </a:lnB>
-                    <a:solidFill>
-                      <a:srgbClr val="FFFFFF"/>
-                    </a:solidFill>
+                    <a:noFill/>
                   </a:tcPr>
                 </a:tc>
                 <a:extLst>
                   <a:ext uri="{0D108BD9-81ED-4DB2-BD59-A6C34878D82A}">
-                    <a16:rowId xmlns:a16="http://schemas.microsoft.com/office/drawing/2014/main" val="2617340337"/>
+                    <a16:rowId xmlns:a16="http://schemas.microsoft.com/office/drawing/2014/main" val="2804550959"/>
                   </a:ext>
                 </a:extLst>
               </a:tr>
-              <a:tr h="228600">
+              <a:tr h="449643">
                 <a:tc>
                   <a:txBody>
                     <a:bodyPr/>
                     <a:lstStyle/>
                     <a:p>
-                      <a:pPr algn="l"/>
-                      <a:r>
-                        <a:rPr lang="en-US" sz="2800" dirty="0">
+                      <a:pPr algn="ctr"/>
+                      <a:r>
+                        <a:rPr kumimoji="1" lang="ja-JP" altLang="en-US" sz="2800" b="0" i="0" kern="1200" dirty="0">
+                          <a:solidFill>
+                            <a:schemeClr val="tx1"/>
+                          </a:solidFill>
                           <a:effectLst/>
+                          <a:latin typeface="+mn-lt"/>
+                          <a:ea typeface="+mn-ea"/>
+                          <a:cs typeface="+mn-cs"/>
                         </a:rPr>
-                        <a:t>Revenue Per Share (</a:t>
-                      </a:r>
-                      <a:r>
-                        <a:rPr lang="en-US" sz="2800" dirty="0" err="1">
-                          <a:effectLst/>
-                        </a:rPr>
-                        <a:t>ttm</a:t>
-                      </a:r>
-                      <a:r>
-                        <a:rPr lang="en-US" sz="2800" dirty="0">
-                          <a:effectLst/>
-                        </a:rPr>
-                        <a:t>)</a:t>
-                      </a:r>
+                        <a:t>企業価値</a:t>
+                      </a:r>
+                      <a:endParaRPr lang="en-US" sz="2800" dirty="0">
+                        <a:effectLst/>
+                      </a:endParaRPr>
                     </a:p>
                   </a:txBody>
-                  <a:tcPr marR="63500" anchor="ctr">
+                  <a:tcPr marL="48348" marR="33575" marT="24174" marB="24174" anchor="ctr">
                     <a:lnL>
                       <a:noFill/>
                     </a:lnL>
@@ -6155,11 +5226,12 @@
                     <a:lstStyle/>
                     <a:p>
                       <a:r>
-                        <a:t>5.09</a:t>
+                        <a:rPr sz="2800"/>
+                        <a:t>6.35B</a:t>
                       </a:r>
                     </a:p>
                   </a:txBody>
-                  <a:tcPr marL="63500" anchor="ctr">
+                  <a:tcPr marL="33575" marR="48348" marT="24174" marB="24174" anchor="ctr">
                     <a:lnL>
                       <a:noFill/>
                     </a:lnL>
@@ -6184,45 +5256,51 @@
                       <a:headEnd type="none" w="med" len="med"/>
                       <a:tailEnd type="none" w="med" len="med"/>
                     </a:lnB>
-                    <a:solidFill>
-                      <a:srgbClr val="FFFFFF"/>
-                    </a:solidFill>
                   </a:tcPr>
                 </a:tc>
                 <a:extLst>
                   <a:ext uri="{0D108BD9-81ED-4DB2-BD59-A6C34878D82A}">
-                    <a16:rowId xmlns:a16="http://schemas.microsoft.com/office/drawing/2014/main" val="43824069"/>
+                    <a16:rowId xmlns:a16="http://schemas.microsoft.com/office/drawing/2014/main" val="1352689207"/>
                   </a:ext>
                 </a:extLst>
               </a:tr>
-              <a:tr h="228600">
+              <a:tr h="641604">
                 <a:tc>
                   <a:txBody>
                     <a:bodyPr/>
                     <a:lstStyle/>
                     <a:p>
-                      <a:pPr algn="l"/>
-                      <a:r>
-                        <a:rPr lang="en-US" sz="2800" dirty="0">
+                      <a:pPr algn="ctr"/>
+                      <a:r>
+                        <a:rPr kumimoji="1" lang="ja-JP" altLang="en-US" sz="2800" b="0" i="0" kern="1200" dirty="0">
+                          <a:solidFill>
+                            <a:schemeClr val="tx1"/>
+                          </a:solidFill>
                           <a:effectLst/>
+                          <a:latin typeface="+mn-lt"/>
+                          <a:ea typeface="+mn-ea"/>
+                          <a:cs typeface="+mn-cs"/>
                         </a:rPr>
-                        <a:t>Quarterly Revenue Growth (</a:t>
-                      </a:r>
-                      <a:r>
-                        <a:rPr lang="en-US" sz="2800" dirty="0" err="1">
+                        <a:t>実績</a:t>
+                      </a:r>
+                      <a:r>
+                        <a:rPr kumimoji="1" lang="en-US" altLang="ja-JP" sz="2800" b="0" i="0" kern="1200" dirty="0">
+                          <a:solidFill>
+                            <a:schemeClr val="tx1"/>
+                          </a:solidFill>
                           <a:effectLst/>
+                          <a:latin typeface="+mn-lt"/>
+                          <a:ea typeface="+mn-ea"/>
+                          <a:cs typeface="+mn-cs"/>
                         </a:rPr>
-                        <a:t>yoy</a:t>
-                      </a:r>
-                      <a:r>
-                        <a:rPr lang="en-US" sz="2800" dirty="0">
-                          <a:effectLst/>
-                        </a:rPr>
-                        <a:t>)</a:t>
-                      </a:r>
+                        <a:t>PER</a:t>
+                      </a:r>
+                      <a:endParaRPr lang="en-US" sz="2800" dirty="0">
+                        <a:effectLst/>
+                      </a:endParaRPr>
                     </a:p>
                   </a:txBody>
-                  <a:tcPr marR="63500" anchor="ctr">
+                  <a:tcPr marL="48348" marR="33575" marT="24174" marB="24174" anchor="ctr">
                     <a:lnL>
                       <a:noFill/>
                     </a:lnL>
@@ -6258,11 +5336,12 @@
                     <a:lstStyle/>
                     <a:p>
                       <a:r>
-                        <a:t>0.80%</a:t>
+                        <a:rPr sz="2800"/>
+                        <a:t>N/A</a:t>
                       </a:r>
                     </a:p>
                   </a:txBody>
-                  <a:tcPr marL="63500" anchor="ctr">
+                  <a:tcPr marL="33575" marR="48348" marT="24174" marB="24174" anchor="ctr">
                     <a:lnL>
                       <a:noFill/>
                     </a:lnL>
@@ -6287,45 +5366,51 @@
                       <a:headEnd type="none" w="med" len="med"/>
                       <a:tailEnd type="none" w="med" len="med"/>
                     </a:lnB>
-                    <a:solidFill>
-                      <a:srgbClr val="FFFFFF"/>
-                    </a:solidFill>
                   </a:tcPr>
                 </a:tc>
                 <a:extLst>
                   <a:ext uri="{0D108BD9-81ED-4DB2-BD59-A6C34878D82A}">
-                    <a16:rowId xmlns:a16="http://schemas.microsoft.com/office/drawing/2014/main" val="1418318506"/>
+                    <a16:rowId xmlns:a16="http://schemas.microsoft.com/office/drawing/2014/main" val="25769734"/>
                   </a:ext>
                 </a:extLst>
               </a:tr>
-              <a:tr h="228600">
+              <a:tr h="449643">
                 <a:tc>
                   <a:txBody>
                     <a:bodyPr/>
                     <a:lstStyle/>
                     <a:p>
-                      <a:pPr algn="l"/>
-                      <a:r>
-                        <a:rPr lang="en-US" sz="2800" dirty="0">
+                      <a:pPr algn="ctr"/>
+                      <a:r>
+                        <a:rPr kumimoji="1" lang="ja-JP" altLang="en-US" sz="2800" b="0" i="0" kern="1200" dirty="0">
+                          <a:solidFill>
+                            <a:schemeClr val="tx1"/>
+                          </a:solidFill>
                           <a:effectLst/>
+                          <a:latin typeface="+mn-lt"/>
+                          <a:ea typeface="+mn-ea"/>
+                          <a:cs typeface="+mn-cs"/>
                         </a:rPr>
-                        <a:t>Gross Profit (</a:t>
-                      </a:r>
-                      <a:r>
-                        <a:rPr lang="en-US" sz="2800" dirty="0" err="1">
+                        <a:t>予想</a:t>
+                      </a:r>
+                      <a:r>
+                        <a:rPr kumimoji="1" lang="en-US" altLang="ja-JP" sz="2800" b="0" i="0" kern="1200" dirty="0">
+                          <a:solidFill>
+                            <a:schemeClr val="tx1"/>
+                          </a:solidFill>
                           <a:effectLst/>
+                          <a:latin typeface="+mn-lt"/>
+                          <a:ea typeface="+mn-ea"/>
+                          <a:cs typeface="+mn-cs"/>
                         </a:rPr>
-                        <a:t>ttm</a:t>
-                      </a:r>
-                      <a:r>
-                        <a:rPr lang="en-US" sz="2800" dirty="0">
-                          <a:effectLst/>
-                        </a:rPr>
-                        <a:t>)</a:t>
-                      </a:r>
+                        <a:t>PER</a:t>
+                      </a:r>
+                      <a:endParaRPr lang="en-US" sz="2800" dirty="0">
+                        <a:effectLst/>
+                      </a:endParaRPr>
                     </a:p>
                   </a:txBody>
-                  <a:tcPr marR="63500" anchor="ctr">
+                  <a:tcPr marL="48348" marR="33575" marT="24174" marB="24174" anchor="ctr">
                     <a:lnL>
                       <a:noFill/>
                     </a:lnL>
@@ -6361,11 +5446,12 @@
                     <a:lstStyle/>
                     <a:p>
                       <a:r>
-                        <a:t>304M</a:t>
+                        <a:rPr sz="2800"/>
+                        <a:t>392.14</a:t>
                       </a:r>
                     </a:p>
                   </a:txBody>
-                  <a:tcPr marL="63500" anchor="ctr">
+                  <a:tcPr marL="33575" marR="48348" marT="24174" marB="24174" anchor="ctr">
                     <a:lnL>
                       <a:noFill/>
                     </a:lnL>
@@ -6390,33 +5476,51 @@
                       <a:headEnd type="none" w="med" len="med"/>
                       <a:tailEnd type="none" w="med" len="med"/>
                     </a:lnB>
-                    <a:solidFill>
-                      <a:srgbClr val="FFFFFF"/>
-                    </a:solidFill>
                   </a:tcPr>
                 </a:tc>
                 <a:extLst>
                   <a:ext uri="{0D108BD9-81ED-4DB2-BD59-A6C34878D82A}">
-                    <a16:rowId xmlns:a16="http://schemas.microsoft.com/office/drawing/2014/main" val="3025839369"/>
+                    <a16:rowId xmlns:a16="http://schemas.microsoft.com/office/drawing/2014/main" val="2424227900"/>
                   </a:ext>
                 </a:extLst>
               </a:tr>
-              <a:tr h="228600">
+              <a:tr h="839951">
                 <a:tc>
                   <a:txBody>
                     <a:bodyPr/>
                     <a:lstStyle/>
                     <a:p>
-                      <a:pPr algn="l"/>
-                      <a:r>
-                        <a:rPr lang="en-US" sz="2800" dirty="0">
+                      <a:pPr algn="ctr"/>
+                      <a:r>
+                        <a:rPr kumimoji="1" lang="en-US" altLang="ja-JP" sz="2800" b="1" i="0" kern="1200" dirty="0">
+                          <a:solidFill>
+                            <a:schemeClr val="tx1"/>
+                          </a:solidFill>
                           <a:effectLst/>
+                          <a:latin typeface="+mn-lt"/>
+                          <a:ea typeface="+mn-ea"/>
+                          <a:cs typeface="+mn-cs"/>
                         </a:rPr>
-                        <a:t>EBITDA</a:t>
-                      </a:r>
+                        <a:t>PEG</a:t>
+                      </a:r>
+                      <a:r>
+                        <a:rPr kumimoji="1" lang="ja-JP" altLang="en-US" sz="2800" b="1" i="0" kern="1200" dirty="0">
+                          <a:solidFill>
+                            <a:schemeClr val="tx1"/>
+                          </a:solidFill>
+                          <a:effectLst/>
+                          <a:latin typeface="+mn-lt"/>
+                          <a:ea typeface="+mn-ea"/>
+                          <a:cs typeface="+mn-cs"/>
+                        </a:rPr>
+                        <a:t>レシオ</a:t>
+                      </a:r>
+                      <a:endParaRPr lang="en-US" sz="2800" dirty="0">
+                        <a:effectLst/>
+                      </a:endParaRPr>
                     </a:p>
                   </a:txBody>
-                  <a:tcPr marR="63500" anchor="ctr">
+                  <a:tcPr marL="48348" marR="33575" marT="24174" marB="24174" anchor="ctr">
                     <a:lnL>
                       <a:noFill/>
                     </a:lnL>
@@ -6452,11 +5556,12 @@
                     <a:lstStyle/>
                     <a:p>
                       <a:r>
-                        <a:t>309M</a:t>
+                        <a:rPr sz="2800"/>
+                        <a:t>-1.58</a:t>
                       </a:r>
                     </a:p>
                   </a:txBody>
-                  <a:tcPr marL="63500" anchor="ctr">
+                  <a:tcPr marL="33575" marR="48348" marT="24174" marB="24174" anchor="ctr">
                     <a:lnL>
                       <a:noFill/>
                     </a:lnL>
@@ -6481,41 +5586,26 @@
                       <a:headEnd type="none" w="med" len="med"/>
                       <a:tailEnd type="none" w="med" len="med"/>
                     </a:lnB>
-                    <a:solidFill>
-                      <a:srgbClr val="FFFFFF"/>
-                    </a:solidFill>
                   </a:tcPr>
                 </a:tc>
                 <a:extLst>
                   <a:ext uri="{0D108BD9-81ED-4DB2-BD59-A6C34878D82A}">
-                    <a16:rowId xmlns:a16="http://schemas.microsoft.com/office/drawing/2014/main" val="4042836303"/>
+                    <a16:rowId xmlns:a16="http://schemas.microsoft.com/office/drawing/2014/main" val="1621651659"/>
                   </a:ext>
                 </a:extLst>
               </a:tr>
-              <a:tr h="228600">
+              <a:tr h="449643">
                 <a:tc>
                   <a:txBody>
                     <a:bodyPr/>
                     <a:lstStyle/>
                     <a:p>
-                      <a:pPr algn="l"/>
+                      <a:pPr algn="ctr"/>
                       <a:r>
                         <a:rPr lang="en-US" sz="2800" dirty="0">
                           <a:effectLst/>
                         </a:rPr>
-                        <a:t>Net Income </a:t>
-                      </a:r>
-                      <a:r>
-                        <a:rPr lang="en-US" sz="2800" dirty="0" err="1">
-                          <a:effectLst/>
-                        </a:rPr>
-                        <a:t>Avi</a:t>
-                      </a:r>
-                      <a:r>
-                        <a:rPr lang="en-US" sz="2800" dirty="0">
-                          <a:effectLst/>
-                        </a:rPr>
-                        <a:t> to Common (</a:t>
+                        <a:t>Price/Sales (</a:t>
                       </a:r>
                       <a:r>
                         <a:rPr lang="en-US" sz="2800" dirty="0" err="1">
@@ -6531,7 +5621,7 @@
                       </a:r>
                     </a:p>
                   </a:txBody>
-                  <a:tcPr marR="63500" anchor="ctr">
+                  <a:tcPr marL="48348" marR="33575" marT="24174" marB="24174" anchor="ctr">
                     <a:lnL>
                       <a:noFill/>
                     </a:lnL>
@@ -6567,11 +5657,12 @@
                     <a:lstStyle/>
                     <a:p>
                       <a:r>
-                        <a:t>-102M</a:t>
+                        <a:rPr sz="2800"/>
+                        <a:t>5.43</a:t>
                       </a:r>
                     </a:p>
                   </a:txBody>
-                  <a:tcPr marL="63500" anchor="ctr">
+                  <a:tcPr marL="33575" marR="48348" marT="24174" marB="24174" anchor="ctr">
                     <a:lnL>
                       <a:noFill/>
                     </a:lnL>
@@ -6596,35 +5687,32 @@
                       <a:headEnd type="none" w="med" len="med"/>
                       <a:tailEnd type="none" w="med" len="med"/>
                     </a:lnB>
-                    <a:solidFill>
-                      <a:srgbClr val="FFFFFF"/>
-                    </a:solidFill>
                   </a:tcPr>
                 </a:tc>
                 <a:extLst>
                   <a:ext uri="{0D108BD9-81ED-4DB2-BD59-A6C34878D82A}">
-                    <a16:rowId xmlns:a16="http://schemas.microsoft.com/office/drawing/2014/main" val="2526676873"/>
+                    <a16:rowId xmlns:a16="http://schemas.microsoft.com/office/drawing/2014/main" val="939867563"/>
                   </a:ext>
                 </a:extLst>
               </a:tr>
-              <a:tr h="228600">
+              <a:tr h="449643">
                 <a:tc>
                   <a:txBody>
                     <a:bodyPr/>
                     <a:lstStyle/>
                     <a:p>
-                      <a:pPr algn="l"/>
+                      <a:pPr algn="ctr"/>
                       <a:r>
                         <a:rPr lang="en-US" sz="2800" dirty="0">
                           <a:effectLst/>
                         </a:rPr>
-                        <a:t>Diluted EPS (</a:t>
+                        <a:t>Price/Book (</a:t>
                       </a:r>
                       <a:r>
                         <a:rPr lang="en-US" sz="2800" dirty="0" err="1">
                           <a:effectLst/>
                         </a:rPr>
-                        <a:t>ttm</a:t>
+                        <a:t>mrq</a:t>
                       </a:r>
                       <a:r>
                         <a:rPr lang="en-US" sz="2800" dirty="0">
@@ -6634,7 +5722,7 @@
                       </a:r>
                     </a:p>
                   </a:txBody>
-                  <a:tcPr marR="63500" anchor="ctr">
+                  <a:tcPr marL="48348" marR="33575" marT="24174" marB="24174" anchor="ctr">
                     <a:lnL>
                       <a:noFill/>
                     </a:lnL>
@@ -6670,11 +5758,12 @@
                     <a:lstStyle/>
                     <a:p>
                       <a:r>
-                        <a:t>-1.17</a:t>
+                        <a:rPr sz="2800"/>
+                        <a:t>3.42</a:t>
                       </a:r>
                     </a:p>
                   </a:txBody>
-                  <a:tcPr marL="63500" anchor="ctr">
+                  <a:tcPr marL="33575" marR="48348" marT="24174" marB="24174" anchor="ctr">
                     <a:lnL>
                       <a:noFill/>
                     </a:lnL>
@@ -6699,45 +5788,30 @@
                       <a:headEnd type="none" w="med" len="med"/>
                       <a:tailEnd type="none" w="med" len="med"/>
                     </a:lnB>
-                    <a:solidFill>
-                      <a:srgbClr val="FFFFFF"/>
-                    </a:solidFill>
                   </a:tcPr>
                 </a:tc>
                 <a:extLst>
                   <a:ext uri="{0D108BD9-81ED-4DB2-BD59-A6C34878D82A}">
-                    <a16:rowId xmlns:a16="http://schemas.microsoft.com/office/drawing/2014/main" val="982733913"/>
+                    <a16:rowId xmlns:a16="http://schemas.microsoft.com/office/drawing/2014/main" val="1595040042"/>
                   </a:ext>
                 </a:extLst>
               </a:tr>
-              <a:tr h="228600">
+              <a:tr h="682461">
                 <a:tc>
                   <a:txBody>
                     <a:bodyPr/>
                     <a:lstStyle/>
                     <a:p>
-                      <a:pPr algn="l"/>
+                      <a:pPr algn="ctr"/>
                       <a:r>
                         <a:rPr lang="en-US" sz="2800" dirty="0">
                           <a:effectLst/>
                         </a:rPr>
-                        <a:t>Quarterly Earnings Growth (</a:t>
-                      </a:r>
-                      <a:r>
-                        <a:rPr lang="en-US" sz="2800" dirty="0" err="1">
-                          <a:effectLst/>
-                        </a:rPr>
-                        <a:t>yoy</a:t>
-                      </a:r>
-                      <a:r>
-                        <a:rPr lang="en-US" sz="2800" dirty="0">
-                          <a:effectLst/>
-                        </a:rPr>
-                        <a:t>)</a:t>
+                        <a:t>Enterprise Value/Revenue </a:t>
                       </a:r>
                     </a:p>
                   </a:txBody>
-                  <a:tcPr marR="63500" anchor="ctr">
+                  <a:tcPr marL="48348" marR="33575" marT="24174" marB="24174" anchor="ctr">
                     <a:lnL>
                       <a:noFill/>
                     </a:lnL>
@@ -6773,11 +5847,60 @@
                     <a:lstStyle/>
                     <a:p>
                       <a:r>
-                        <a:t>N/A</a:t>
+                        <a:rPr sz="2800" dirty="0"/>
+                        <a:t>12.78</a:t>
                       </a:r>
                     </a:p>
                   </a:txBody>
-                  <a:tcPr marL="63500" anchor="ctr">
+                  <a:tcPr marL="33575" marR="48348" marT="24174" marB="24174" anchor="ctr">
+                    <a:lnL>
+                      <a:noFill/>
+                    </a:lnL>
+                    <a:lnR>
+                      <a:noFill/>
+                    </a:lnR>
+                    <a:lnT w="6350" cap="flat" cmpd="sng" algn="ctr">
+                      <a:solidFill>
+                        <a:srgbClr val="E0E4E9"/>
+                      </a:solidFill>
+                      <a:prstDash val="solid"/>
+                      <a:round/>
+                      <a:headEnd type="none" w="med" len="med"/>
+                      <a:tailEnd type="none" w="med" len="med"/>
+                    </a:lnT>
+                    <a:lnB w="6350" cap="flat" cmpd="sng" algn="ctr">
+                      <a:solidFill>
+                        <a:srgbClr val="E0E4E9"/>
+                      </a:solidFill>
+                      <a:prstDash val="solid"/>
+                      <a:round/>
+                      <a:headEnd type="none" w="med" len="med"/>
+                      <a:tailEnd type="none" w="med" len="med"/>
+                    </a:lnB>
+                  </a:tcPr>
+                </a:tc>
+                <a:extLst>
+                  <a:ext uri="{0D108BD9-81ED-4DB2-BD59-A6C34878D82A}">
+                    <a16:rowId xmlns:a16="http://schemas.microsoft.com/office/drawing/2014/main" val="2732022641"/>
+                  </a:ext>
+                </a:extLst>
+              </a:tr>
+              <a:tr h="682461">
+                <a:tc>
+                  <a:txBody>
+                    <a:bodyPr/>
+                    <a:lstStyle/>
+                    <a:p>
+                      <a:pPr algn="ctr"/>
+                      <a:r>
+                        <a:rPr lang="en-US" sz="2800" dirty="0">
+                          <a:effectLst/>
+                        </a:rPr>
+                        <a:t>Enterprise Value/EBITDA </a:t>
+                      </a:r>
+                    </a:p>
+                  </a:txBody>
+                  <a:tcPr marL="48348" marR="33575" marT="24174" marB="24174" anchor="ctr">
                     <a:lnL>
                       <a:noFill/>
                     </a:lnL>
@@ -6807,9 +5930,47 @@
                     </a:solidFill>
                   </a:tcPr>
                 </a:tc>
+                <a:tc>
+                  <a:txBody>
+                    <a:bodyPr/>
+                    <a:lstStyle/>
+                    <a:p>
+                      <a:r>
+                        <a:rPr sz="2800" dirty="0"/>
+                        <a:t>20.56</a:t>
+                      </a:r>
+                    </a:p>
+                  </a:txBody>
+                  <a:tcPr marL="33575" marR="48348" marT="24174" marB="24174" anchor="ctr">
+                    <a:lnL>
+                      <a:noFill/>
+                    </a:lnL>
+                    <a:lnR>
+                      <a:noFill/>
+                    </a:lnR>
+                    <a:lnT w="6350" cap="flat" cmpd="sng" algn="ctr">
+                      <a:solidFill>
+                        <a:srgbClr val="E0E4E9"/>
+                      </a:solidFill>
+                      <a:prstDash val="solid"/>
+                      <a:round/>
+                      <a:headEnd type="none" w="med" len="med"/>
+                      <a:tailEnd type="none" w="med" len="med"/>
+                    </a:lnT>
+                    <a:lnB w="6350" cap="flat" cmpd="sng" algn="ctr">
+                      <a:solidFill>
+                        <a:srgbClr val="E0E4E9"/>
+                      </a:solidFill>
+                      <a:prstDash val="solid"/>
+                      <a:round/>
+                      <a:headEnd type="none" w="med" len="med"/>
+                      <a:tailEnd type="none" w="med" len="med"/>
+                    </a:lnB>
+                  </a:tcPr>
+                </a:tc>
                 <a:extLst>
                   <a:ext uri="{0D108BD9-81ED-4DB2-BD59-A6C34878D82A}">
-                    <a16:rowId xmlns:a16="http://schemas.microsoft.com/office/drawing/2014/main" val="711664909"/>
+                    <a16:rowId xmlns:a16="http://schemas.microsoft.com/office/drawing/2014/main" val="1410042439"/>
                   </a:ext>
                 </a:extLst>
               </a:tr>
@@ -6817,16 +5978,149 @@
           </a:graphicData>
         </a:graphic>
       </p:graphicFrame>
+      <p:pic>
+        <p:nvPicPr>
+          <p:cNvPr id="4" name="オーディオ 3">
+            <a:hlinkClick r:id="" action="ppaction://media"/>
+            <a:extLst>
+              <a:ext uri="{FF2B5EF4-FFF2-40B4-BE49-F238E27FC236}">
+                <a16:creationId xmlns:a16="http://schemas.microsoft.com/office/drawing/2014/main" id="{421FC30D-398F-45B6-945E-AF9402BD1D6D}"/>
+              </a:ext>
+            </a:extLst>
+          </p:cNvPr>
+          <p:cNvPicPr>
+            <a:picLocks noChangeAspect="1"/>
+          </p:cNvPicPr>
+          <p:nvPr>
+            <a:audioFile r:link="rId2"/>
+            <p:extLst>
+              <p:ext uri="{DAA4B4D4-6D71-4841-9C94-3DE7FCFB9230}">
+                <p14:media xmlns:p14="http://schemas.microsoft.com/office/powerpoint/2010/main" r:embed="rId1"/>
+              </p:ext>
+            </p:extLst>
+          </p:nvPr>
+        </p:nvPicPr>
+        <p:blipFill>
+          <a:blip r:embed="rId4"/>
+          <a:stretch>
+            <a:fillRect/>
+          </a:stretch>
+        </p:blipFill>
+        <p:spPr>
+          <a:xfrm>
+            <a:off x="11569700" y="6235700"/>
+            <a:ext cx="406400" cy="406400"/>
+          </a:xfrm>
+          <a:prstGeom prst="rect">
+            <a:avLst/>
+          </a:prstGeom>
+        </p:spPr>
+      </p:pic>
     </p:spTree>
     <p:extLst>
       <p:ext uri="{BB962C8B-B14F-4D97-AF65-F5344CB8AC3E}">
-        <p14:creationId xmlns:p14="http://schemas.microsoft.com/office/powerpoint/2010/main" val="2686286442"/>
+        <p14:creationId xmlns:p14="http://schemas.microsoft.com/office/powerpoint/2010/main" val="3623608928"/>
       </p:ext>
     </p:extLst>
   </p:cSld>
   <p:clrMapOvr>
     <a:masterClrMapping/>
   </p:clrMapOvr>
+  <mc:AlternateContent xmlns:mc="http://schemas.openxmlformats.org/markup-compatibility/2006">
+    <mc:Choice xmlns:p14="http://schemas.microsoft.com/office/powerpoint/2010/main" Requires="p14">
+      <p:transition spd="slow" p14:dur="2000" advTm="19511"/>
+    </mc:Choice>
+    <mc:Fallback>
+      <p:transition spd="slow" advTm="19511"/>
+    </mc:Fallback>
+  </mc:AlternateContent>
+  <p:timing>
+    <p:tnLst>
+      <p:par>
+        <p:cTn id="1" dur="indefinite" restart="never" nodeType="tmRoot">
+          <p:childTnLst>
+            <p:seq concurrent="1" nextAc="seek">
+              <p:cTn id="2" dur="indefinite" nodeType="mainSeq">
+                <p:childTnLst>
+                  <p:par>
+                    <p:cTn id="3" fill="hold">
+                      <p:stCondLst>
+                        <p:cond delay="indefinite"/>
+                        <p:cond evt="onBegin" delay="0">
+                          <p:tn val="2"/>
+                        </p:cond>
+                      </p:stCondLst>
+                      <p:childTnLst>
+                        <p:par>
+                          <p:cTn id="4" fill="hold">
+                            <p:stCondLst>
+                              <p:cond delay="0"/>
+                            </p:stCondLst>
+                            <p:childTnLst>
+                              <p:par>
+                                <p:cTn id="5" presetID="1" presetClass="mediacall" presetSubtype="0" fill="hold" nodeType="afterEffect">
+                                  <p:stCondLst>
+                                    <p:cond delay="0"/>
+                                  </p:stCondLst>
+                                  <p:childTnLst>
+                                    <p:cmd type="call" cmd="playFrom(0.0)">
+                                      <p:cBhvr>
+                                        <p:cTn id="6" dur="1" fill="hold"/>
+                                        <p:tgtEl>
+                                          <p:spTgt spid="4"/>
+                                        </p:tgtEl>
+                                      </p:cBhvr>
+                                    </p:cmd>
+                                  </p:childTnLst>
+                                </p:cTn>
+                              </p:par>
+                            </p:childTnLst>
+                          </p:cTn>
+                        </p:par>
+                      </p:childTnLst>
+                    </p:cTn>
+                  </p:par>
+                </p:childTnLst>
+              </p:cTn>
+              <p:prevCondLst>
+                <p:cond evt="onPrev" delay="0">
+                  <p:tgtEl>
+                    <p:sldTgt/>
+                  </p:tgtEl>
+                </p:cond>
+              </p:prevCondLst>
+              <p:nextCondLst>
+                <p:cond evt="onNext" delay="0">
+                  <p:tgtEl>
+                    <p:sldTgt/>
+                  </p:tgtEl>
+                </p:cond>
+              </p:nextCondLst>
+            </p:seq>
+            <p:audio isNarration="1">
+              <p:cMediaNode vol="80000" showWhenStopped="0">
+                <p:cTn id="7" fill="hold" display="0">
+                  <p:stCondLst>
+                    <p:cond delay="indefinite"/>
+                  </p:stCondLst>
+                  <p:endCondLst>
+                    <p:cond evt="onStopAudio" delay="0">
+                      <p:tgtEl>
+                        <p:sldTgt/>
+                      </p:tgtEl>
+                    </p:cond>
+                  </p:endCondLst>
+                </p:cTn>
+                <p:tgtEl>
+                  <p:spTgt spid="4"/>
+                </p:tgtEl>
+              </p:cMediaNode>
+            </p:audio>
+          </p:childTnLst>
+        </p:cTn>
+      </p:par>
+    </p:tnLst>
+  </p:timing>
 </p:sld>
 </file>
 
@@ -6902,34 +6196,34 @@
           <a:p>
             <a:pPr algn="ctr"/>
             <a:r>
-              <a:rPr dirty="0"/>
+              <a:rPr sz="4000" dirty="0"/>
               <a:t>Pattern</a:t>
             </a:r>
             <a:r>
-              <a:rPr lang="ja-JP" altLang="en-US" dirty="0"/>
+              <a:rPr lang="ja-JP" altLang="en-US" sz="4000" dirty="0"/>
               <a:t> </a:t>
             </a:r>
             <a:r>
-              <a:rPr dirty="0"/>
+              <a:rPr sz="4000" dirty="0"/>
               <a:t>Energy</a:t>
             </a:r>
             <a:r>
-              <a:rPr lang="ja-JP" altLang="en-US" dirty="0"/>
+              <a:rPr lang="ja-JP" altLang="en-US" sz="4000" dirty="0"/>
               <a:t> </a:t>
             </a:r>
             <a:r>
-              <a:rPr dirty="0"/>
+              <a:rPr sz="4000" dirty="0"/>
               <a:t>Group</a:t>
             </a:r>
             <a:r>
-              <a:rPr lang="ja-JP" altLang="en-US" dirty="0"/>
+              <a:rPr lang="ja-JP" altLang="en-US" sz="4000" dirty="0"/>
               <a:t> </a:t>
             </a:r>
             <a:r>
-              <a:rPr dirty="0"/>
+              <a:rPr sz="4000" dirty="0"/>
               <a:t>Inc</a:t>
             </a:r>
-            <a:endParaRPr kumimoji="1" lang="ja-JP" altLang="en-US" sz="7200" b="1" dirty="0"/>
+            <a:endParaRPr kumimoji="1" lang="ja-JP" altLang="en-US" sz="16600" b="1" dirty="0"/>
           </a:p>
         </p:txBody>
       </p:sp>
@@ -6938,7 +6232,7 @@
           <p:cNvPr id="3" name="表 2">
             <a:extLst>
               <a:ext uri="{FF2B5EF4-FFF2-40B4-BE49-F238E27FC236}">
-                <a16:creationId xmlns:a16="http://schemas.microsoft.com/office/drawing/2014/main" id="{A9EF6104-7469-4209-94DD-0E45F8C1FE82}"/>
+                <a16:creationId xmlns:a16="http://schemas.microsoft.com/office/drawing/2014/main" id="{2DA63077-9A9D-4333-904B-C77BDFF9E900}"/>
               </a:ext>
             </a:extLst>
           </p:cNvPr>
@@ -6948,36 +6242,36 @@
           <p:nvPr>
             <p:extLst>
               <p:ext uri="{D42A27DB-BD31-4B8C-83A1-F6EECF244321}">
-                <p14:modId xmlns:p14="http://schemas.microsoft.com/office/powerpoint/2010/main" val="1322664727"/>
+                <p14:modId xmlns:p14="http://schemas.microsoft.com/office/powerpoint/2010/main" val="1353110109"/>
               </p:ext>
             </p:extLst>
           </p:nvPr>
         </p:nvGraphicFramePr>
         <p:xfrm>
-          <a:off x="544286" y="1660490"/>
-          <a:ext cx="11190514" cy="4363645"/>
+          <a:off x="435243" y="1615440"/>
+          <a:ext cx="11312472" cy="4769863"/>
         </p:xfrm>
         <a:graphic>
           <a:graphicData uri="http://schemas.openxmlformats.org/drawingml/2006/table">
             <a:tbl>
               <a:tblPr/>
               <a:tblGrid>
-                <a:gridCol w="5595257">
+                <a:gridCol w="5656236">
                   <a:extLst>
                     <a:ext uri="{9D8B030D-6E8A-4147-A177-3AD203B41FA5}">
-                      <a16:colId xmlns:a16="http://schemas.microsoft.com/office/drawing/2014/main" val="1872656253"/>
+                      <a16:colId xmlns:a16="http://schemas.microsoft.com/office/drawing/2014/main" val="4135310098"/>
                     </a:ext>
                   </a:extLst>
                 </a:gridCol>
-                <a:gridCol w="5595257">
+                <a:gridCol w="5656236">
                   <a:extLst>
                     <a:ext uri="{9D8B030D-6E8A-4147-A177-3AD203B41FA5}">
-                      <a16:colId xmlns:a16="http://schemas.microsoft.com/office/drawing/2014/main" val="1775930177"/>
+                      <a16:colId xmlns:a16="http://schemas.microsoft.com/office/drawing/2014/main" val="199638399"/>
                     </a:ext>
                   </a:extLst>
                 </a:gridCol>
               </a:tblGrid>
-              <a:tr h="690689">
+              <a:tr h="681409">
                 <a:tc>
                   <a:txBody>
                     <a:bodyPr/>
@@ -6988,23 +6282,11 @@
                         <a:rPr lang="en-US" sz="2800" dirty="0">
                           <a:effectLst/>
                         </a:rPr>
-                        <a:t>Total Cash (</a:t>
-                      </a:r>
-                      <a:r>
-                        <a:rPr lang="en-US" sz="2800" dirty="0" err="1">
-                          <a:effectLst/>
-                        </a:rPr>
-                        <a:t>mrq</a:t>
-                      </a:r>
-                      <a:r>
-                        <a:rPr lang="en-US" sz="2800" dirty="0">
-                          <a:effectLst/>
-                        </a:rPr>
-                        <a:t>)</a:t>
+                        <a:t>Beta (3Y Monthly)</a:t>
                       </a:r>
                     </a:p>
                   </a:txBody>
-                  <a:tcPr marL="69069" marR="47964" marT="34534" marB="34534" anchor="ctr">
+                  <a:tcPr marR="63500" anchor="ctr">
                     <a:lnL>
                       <a:noFill/>
                     </a:lnL>
@@ -7040,11 +6322,12 @@
                     <a:lstStyle/>
                     <a:p>
                       <a:r>
-                        <a:t>106M</a:t>
+                        <a:rPr sz="2800"/>
+                        <a:t>1.03</a:t>
                       </a:r>
                     </a:p>
                   </a:txBody>
-                  <a:tcPr marL="47964" marR="69069" marT="34534" marB="34534" anchor="ctr">
+                  <a:tcPr marL="63500" anchor="ctr">
                     <a:lnL>
                       <a:noFill/>
                     </a:lnL>
@@ -7076,11 +6359,11 @@
                 </a:tc>
                 <a:extLst>
                   <a:ext uri="{0D108BD9-81ED-4DB2-BD59-A6C34878D82A}">
-                    <a16:rowId xmlns:a16="http://schemas.microsoft.com/office/drawing/2014/main" val="2866622775"/>
+                    <a16:rowId xmlns:a16="http://schemas.microsoft.com/office/drawing/2014/main" val="324425188"/>
                   </a:ext>
                 </a:extLst>
               </a:tr>
-              <a:tr h="897895">
+              <a:tr h="681409">
                 <a:tc>
                   <a:txBody>
                     <a:bodyPr/>
@@ -7091,23 +6374,11 @@
                         <a:rPr lang="en-US" sz="2800" dirty="0">
                           <a:effectLst/>
                         </a:rPr>
-                        <a:t>Total Cash Per Share (</a:t>
-                      </a:r>
-                      <a:r>
-                        <a:rPr lang="en-US" sz="2800" dirty="0" err="1">
-                          <a:effectLst/>
-                        </a:rPr>
-                        <a:t>mrq</a:t>
-                      </a:r>
-                      <a:r>
-                        <a:rPr lang="en-US" sz="2800" dirty="0">
-                          <a:effectLst/>
-                        </a:rPr>
-                        <a:t>)</a:t>
+                        <a:t>52-Week Change</a:t>
                       </a:r>
                     </a:p>
                   </a:txBody>
-                  <a:tcPr marL="69069" marR="47964" marT="34534" marB="34534" anchor="ctr">
+                  <a:tcPr marR="63500" anchor="ctr">
                     <a:lnL>
                       <a:noFill/>
                     </a:lnL>
@@ -7143,11 +6414,12 @@
                     <a:lstStyle/>
                     <a:p>
                       <a:r>
-                        <a:t>1.08</a:t>
+                        <a:rPr sz="2800"/>
+                        <a:t>29.47%</a:t>
                       </a:r>
                     </a:p>
                   </a:txBody>
-                  <a:tcPr marL="47964" marR="69069" marT="34534" marB="34534" anchor="ctr">
+                  <a:tcPr marL="63500" anchor="ctr">
                     <a:lnL>
                       <a:noFill/>
                     </a:lnL>
@@ -7179,11 +6451,11 @@
                 </a:tc>
                 <a:extLst>
                   <a:ext uri="{0D108BD9-81ED-4DB2-BD59-A6C34878D82A}">
-                    <a16:rowId xmlns:a16="http://schemas.microsoft.com/office/drawing/2014/main" val="959935522"/>
+                    <a16:rowId xmlns:a16="http://schemas.microsoft.com/office/drawing/2014/main" val="1953943074"/>
                   </a:ext>
                 </a:extLst>
               </a:tr>
-              <a:tr h="483482">
+              <a:tr h="681409">
                 <a:tc>
                   <a:txBody>
                     <a:bodyPr/>
@@ -7194,23 +6466,11 @@
                         <a:rPr lang="en-US" sz="2800" dirty="0">
                           <a:effectLst/>
                         </a:rPr>
-                        <a:t>Total Debt (</a:t>
-                      </a:r>
-                      <a:r>
-                        <a:rPr lang="en-US" sz="2800" dirty="0" err="1">
-                          <a:effectLst/>
-                        </a:rPr>
-                        <a:t>mrq</a:t>
-                      </a:r>
-                      <a:r>
-                        <a:rPr lang="en-US" sz="2800" dirty="0">
-                          <a:effectLst/>
-                        </a:rPr>
-                        <a:t>)</a:t>
+                        <a:t>S&amp;P500 52-Week Change</a:t>
                       </a:r>
                     </a:p>
                   </a:txBody>
-                  <a:tcPr marL="69069" marR="47964" marT="34534" marB="34534" anchor="ctr">
+                  <a:tcPr marR="63500" anchor="ctr">
                     <a:lnL>
                       <a:noFill/>
                     </a:lnL>
@@ -7246,11 +6506,12 @@
                     <a:lstStyle/>
                     <a:p>
                       <a:r>
-                        <a:t>2.73B</a:t>
+                        <a:rPr sz="2800"/>
+                        <a:t>15.46%</a:t>
                       </a:r>
                     </a:p>
                   </a:txBody>
-                  <a:tcPr marL="47964" marR="69069" marT="34534" marB="34534" anchor="ctr">
+                  <a:tcPr marL="63500" anchor="ctr">
                     <a:lnL>
                       <a:noFill/>
                     </a:lnL>
@@ -7282,11 +6543,11 @@
                 </a:tc>
                 <a:extLst>
                   <a:ext uri="{0D108BD9-81ED-4DB2-BD59-A6C34878D82A}">
-                    <a16:rowId xmlns:a16="http://schemas.microsoft.com/office/drawing/2014/main" val="4010006433"/>
+                    <a16:rowId xmlns:a16="http://schemas.microsoft.com/office/drawing/2014/main" val="3259018289"/>
                   </a:ext>
                 </a:extLst>
               </a:tr>
-              <a:tr h="690689">
+              <a:tr h="681409">
                 <a:tc>
                   <a:txBody>
                     <a:bodyPr/>
@@ -7297,23 +6558,11 @@
                         <a:rPr lang="en-US" sz="2800" dirty="0">
                           <a:effectLst/>
                         </a:rPr>
-                        <a:t>Total Debt/Equity (</a:t>
-                      </a:r>
-                      <a:r>
-                        <a:rPr lang="en-US" sz="2800" dirty="0" err="1">
-                          <a:effectLst/>
-                        </a:rPr>
-                        <a:t>mrq</a:t>
-                      </a:r>
-                      <a:r>
-                        <a:rPr lang="en-US" sz="2800" dirty="0">
-                          <a:effectLst/>
-                        </a:rPr>
-                        <a:t>)</a:t>
+                        <a:t>52 Week High</a:t>
                       </a:r>
                     </a:p>
                   </a:txBody>
-                  <a:tcPr marL="69069" marR="47964" marT="34534" marB="34534" anchor="ctr">
+                  <a:tcPr marR="63500" anchor="ctr">
                     <a:lnL>
                       <a:noFill/>
                     </a:lnL>
@@ -7349,11 +6598,12 @@
                     <a:lstStyle/>
                     <a:p>
                       <a:r>
-                        <a:t>149.26</a:t>
+                        <a:rPr sz="2800" dirty="0"/>
+                        <a:t>28.50</a:t>
                       </a:r>
                     </a:p>
                   </a:txBody>
-                  <a:tcPr marL="47964" marR="69069" marT="34534" marB="34534" anchor="ctr">
+                  <a:tcPr marL="63500" anchor="ctr">
                     <a:lnL>
                       <a:noFill/>
                     </a:lnL>
@@ -7385,11 +6635,11 @@
                 </a:tc>
                 <a:extLst>
                   <a:ext uri="{0D108BD9-81ED-4DB2-BD59-A6C34878D82A}">
-                    <a16:rowId xmlns:a16="http://schemas.microsoft.com/office/drawing/2014/main" val="4128286432"/>
+                    <a16:rowId xmlns:a16="http://schemas.microsoft.com/office/drawing/2014/main" val="3753040745"/>
                   </a:ext>
                 </a:extLst>
               </a:tr>
-              <a:tr h="690689">
+              <a:tr h="681409">
                 <a:tc>
                   <a:txBody>
                     <a:bodyPr/>
@@ -7400,23 +6650,11 @@
                         <a:rPr lang="en-US" sz="2800" dirty="0">
                           <a:effectLst/>
                         </a:rPr>
-                        <a:t>Current Ratio (</a:t>
-                      </a:r>
-                      <a:r>
-                        <a:rPr lang="en-US" sz="2800" dirty="0" err="1">
-                          <a:effectLst/>
-                        </a:rPr>
-                        <a:t>mrq</a:t>
-                      </a:r>
-                      <a:r>
-                        <a:rPr lang="en-US" sz="2800" dirty="0">
-                          <a:effectLst/>
-                        </a:rPr>
-                        <a:t>)</a:t>
+                        <a:t>52 Week Low</a:t>
                       </a:r>
                     </a:p>
                   </a:txBody>
-                  <a:tcPr marL="69069" marR="47964" marT="34534" marB="34534" anchor="ctr">
+                  <a:tcPr marR="63500" anchor="ctr">
                     <a:lnL>
                       <a:noFill/>
                     </a:lnL>
@@ -7452,11 +6690,12 @@
                     <a:lstStyle/>
                     <a:p>
                       <a:r>
-                        <a:t>0.34</a:t>
+                        <a:rPr sz="2800" dirty="0"/>
+                        <a:t>17.52</a:t>
                       </a:r>
                     </a:p>
                   </a:txBody>
-                  <a:tcPr marL="47964" marR="69069" marT="34534" marB="34534" anchor="ctr">
+                  <a:tcPr marL="63500" anchor="ctr">
                     <a:lnL>
                       <a:noFill/>
                     </a:lnL>
@@ -7488,11 +6727,11 @@
                 </a:tc>
                 <a:extLst>
                   <a:ext uri="{0D108BD9-81ED-4DB2-BD59-A6C34878D82A}">
-                    <a16:rowId xmlns:a16="http://schemas.microsoft.com/office/drawing/2014/main" val="111486091"/>
+                    <a16:rowId xmlns:a16="http://schemas.microsoft.com/office/drawing/2014/main" val="2534385162"/>
                   </a:ext>
                 </a:extLst>
               </a:tr>
-              <a:tr h="897895">
+              <a:tr h="681409">
                 <a:tc>
                   <a:txBody>
                     <a:bodyPr/>
@@ -7503,23 +6742,11 @@
                         <a:rPr lang="en-US" sz="2800" dirty="0">
                           <a:effectLst/>
                         </a:rPr>
-                        <a:t>Book Value Per Share (</a:t>
-                      </a:r>
-                      <a:r>
-                        <a:rPr lang="en-US" sz="2800" dirty="0" err="1">
-                          <a:effectLst/>
-                        </a:rPr>
-                        <a:t>mrq</a:t>
-                      </a:r>
-                      <a:r>
-                        <a:rPr lang="en-US" sz="2800" dirty="0">
-                          <a:effectLst/>
-                        </a:rPr>
-                        <a:t>)</a:t>
+                        <a:t>50-Day Moving Average</a:t>
                       </a:r>
                     </a:p>
                   </a:txBody>
-                  <a:tcPr marL="69069" marR="47964" marT="34534" marB="34534" anchor="ctr">
+                  <a:tcPr marR="63500" anchor="ctr">
                     <a:lnL>
                       <a:noFill/>
                     </a:lnL>
@@ -7555,11 +6782,12 @@
                     <a:lstStyle/>
                     <a:p>
                       <a:r>
-                        <a:t>8.03</a:t>
+                        <a:rPr sz="2800" dirty="0"/>
+                        <a:t>27.35</a:t>
                       </a:r>
                     </a:p>
                   </a:txBody>
-                  <a:tcPr marL="47964" marR="69069" marT="34534" marB="34534" anchor="ctr">
+                  <a:tcPr marL="63500" anchor="ctr">
                     <a:lnL>
                       <a:noFill/>
                     </a:lnL>
@@ -7591,7 +6819,99 @@
                 </a:tc>
                 <a:extLst>
                   <a:ext uri="{0D108BD9-81ED-4DB2-BD59-A6C34878D82A}">
-                    <a16:rowId xmlns:a16="http://schemas.microsoft.com/office/drawing/2014/main" val="2309642758"/>
+                    <a16:rowId xmlns:a16="http://schemas.microsoft.com/office/drawing/2014/main" val="1883788569"/>
+                  </a:ext>
+                </a:extLst>
+              </a:tr>
+              <a:tr h="681409">
+                <a:tc>
+                  <a:txBody>
+                    <a:bodyPr/>
+                    <a:lstStyle/>
+                    <a:p>
+                      <a:pPr algn="l"/>
+                      <a:r>
+                        <a:rPr lang="en-US" sz="2800" dirty="0">
+                          <a:effectLst/>
+                        </a:rPr>
+                        <a:t>200-Day Moving Average</a:t>
+                      </a:r>
+                    </a:p>
+                  </a:txBody>
+                  <a:tcPr marR="63500" anchor="ctr">
+                    <a:lnL>
+                      <a:noFill/>
+                    </a:lnL>
+                    <a:lnR>
+                      <a:noFill/>
+                    </a:lnR>
+                    <a:lnT w="6350" cap="flat" cmpd="sng" algn="ctr">
+                      <a:solidFill>
+                        <a:srgbClr val="E0E4E9"/>
+                      </a:solidFill>
+                      <a:prstDash val="solid"/>
+                      <a:round/>
+                      <a:headEnd type="none" w="med" len="med"/>
+                      <a:tailEnd type="none" w="med" len="med"/>
+                    </a:lnT>
+                    <a:lnB w="6350" cap="flat" cmpd="sng" algn="ctr">
+                      <a:solidFill>
+                        <a:srgbClr val="E0E4E9"/>
+                      </a:solidFill>
+                      <a:prstDash val="solid"/>
+                      <a:round/>
+                      <a:headEnd type="none" w="med" len="med"/>
+                      <a:tailEnd type="none" w="med" len="med"/>
+                    </a:lnB>
+                    <a:solidFill>
+                      <a:srgbClr val="FFFFFF"/>
+                    </a:solidFill>
+                  </a:tcPr>
+                </a:tc>
+                <a:tc>
+                  <a:txBody>
+                    <a:bodyPr/>
+                    <a:lstStyle/>
+                    <a:p>
+                      <a:r>
+                        <a:rPr sz="2800" dirty="0"/>
+                        <a:t>25.26</a:t>
+                      </a:r>
+                    </a:p>
+                  </a:txBody>
+                  <a:tcPr marL="63500" anchor="ctr">
+                    <a:lnL>
+                      <a:noFill/>
+                    </a:lnL>
+                    <a:lnR>
+                      <a:noFill/>
+                    </a:lnR>
+                    <a:lnT w="6350" cap="flat" cmpd="sng" algn="ctr">
+                      <a:solidFill>
+                        <a:srgbClr val="E0E4E9"/>
+                      </a:solidFill>
+                      <a:prstDash val="solid"/>
+                      <a:round/>
+                      <a:headEnd type="none" w="med" len="med"/>
+                      <a:tailEnd type="none" w="med" len="med"/>
+                    </a:lnT>
+                    <a:lnB w="6350" cap="flat" cmpd="sng" algn="ctr">
+                      <a:solidFill>
+                        <a:srgbClr val="E0E4E9"/>
+                      </a:solidFill>
+                      <a:prstDash val="solid"/>
+                      <a:round/>
+                      <a:headEnd type="none" w="med" len="med"/>
+                      <a:tailEnd type="none" w="med" len="med"/>
+                    </a:lnB>
+                    <a:solidFill>
+                      <a:srgbClr val="FFFFFF"/>
+                    </a:solidFill>
+                  </a:tcPr>
+                </a:tc>
+                <a:extLst>
+                  <a:ext uri="{0D108BD9-81ED-4DB2-BD59-A6C34878D82A}">
+                    <a16:rowId xmlns:a16="http://schemas.microsoft.com/office/drawing/2014/main" val="4043459353"/>
                   </a:ext>
                 </a:extLst>
               </a:tr>
@@ -7599,16 +6919,149 @@
           </a:graphicData>
         </a:graphic>
       </p:graphicFrame>
+      <p:pic>
+        <p:nvPicPr>
+          <p:cNvPr id="4" name="オーディオ 3">
+            <a:hlinkClick r:id="" action="ppaction://media"/>
+            <a:extLst>
+              <a:ext uri="{FF2B5EF4-FFF2-40B4-BE49-F238E27FC236}">
+                <a16:creationId xmlns:a16="http://schemas.microsoft.com/office/drawing/2014/main" id="{B7AC1061-9E79-4B0C-A3F2-87C5BB6E9B54}"/>
+              </a:ext>
+            </a:extLst>
+          </p:cNvPr>
+          <p:cNvPicPr>
+            <a:picLocks noChangeAspect="1"/>
+          </p:cNvPicPr>
+          <p:nvPr>
+            <a:audioFile r:link="rId2"/>
+            <p:extLst>
+              <p:ext uri="{DAA4B4D4-6D71-4841-9C94-3DE7FCFB9230}">
+                <p14:media xmlns:p14="http://schemas.microsoft.com/office/powerpoint/2010/main" r:embed="rId1"/>
+              </p:ext>
+            </p:extLst>
+          </p:nvPr>
+        </p:nvPicPr>
+        <p:blipFill>
+          <a:blip r:embed="rId4"/>
+          <a:stretch>
+            <a:fillRect/>
+          </a:stretch>
+        </p:blipFill>
+        <p:spPr>
+          <a:xfrm>
+            <a:off x="11569700" y="6235700"/>
+            <a:ext cx="406400" cy="406400"/>
+          </a:xfrm>
+          <a:prstGeom prst="rect">
+            <a:avLst/>
+          </a:prstGeom>
+        </p:spPr>
+      </p:pic>
     </p:spTree>
     <p:extLst>
       <p:ext uri="{BB962C8B-B14F-4D97-AF65-F5344CB8AC3E}">
-        <p14:creationId xmlns:p14="http://schemas.microsoft.com/office/powerpoint/2010/main" val="1310090755"/>
+        <p14:creationId xmlns:p14="http://schemas.microsoft.com/office/powerpoint/2010/main" val="3850834131"/>
       </p:ext>
     </p:extLst>
   </p:cSld>
   <p:clrMapOvr>
     <a:masterClrMapping/>
   </p:clrMapOvr>
+  <mc:AlternateContent xmlns:mc="http://schemas.openxmlformats.org/markup-compatibility/2006">
+    <mc:Choice xmlns:p14="http://schemas.microsoft.com/office/powerpoint/2010/main" Requires="p14">
+      <p:transition spd="slow" p14:dur="2000" advTm="27771"/>
+    </mc:Choice>
+    <mc:Fallback>
+      <p:transition spd="slow" advTm="27771"/>
+    </mc:Fallback>
+  </mc:AlternateContent>
+  <p:timing>
+    <p:tnLst>
+      <p:par>
+        <p:cTn id="1" dur="indefinite" restart="never" nodeType="tmRoot">
+          <p:childTnLst>
+            <p:seq concurrent="1" nextAc="seek">
+              <p:cTn id="2" dur="indefinite" nodeType="mainSeq">
+                <p:childTnLst>
+                  <p:par>
+                    <p:cTn id="3" fill="hold">
+                      <p:stCondLst>
+                        <p:cond delay="indefinite"/>
+                        <p:cond evt="onBegin" delay="0">
+                          <p:tn val="2"/>
+                        </p:cond>
+                      </p:stCondLst>
+                      <p:childTnLst>
+                        <p:par>
+                          <p:cTn id="4" fill="hold">
+                            <p:stCondLst>
+                              <p:cond delay="0"/>
+                            </p:stCondLst>
+                            <p:childTnLst>
+                              <p:par>
+                                <p:cTn id="5" presetID="1" presetClass="mediacall" presetSubtype="0" fill="hold" nodeType="afterEffect">
+                                  <p:stCondLst>
+                                    <p:cond delay="0"/>
+                                  </p:stCondLst>
+                                  <p:childTnLst>
+                                    <p:cmd type="call" cmd="playFrom(0.0)">
+                                      <p:cBhvr>
+                                        <p:cTn id="6" dur="1" fill="hold"/>
+                                        <p:tgtEl>
+                                          <p:spTgt spid="4"/>
+                                        </p:tgtEl>
+                                      </p:cBhvr>
+                                    </p:cmd>
+                                  </p:childTnLst>
+                                </p:cTn>
+                              </p:par>
+                            </p:childTnLst>
+                          </p:cTn>
+                        </p:par>
+                      </p:childTnLst>
+                    </p:cTn>
+                  </p:par>
+                </p:childTnLst>
+              </p:cTn>
+              <p:prevCondLst>
+                <p:cond evt="onPrev" delay="0">
+                  <p:tgtEl>
+                    <p:sldTgt/>
+                  </p:tgtEl>
+                </p:cond>
+              </p:prevCondLst>
+              <p:nextCondLst>
+                <p:cond evt="onNext" delay="0">
+                  <p:tgtEl>
+                    <p:sldTgt/>
+                  </p:tgtEl>
+                </p:cond>
+              </p:nextCondLst>
+            </p:seq>
+            <p:audio isNarration="1">
+              <p:cMediaNode vol="80000" showWhenStopped="0">
+                <p:cTn id="7" fill="hold" display="0">
+                  <p:stCondLst>
+                    <p:cond delay="indefinite"/>
+                  </p:stCondLst>
+                  <p:endCondLst>
+                    <p:cond evt="onStopAudio" delay="0">
+                      <p:tgtEl>
+                        <p:sldTgt/>
+                      </p:tgtEl>
+                    </p:cond>
+                  </p:endCondLst>
+                </p:cTn>
+                <p:tgtEl>
+                  <p:spTgt spid="4"/>
+                </p:tgtEl>
+              </p:cMediaNode>
+            </p:audio>
+          </p:childTnLst>
+        </p:cTn>
+      </p:par>
+    </p:tnLst>
+  </p:timing>
 </p:sld>
 </file>
 
@@ -7684,34 +7137,34 @@
           <a:p>
             <a:pPr algn="ctr"/>
             <a:r>
-              <a:rPr dirty="0"/>
+              <a:rPr sz="3600" dirty="0"/>
               <a:t>Pattern</a:t>
             </a:r>
             <a:r>
-              <a:rPr lang="ja-JP" altLang="en-US" dirty="0"/>
+              <a:rPr lang="ja-JP" altLang="en-US" sz="3600" dirty="0"/>
               <a:t> </a:t>
             </a:r>
             <a:r>
-              <a:rPr dirty="0"/>
+              <a:rPr sz="3600" dirty="0"/>
               <a:t>Energy</a:t>
             </a:r>
             <a:r>
-              <a:rPr lang="ja-JP" altLang="en-US" dirty="0"/>
+              <a:rPr lang="ja-JP" altLang="en-US" sz="3600" dirty="0"/>
               <a:t> </a:t>
             </a:r>
             <a:r>
-              <a:rPr dirty="0"/>
+              <a:rPr sz="3600" dirty="0"/>
               <a:t>Group</a:t>
             </a:r>
             <a:r>
-              <a:rPr lang="ja-JP" altLang="en-US" dirty="0"/>
+              <a:rPr lang="ja-JP" altLang="en-US" sz="3600" dirty="0"/>
               <a:t> </a:t>
             </a:r>
             <a:r>
-              <a:rPr dirty="0"/>
+              <a:rPr sz="3600" dirty="0"/>
               <a:t>Inc</a:t>
             </a:r>
-            <a:endParaRPr kumimoji="1" lang="ja-JP" altLang="en-US" sz="7200" b="1" dirty="0"/>
+            <a:endParaRPr kumimoji="1" lang="ja-JP" altLang="en-US" sz="13800" b="1" dirty="0"/>
           </a:p>
         </p:txBody>
       </p:sp>
@@ -7720,7 +7173,7 @@
           <p:cNvPr id="3" name="表 2">
             <a:extLst>
               <a:ext uri="{FF2B5EF4-FFF2-40B4-BE49-F238E27FC236}">
-                <a16:creationId xmlns:a16="http://schemas.microsoft.com/office/drawing/2014/main" id="{6083D6A8-9EAC-4051-928A-D10D3FD4AC5E}"/>
+                <a16:creationId xmlns:a16="http://schemas.microsoft.com/office/drawing/2014/main" id="{3B624B26-FB64-46DF-AC7C-8E8919698F7F}"/>
               </a:ext>
             </a:extLst>
           </p:cNvPr>
@@ -7730,50 +7183,63 @@
           <p:nvPr>
             <p:extLst>
               <p:ext uri="{D42A27DB-BD31-4B8C-83A1-F6EECF244321}">
-                <p14:modId xmlns:p14="http://schemas.microsoft.com/office/powerpoint/2010/main" val="1062662647"/>
+                <p14:modId xmlns:p14="http://schemas.microsoft.com/office/powerpoint/2010/main" val="1385187347"/>
               </p:ext>
             </p:extLst>
           </p:nvPr>
         </p:nvGraphicFramePr>
         <p:xfrm>
-          <a:off x="304800" y="1748326"/>
-          <a:ext cx="11582400" cy="4618083"/>
+          <a:off x="517256" y="1778837"/>
+          <a:ext cx="11157488" cy="4145280"/>
         </p:xfrm>
         <a:graphic>
           <a:graphicData uri="http://schemas.openxmlformats.org/drawingml/2006/table">
             <a:tbl>
               <a:tblPr/>
               <a:tblGrid>
-                <a:gridCol w="5804007">
+                <a:gridCol w="5578744">
                   <a:extLst>
                     <a:ext uri="{9D8B030D-6E8A-4147-A177-3AD203B41FA5}">
-                      <a16:colId xmlns:a16="http://schemas.microsoft.com/office/drawing/2014/main" val="507755341"/>
+                      <a16:colId xmlns:a16="http://schemas.microsoft.com/office/drawing/2014/main" val="821910941"/>
                     </a:ext>
                   </a:extLst>
                 </a:gridCol>
-                <a:gridCol w="5778393">
+                <a:gridCol w="5578744">
                   <a:extLst>
                     <a:ext uri="{9D8B030D-6E8A-4147-A177-3AD203B41FA5}">
-                      <a16:colId xmlns:a16="http://schemas.microsoft.com/office/drawing/2014/main" val="250063547"/>
+                      <a16:colId xmlns:a16="http://schemas.microsoft.com/office/drawing/2014/main" val="2654915177"/>
                     </a:ext>
                   </a:extLst>
                 </a:gridCol>
               </a:tblGrid>
-              <a:tr h="635589">
+              <a:tr h="228600">
                 <a:tc>
                   <a:txBody>
                     <a:bodyPr/>
                     <a:lstStyle/>
                     <a:p>
+                      <a:pPr algn="ctr"/>
                       <a:r>
                         <a:rPr lang="en-US" sz="2800" dirty="0">
                           <a:effectLst/>
                         </a:rPr>
-                        <a:t>Forward Annual Dividend Rate</a:t>
+                        <a:t>Revenue (</a:t>
+                      </a:r>
+                      <a:r>
+                        <a:rPr lang="en-US" sz="2800" dirty="0" err="1">
+                          <a:effectLst/>
+                        </a:rPr>
+                        <a:t>ttm</a:t>
+                      </a:r>
+                      <a:r>
+                        <a:rPr lang="en-US" sz="2800" dirty="0">
+                          <a:effectLst/>
+                        </a:rPr>
+                        <a:t>)</a:t>
                       </a:r>
                     </a:p>
                   </a:txBody>
-                  <a:tcPr marL="48891" marR="33952" marT="24446" marB="24446" anchor="ctr">
+                  <a:tcPr marR="63500" anchor="ctr">
                     <a:lnL>
                       <a:noFill/>
                     </a:lnL>
@@ -7808,12 +7274,14 @@
                     <a:bodyPr/>
                     <a:lstStyle/>
                     <a:p>
-                      <a:r>
-                        <a:t>1.69</a:t>
+                      <a:pPr algn="ctr"/>
+                      <a:r>
+                        <a:rPr sz="2800"/>
+                        <a:t>497M</a:t>
                       </a:r>
                     </a:p>
                   </a:txBody>
-                  <a:tcPr marL="33952" marR="48891" marT="24446" marB="24446" anchor="ctr">
+                  <a:tcPr marL="63500" anchor="ctr">
                     <a:lnL>
                       <a:noFill/>
                     </a:lnL>
@@ -7845,25 +7313,38 @@
                 </a:tc>
                 <a:extLst>
                   <a:ext uri="{0D108BD9-81ED-4DB2-BD59-A6C34878D82A}">
-                    <a16:rowId xmlns:a16="http://schemas.microsoft.com/office/drawing/2014/main" val="3956935484"/>
+                    <a16:rowId xmlns:a16="http://schemas.microsoft.com/office/drawing/2014/main" val="2617340337"/>
                   </a:ext>
                 </a:extLst>
               </a:tr>
-              <a:tr h="635589">
+              <a:tr h="228600">
                 <a:tc>
                   <a:txBody>
                     <a:bodyPr/>
                     <a:lstStyle/>
                     <a:p>
+                      <a:pPr algn="ctr"/>
                       <a:r>
                         <a:rPr lang="en-US" sz="2800" dirty="0">
                           <a:effectLst/>
                         </a:rPr>
-                        <a:t>Forward Annual Dividend Yield</a:t>
+                        <a:t>Revenue Per Share (</a:t>
+                      </a:r>
+                      <a:r>
+                        <a:rPr lang="en-US" sz="2800" dirty="0" err="1">
+                          <a:effectLst/>
+                        </a:rPr>
+                        <a:t>ttm</a:t>
+                      </a:r>
+                      <a:r>
+                        <a:rPr lang="en-US" sz="2800" dirty="0">
+                          <a:effectLst/>
+                        </a:rPr>
+                        <a:t>)</a:t>
                       </a:r>
                     </a:p>
                   </a:txBody>
-                  <a:tcPr marL="48891" marR="33952" marT="24446" marB="24446" anchor="ctr">
+                  <a:tcPr marR="63500" anchor="ctr">
                     <a:lnL>
                       <a:noFill/>
                     </a:lnL>
@@ -7898,12 +7379,14 @@
                     <a:bodyPr/>
                     <a:lstStyle/>
                     <a:p>
-                      <a:r>
-                        <a:t>6.16%</a:t>
+                      <a:pPr algn="ctr"/>
+                      <a:r>
+                        <a:rPr sz="2800"/>
+                        <a:t>5.09</a:t>
                       </a:r>
                     </a:p>
                   </a:txBody>
-                  <a:tcPr marL="33952" marR="48891" marT="24446" marB="24446" anchor="ctr">
+                  <a:tcPr marL="63500" anchor="ctr">
                     <a:lnL>
                       <a:noFill/>
                     </a:lnL>
@@ -7935,25 +7418,38 @@
                 </a:tc>
                 <a:extLst>
                   <a:ext uri="{0D108BD9-81ED-4DB2-BD59-A6C34878D82A}">
-                    <a16:rowId xmlns:a16="http://schemas.microsoft.com/office/drawing/2014/main" val="1449616386"/>
+                    <a16:rowId xmlns:a16="http://schemas.microsoft.com/office/drawing/2014/main" val="43824069"/>
                   </a:ext>
                 </a:extLst>
               </a:tr>
-              <a:tr h="635589">
+              <a:tr h="228600">
                 <a:tc>
                   <a:txBody>
                     <a:bodyPr/>
                     <a:lstStyle/>
                     <a:p>
+                      <a:pPr algn="ctr"/>
                       <a:r>
                         <a:rPr lang="en-US" sz="2800" dirty="0">
                           <a:effectLst/>
                         </a:rPr>
-                        <a:t>Trailing Annual Dividend Rate</a:t>
+                        <a:t>Quarterly Revenue Growth (</a:t>
+                      </a:r>
+                      <a:r>
+                        <a:rPr lang="en-US" sz="2800" dirty="0" err="1">
+                          <a:effectLst/>
+                        </a:rPr>
+                        <a:t>yoy</a:t>
+                      </a:r>
+                      <a:r>
+                        <a:rPr lang="en-US" sz="2800" dirty="0">
+                          <a:effectLst/>
+                        </a:rPr>
+                        <a:t>)</a:t>
                       </a:r>
                     </a:p>
                   </a:txBody>
-                  <a:tcPr marL="48891" marR="33952" marT="24446" marB="24446" anchor="ctr">
+                  <a:tcPr marR="63500" anchor="ctr">
                     <a:lnL>
                       <a:noFill/>
                     </a:lnL>
@@ -7988,12 +7484,14 @@
                     <a:bodyPr/>
                     <a:lstStyle/>
                     <a:p>
-                      <a:r>
-                        <a:t>1.69</a:t>
+                      <a:pPr algn="ctr"/>
+                      <a:r>
+                        <a:rPr sz="2800"/>
+                        <a:t>0.80%</a:t>
                       </a:r>
                     </a:p>
                   </a:txBody>
-                  <a:tcPr marL="33952" marR="48891" marT="24446" marB="24446" anchor="ctr">
+                  <a:tcPr marL="63500" anchor="ctr">
                     <a:lnL>
                       <a:noFill/>
                     </a:lnL>
@@ -8025,25 +7523,38 @@
                 </a:tc>
                 <a:extLst>
                   <a:ext uri="{0D108BD9-81ED-4DB2-BD59-A6C34878D82A}">
-                    <a16:rowId xmlns:a16="http://schemas.microsoft.com/office/drawing/2014/main" val="3880463635"/>
+                    <a16:rowId xmlns:a16="http://schemas.microsoft.com/office/drawing/2014/main" val="1418318506"/>
                   </a:ext>
                 </a:extLst>
               </a:tr>
-              <a:tr h="635589">
+              <a:tr h="228600">
                 <a:tc>
                   <a:txBody>
                     <a:bodyPr/>
                     <a:lstStyle/>
                     <a:p>
+                      <a:pPr algn="ctr"/>
                       <a:r>
                         <a:rPr lang="en-US" sz="2800" dirty="0">
                           <a:effectLst/>
                         </a:rPr>
-                        <a:t>Trailing Annual Dividend Yield</a:t>
+                        <a:t>Gross Profit (</a:t>
+                      </a:r>
+                      <a:r>
+                        <a:rPr lang="en-US" sz="2800" dirty="0" err="1">
+                          <a:effectLst/>
+                        </a:rPr>
+                        <a:t>ttm</a:t>
+                      </a:r>
+                      <a:r>
+                        <a:rPr lang="en-US" sz="2800" dirty="0">
+                          <a:effectLst/>
+                        </a:rPr>
+                        <a:t>)</a:t>
                       </a:r>
                     </a:p>
                   </a:txBody>
-                  <a:tcPr marL="48891" marR="33952" marT="24446" marB="24446" anchor="ctr">
+                  <a:tcPr marR="63500" anchor="ctr">
                     <a:lnL>
                       <a:noFill/>
                     </a:lnL>
@@ -8078,12 +7589,14 @@
                     <a:bodyPr/>
                     <a:lstStyle/>
                     <a:p>
-                      <a:r>
-                        <a:t>6.15%</a:t>
+                      <a:pPr algn="ctr"/>
+                      <a:r>
+                        <a:rPr sz="2800"/>
+                        <a:t>304M</a:t>
                       </a:r>
                     </a:p>
                   </a:txBody>
-                  <a:tcPr marL="33952" marR="48891" marT="24446" marB="24446" anchor="ctr">
+                  <a:tcPr marL="63500" anchor="ctr">
                     <a:lnL>
                       <a:noFill/>
                     </a:lnL>
@@ -8115,25 +7628,26 @@
                 </a:tc>
                 <a:extLst>
                   <a:ext uri="{0D108BD9-81ED-4DB2-BD59-A6C34878D82A}">
-                    <a16:rowId xmlns:a16="http://schemas.microsoft.com/office/drawing/2014/main" val="796298086"/>
+                    <a16:rowId xmlns:a16="http://schemas.microsoft.com/office/drawing/2014/main" val="3025839369"/>
                   </a:ext>
                 </a:extLst>
               </a:tr>
-              <a:tr h="635589">
+              <a:tr h="228600">
                 <a:tc>
                   <a:txBody>
                     <a:bodyPr/>
                     <a:lstStyle/>
                     <a:p>
+                      <a:pPr algn="ctr"/>
                       <a:r>
                         <a:rPr lang="en-US" sz="2800" dirty="0">
                           <a:effectLst/>
                         </a:rPr>
-                        <a:t>5 Year Average Dividend Yield</a:t>
+                        <a:t>EBITDA</a:t>
                       </a:r>
                     </a:p>
                   </a:txBody>
-                  <a:tcPr marL="48891" marR="33952" marT="24446" marB="24446" anchor="ctr">
+                  <a:tcPr marR="63500" anchor="ctr">
                     <a:lnL>
                       <a:noFill/>
                     </a:lnL>
@@ -8168,12 +7682,14 @@
                     <a:bodyPr/>
                     <a:lstStyle/>
                     <a:p>
-                      <a:r>
-                        <a:t>7.18</a:t>
+                      <a:pPr algn="ctr"/>
+                      <a:r>
+                        <a:rPr sz="2800"/>
+                        <a:t>309M</a:t>
                       </a:r>
                     </a:p>
                   </a:txBody>
-                  <a:tcPr marL="33952" marR="48891" marT="24446" marB="24446" anchor="ctr">
+                  <a:tcPr marL="63500" anchor="ctr">
                     <a:lnL>
                       <a:noFill/>
                     </a:lnL>
@@ -8205,25 +7721,50 @@
                 </a:tc>
                 <a:extLst>
                   <a:ext uri="{0D108BD9-81ED-4DB2-BD59-A6C34878D82A}">
-                    <a16:rowId xmlns:a16="http://schemas.microsoft.com/office/drawing/2014/main" val="1082740847"/>
+                    <a16:rowId xmlns:a16="http://schemas.microsoft.com/office/drawing/2014/main" val="4042836303"/>
                   </a:ext>
                 </a:extLst>
               </a:tr>
-              <a:tr h="342240">
+              <a:tr h="228600">
                 <a:tc>
                   <a:txBody>
                     <a:bodyPr/>
                     <a:lstStyle/>
                     <a:p>
+                      <a:pPr algn="ctr"/>
                       <a:r>
                         <a:rPr lang="en-US" sz="2800" dirty="0">
                           <a:effectLst/>
                         </a:rPr>
-                        <a:t>Payout Ratio</a:t>
+                        <a:t>Net Income </a:t>
+                      </a:r>
+                      <a:r>
+                        <a:rPr lang="en-US" sz="2800" dirty="0" err="1">
+                          <a:effectLst/>
+                        </a:rPr>
+                        <a:t>Avi</a:t>
+                      </a:r>
+                      <a:r>
+                        <a:rPr lang="en-US" sz="2800" dirty="0">
+                          <a:effectLst/>
+                        </a:rPr>
+                        <a:t> to Common (</a:t>
+                      </a:r>
+                      <a:r>
+                        <a:rPr lang="en-US" sz="2800" dirty="0" err="1">
+                          <a:effectLst/>
+                        </a:rPr>
+                        <a:t>ttm</a:t>
+                      </a:r>
+                      <a:r>
+                        <a:rPr lang="en-US" sz="2800" dirty="0">
+                          <a:effectLst/>
+                        </a:rPr>
+                        <a:t>)</a:t>
                       </a:r>
                     </a:p>
                   </a:txBody>
-                  <a:tcPr marL="48891" marR="33952" marT="24446" marB="24446" anchor="ctr">
+                  <a:tcPr marR="63500" anchor="ctr">
                     <a:lnL>
                       <a:noFill/>
                     </a:lnL>
@@ -8258,12 +7799,14 @@
                     <a:bodyPr/>
                     <a:lstStyle/>
                     <a:p>
-                      <a:r>
-                        <a:t>N/A</a:t>
+                      <a:pPr algn="ctr"/>
+                      <a:r>
+                        <a:rPr sz="2800"/>
+                        <a:t>-102M</a:t>
                       </a:r>
                     </a:p>
                   </a:txBody>
-                  <a:tcPr marL="33952" marR="48891" marT="24446" marB="24446" anchor="ctr">
+                  <a:tcPr marL="63500" anchor="ctr">
                     <a:lnL>
                       <a:noFill/>
                     </a:lnL>
@@ -8295,25 +7838,38 @@
                 </a:tc>
                 <a:extLst>
                   <a:ext uri="{0D108BD9-81ED-4DB2-BD59-A6C34878D82A}">
-                    <a16:rowId xmlns:a16="http://schemas.microsoft.com/office/drawing/2014/main" val="2341212515"/>
+                    <a16:rowId xmlns:a16="http://schemas.microsoft.com/office/drawing/2014/main" val="2526676873"/>
                   </a:ext>
                 </a:extLst>
               </a:tr>
-              <a:tr h="342240">
+              <a:tr h="228600">
                 <a:tc>
                   <a:txBody>
                     <a:bodyPr/>
                     <a:lstStyle/>
                     <a:p>
+                      <a:pPr algn="ctr"/>
                       <a:r>
                         <a:rPr lang="en-US" sz="2800" dirty="0">
                           <a:effectLst/>
                         </a:rPr>
-                        <a:t>Dividend Date</a:t>
+                        <a:t>Diluted EPS (</a:t>
+                      </a:r>
+                      <a:r>
+                        <a:rPr lang="en-US" sz="2800" dirty="0" err="1">
+                          <a:effectLst/>
+                        </a:rPr>
+                        <a:t>ttm</a:t>
+                      </a:r>
+                      <a:r>
+                        <a:rPr lang="en-US" sz="2800" dirty="0">
+                          <a:effectLst/>
+                        </a:rPr>
+                        <a:t>)</a:t>
                       </a:r>
                     </a:p>
                   </a:txBody>
-                  <a:tcPr marL="48891" marR="33952" marT="24446" marB="24446" anchor="ctr">
+                  <a:tcPr marR="63500" anchor="ctr">
                     <a:lnL>
                       <a:noFill/>
                     </a:lnL>
@@ -8348,29 +7904,14 @@
                     <a:bodyPr/>
                     <a:lstStyle/>
                     <a:p>
-                      <a:r>
-                        <a:rPr dirty="0"/>
-                        <a:t>Jan</a:t>
-                      </a:r>
-                      <a:r>
-                        <a:rPr lang="ja-JP" altLang="en-US" dirty="0"/>
-                        <a:t> </a:t>
-                      </a:r>
-                      <a:r>
-                        <a:rPr dirty="0"/>
-                        <a:t>31,</a:t>
-                      </a:r>
-                      <a:r>
-                        <a:rPr lang="ja-JP" altLang="en-US" dirty="0"/>
-                        <a:t> </a:t>
-                      </a:r>
-                      <a:r>
-                        <a:rPr dirty="0"/>
-                        <a:t>2020</a:t>
+                      <a:pPr algn="ctr"/>
+                      <a:r>
+                        <a:rPr sz="2800"/>
+                        <a:t>-1.17</a:t>
                       </a:r>
                     </a:p>
                   </a:txBody>
-                  <a:tcPr marL="33952" marR="48891" marT="24446" marB="24446" anchor="ctr">
+                  <a:tcPr marL="63500" anchor="ctr">
                     <a:lnL>
                       <a:noFill/>
                     </a:lnL>
@@ -8402,25 +7943,38 @@
                 </a:tc>
                 <a:extLst>
                   <a:ext uri="{0D108BD9-81ED-4DB2-BD59-A6C34878D82A}">
-                    <a16:rowId xmlns:a16="http://schemas.microsoft.com/office/drawing/2014/main" val="158887723"/>
+                    <a16:rowId xmlns:a16="http://schemas.microsoft.com/office/drawing/2014/main" val="982733913"/>
                   </a:ext>
                 </a:extLst>
               </a:tr>
-              <a:tr h="488914">
+              <a:tr h="228600">
                 <a:tc>
                   <a:txBody>
                     <a:bodyPr/>
                     <a:lstStyle/>
                     <a:p>
+                      <a:pPr algn="ctr"/>
                       <a:r>
                         <a:rPr lang="en-US" sz="2800" dirty="0">
                           <a:effectLst/>
                         </a:rPr>
-                        <a:t>Ex-Dividend Date</a:t>
+                        <a:t>Quarterly Earnings Growth (</a:t>
+                      </a:r>
+                      <a:r>
+                        <a:rPr lang="en-US" sz="2800" dirty="0" err="1">
+                          <a:effectLst/>
+                        </a:rPr>
+                        <a:t>yoy</a:t>
+                      </a:r>
+                      <a:r>
+                        <a:rPr lang="en-US" sz="2800" dirty="0">
+                          <a:effectLst/>
+                        </a:rPr>
+                        <a:t>)</a:t>
                       </a:r>
                     </a:p>
                   </a:txBody>
-                  <a:tcPr marL="48891" marR="33952" marT="24446" marB="24446" anchor="ctr">
+                  <a:tcPr marR="63500" anchor="ctr">
                     <a:lnL>
                       <a:noFill/>
                     </a:lnL>
@@ -8455,29 +8009,14 @@
                     <a:bodyPr/>
                     <a:lstStyle/>
                     <a:p>
-                      <a:r>
-                        <a:rPr dirty="0"/>
-                        <a:t>Dec</a:t>
-                      </a:r>
-                      <a:r>
-                        <a:rPr lang="ja-JP" altLang="en-US" dirty="0"/>
-                        <a:t> </a:t>
-                      </a:r>
-                      <a:r>
-                        <a:rPr dirty="0"/>
-                        <a:t>30,</a:t>
-                      </a:r>
-                      <a:r>
-                        <a:rPr lang="ja-JP" altLang="en-US" dirty="0"/>
-                        <a:t> </a:t>
-                      </a:r>
-                      <a:r>
-                        <a:rPr dirty="0"/>
-                        <a:t>2019</a:t>
+                      <a:pPr algn="ctr"/>
+                      <a:r>
+                        <a:rPr sz="2800" dirty="0"/>
+                        <a:t>N/A</a:t>
                       </a:r>
                     </a:p>
                   </a:txBody>
-                  <a:tcPr marL="33952" marR="48891" marT="24446" marB="24446" anchor="ctr">
+                  <a:tcPr marL="63500" anchor="ctr">
                     <a:lnL>
                       <a:noFill/>
                     </a:lnL>
@@ -8509,7 +8048,7 @@
                 </a:tc>
                 <a:extLst>
                   <a:ext uri="{0D108BD9-81ED-4DB2-BD59-A6C34878D82A}">
-                    <a16:rowId xmlns:a16="http://schemas.microsoft.com/office/drawing/2014/main" val="157238532"/>
+                    <a16:rowId xmlns:a16="http://schemas.microsoft.com/office/drawing/2014/main" val="711664909"/>
                   </a:ext>
                 </a:extLst>
               </a:tr>
@@ -8517,16 +8056,149 @@
           </a:graphicData>
         </a:graphic>
       </p:graphicFrame>
+      <p:pic>
+        <p:nvPicPr>
+          <p:cNvPr id="4" name="オーディオ 3">
+            <a:hlinkClick r:id="" action="ppaction://media"/>
+            <a:extLst>
+              <a:ext uri="{FF2B5EF4-FFF2-40B4-BE49-F238E27FC236}">
+                <a16:creationId xmlns:a16="http://schemas.microsoft.com/office/drawing/2014/main" id="{5BAEA72C-3353-4543-86EF-9D83FCD83A38}"/>
+              </a:ext>
+            </a:extLst>
+          </p:cNvPr>
+          <p:cNvPicPr>
+            <a:picLocks noChangeAspect="1"/>
+          </p:cNvPicPr>
+          <p:nvPr>
+            <a:audioFile r:link="rId2"/>
+            <p:extLst>
+              <p:ext uri="{DAA4B4D4-6D71-4841-9C94-3DE7FCFB9230}">
+                <p14:media xmlns:p14="http://schemas.microsoft.com/office/powerpoint/2010/main" r:embed="rId1"/>
+              </p:ext>
+            </p:extLst>
+          </p:nvPr>
+        </p:nvPicPr>
+        <p:blipFill>
+          <a:blip r:embed="rId4"/>
+          <a:stretch>
+            <a:fillRect/>
+          </a:stretch>
+        </p:blipFill>
+        <p:spPr>
+          <a:xfrm>
+            <a:off x="11569700" y="6235700"/>
+            <a:ext cx="406400" cy="406400"/>
+          </a:xfrm>
+          <a:prstGeom prst="rect">
+            <a:avLst/>
+          </a:prstGeom>
+        </p:spPr>
+      </p:pic>
     </p:spTree>
     <p:extLst>
       <p:ext uri="{BB962C8B-B14F-4D97-AF65-F5344CB8AC3E}">
-        <p14:creationId xmlns:p14="http://schemas.microsoft.com/office/powerpoint/2010/main" val="3540452035"/>
+        <p14:creationId xmlns:p14="http://schemas.microsoft.com/office/powerpoint/2010/main" val="2686286442"/>
       </p:ext>
     </p:extLst>
   </p:cSld>
   <p:clrMapOvr>
     <a:masterClrMapping/>
   </p:clrMapOvr>
+  <mc:AlternateContent xmlns:mc="http://schemas.openxmlformats.org/markup-compatibility/2006">
+    <mc:Choice xmlns:p14="http://schemas.microsoft.com/office/powerpoint/2010/main" Requires="p14">
+      <p:transition spd="slow" p14:dur="2000" advTm="11002"/>
+    </mc:Choice>
+    <mc:Fallback>
+      <p:transition spd="slow" advTm="11002"/>
+    </mc:Fallback>
+  </mc:AlternateContent>
+  <p:timing>
+    <p:tnLst>
+      <p:par>
+        <p:cTn id="1" dur="indefinite" restart="never" nodeType="tmRoot">
+          <p:childTnLst>
+            <p:seq concurrent="1" nextAc="seek">
+              <p:cTn id="2" dur="indefinite" nodeType="mainSeq">
+                <p:childTnLst>
+                  <p:par>
+                    <p:cTn id="3" fill="hold">
+                      <p:stCondLst>
+                        <p:cond delay="indefinite"/>
+                        <p:cond evt="onBegin" delay="0">
+                          <p:tn val="2"/>
+                        </p:cond>
+                      </p:stCondLst>
+                      <p:childTnLst>
+                        <p:par>
+                          <p:cTn id="4" fill="hold">
+                            <p:stCondLst>
+                              <p:cond delay="0"/>
+                            </p:stCondLst>
+                            <p:childTnLst>
+                              <p:par>
+                                <p:cTn id="5" presetID="1" presetClass="mediacall" presetSubtype="0" fill="hold" nodeType="afterEffect">
+                                  <p:stCondLst>
+                                    <p:cond delay="0"/>
+                                  </p:stCondLst>
+                                  <p:childTnLst>
+                                    <p:cmd type="call" cmd="playFrom(0.0)">
+                                      <p:cBhvr>
+                                        <p:cTn id="6" dur="1" fill="hold"/>
+                                        <p:tgtEl>
+                                          <p:spTgt spid="4"/>
+                                        </p:tgtEl>
+                                      </p:cBhvr>
+                                    </p:cmd>
+                                  </p:childTnLst>
+                                </p:cTn>
+                              </p:par>
+                            </p:childTnLst>
+                          </p:cTn>
+                        </p:par>
+                      </p:childTnLst>
+                    </p:cTn>
+                  </p:par>
+                </p:childTnLst>
+              </p:cTn>
+              <p:prevCondLst>
+                <p:cond evt="onPrev" delay="0">
+                  <p:tgtEl>
+                    <p:sldTgt/>
+                  </p:tgtEl>
+                </p:cond>
+              </p:prevCondLst>
+              <p:nextCondLst>
+                <p:cond evt="onNext" delay="0">
+                  <p:tgtEl>
+                    <p:sldTgt/>
+                  </p:tgtEl>
+                </p:cond>
+              </p:nextCondLst>
+            </p:seq>
+            <p:audio isNarration="1">
+              <p:cMediaNode vol="80000" showWhenStopped="0">
+                <p:cTn id="7" fill="hold" display="0">
+                  <p:stCondLst>
+                    <p:cond delay="indefinite"/>
+                  </p:stCondLst>
+                  <p:endCondLst>
+                    <p:cond evt="onStopAudio" delay="0">
+                      <p:tgtEl>
+                        <p:sldTgt/>
+                      </p:tgtEl>
+                    </p:cond>
+                  </p:endCondLst>
+                </p:cTn>
+                <p:tgtEl>
+                  <p:spTgt spid="4"/>
+                </p:tgtEl>
+              </p:cMediaNode>
+            </p:audio>
+          </p:childTnLst>
+        </p:cTn>
+      </p:par>
+    </p:tnLst>
+  </p:timing>
 </p:sld>
 </file>
 
@@ -8562,7 +8234,7 @@
         <p:spPr>
           <a:xfrm>
             <a:off x="1" y="0"/>
-            <a:ext cx="12192000" cy="6858000"/>
+            <a:ext cx="12192000" cy="1084881"/>
           </a:xfrm>
           <a:prstGeom prst="rect">
             <a:avLst/>
@@ -8602,74 +8274,1909 @@
           <a:p>
             <a:pPr algn="ctr"/>
             <a:r>
-              <a:rPr kumimoji="1" lang="ja-JP" altLang="en-US" sz="4000" b="1" dirty="0"/>
-              <a:t>最後まで聞いていただきありがとうございました。</a:t>
-            </a:r>
-            <a:endParaRPr kumimoji="1" lang="en-US" altLang="ja-JP" sz="4000" b="1" dirty="0"/>
-          </a:p>
-          <a:p>
-            <a:pPr algn="ctr"/>
-            <a:endParaRPr lang="en-US" altLang="ja-JP" sz="4000" b="1" dirty="0"/>
-          </a:p>
-          <a:p>
-            <a:pPr algn="ctr"/>
-            <a:endParaRPr lang="en-US" altLang="ja-JP" sz="4000" b="1" dirty="0"/>
-          </a:p>
-          <a:p>
-            <a:pPr algn="ctr"/>
-            <a:endParaRPr lang="en-US" altLang="ja-JP" sz="4000" b="1" dirty="0"/>
-          </a:p>
-          <a:p>
-            <a:pPr algn="ctr"/>
-            <a:endParaRPr lang="en-US" altLang="ja-JP" sz="4000" b="1" dirty="0"/>
-          </a:p>
-          <a:p>
-            <a:pPr algn="ctr"/>
-            <a:endParaRPr lang="en-US" altLang="ja-JP" sz="4000" b="1" dirty="0"/>
-          </a:p>
-          <a:p>
-            <a:pPr algn="r"/>
-            <a:r>
-              <a:rPr lang="ja-JP" altLang="en-US" sz="4000" b="1" dirty="0"/>
-              <a:t>ブログ：</a:t>
-            </a:r>
-            <a:r>
-              <a:rPr lang="en-US" altLang="ja-JP" sz="4000" b="1" dirty="0"/>
-              <a:t>kabu-guide.com</a:t>
-            </a:r>
-          </a:p>
-          <a:p>
-            <a:pPr algn="r"/>
-            <a:r>
-              <a:rPr lang="en-US" altLang="ja-JP" sz="4000" b="1" dirty="0"/>
-              <a:t>Twitter: </a:t>
-            </a:r>
-            <a:r>
-              <a:rPr lang="en-US" altLang="ja-JP" sz="4000" b="1" dirty="0" err="1"/>
-              <a:t>litte</a:t>
-            </a:r>
-            <a:r>
-              <a:rPr lang="en-US" altLang="ja-JP" sz="4000" b="1" dirty="0"/>
+              <a:rPr sz="4400" dirty="0"/>
+              <a:t>Pattern</a:t>
+            </a:r>
+            <a:r>
+              <a:rPr lang="ja-JP" altLang="en-US" sz="4400" dirty="0"/>
               <a:t> </a:t>
             </a:r>
             <a:r>
-              <a:rPr lang="en-US" altLang="ja-JP" sz="4000" b="1" dirty="0" err="1"/>
-              <a:t>jhon</a:t>
-            </a:r>
-            <a:endParaRPr lang="en-US" altLang="ja-JP" sz="4000" b="1" dirty="0"/>
+              <a:rPr sz="4400" dirty="0"/>
+              <a:t>Energy</a:t>
+            </a:r>
+            <a:r>
+              <a:rPr lang="ja-JP" altLang="en-US" sz="4400" dirty="0"/>
+              <a:t> </a:t>
+            </a:r>
+            <a:r>
+              <a:rPr sz="4400" dirty="0"/>
+              <a:t>Group</a:t>
+            </a:r>
+            <a:r>
+              <a:rPr lang="ja-JP" altLang="en-US" sz="4400" dirty="0"/>
+              <a:t> </a:t>
+            </a:r>
+            <a:r>
+              <a:rPr sz="4400" dirty="0"/>
+              <a:t>Inc</a:t>
+            </a:r>
+            <a:endParaRPr kumimoji="1" lang="ja-JP" altLang="en-US" sz="19900" b="1" dirty="0"/>
           </a:p>
         </p:txBody>
       </p:sp>
+      <p:graphicFrame>
+        <p:nvGraphicFramePr>
+          <p:cNvPr id="3" name="表 2">
+            <a:extLst>
+              <a:ext uri="{FF2B5EF4-FFF2-40B4-BE49-F238E27FC236}">
+                <a16:creationId xmlns:a16="http://schemas.microsoft.com/office/drawing/2014/main" id="{A9EF6104-7469-4209-94DD-0E45F8C1FE82}"/>
+              </a:ext>
+            </a:extLst>
+          </p:cNvPr>
+          <p:cNvGraphicFramePr>
+            <a:graphicFrameLocks noGrp="1"/>
+          </p:cNvGraphicFramePr>
+          <p:nvPr>
+            <p:extLst>
+              <p:ext uri="{D42A27DB-BD31-4B8C-83A1-F6EECF244321}">
+                <p14:modId xmlns:p14="http://schemas.microsoft.com/office/powerpoint/2010/main" val="3547620560"/>
+              </p:ext>
+            </p:extLst>
+          </p:nvPr>
+        </p:nvGraphicFramePr>
+        <p:xfrm>
+          <a:off x="544286" y="1660490"/>
+          <a:ext cx="11190514" cy="4363645"/>
+        </p:xfrm>
+        <a:graphic>
+          <a:graphicData uri="http://schemas.openxmlformats.org/drawingml/2006/table">
+            <a:tbl>
+              <a:tblPr/>
+              <a:tblGrid>
+                <a:gridCol w="5595257">
+                  <a:extLst>
+                    <a:ext uri="{9D8B030D-6E8A-4147-A177-3AD203B41FA5}">
+                      <a16:colId xmlns:a16="http://schemas.microsoft.com/office/drawing/2014/main" val="1872656253"/>
+                    </a:ext>
+                  </a:extLst>
+                </a:gridCol>
+                <a:gridCol w="5595257">
+                  <a:extLst>
+                    <a:ext uri="{9D8B030D-6E8A-4147-A177-3AD203B41FA5}">
+                      <a16:colId xmlns:a16="http://schemas.microsoft.com/office/drawing/2014/main" val="1775930177"/>
+                    </a:ext>
+                  </a:extLst>
+                </a:gridCol>
+              </a:tblGrid>
+              <a:tr h="690689">
+                <a:tc>
+                  <a:txBody>
+                    <a:bodyPr/>
+                    <a:lstStyle/>
+                    <a:p>
+                      <a:pPr algn="l"/>
+                      <a:r>
+                        <a:rPr lang="en-US" sz="2800" dirty="0">
+                          <a:effectLst/>
+                        </a:rPr>
+                        <a:t>Total Cash (</a:t>
+                      </a:r>
+                      <a:r>
+                        <a:rPr lang="en-US" sz="2800" dirty="0" err="1">
+                          <a:effectLst/>
+                        </a:rPr>
+                        <a:t>mrq</a:t>
+                      </a:r>
+                      <a:r>
+                        <a:rPr lang="en-US" sz="2800" dirty="0">
+                          <a:effectLst/>
+                        </a:rPr>
+                        <a:t>)</a:t>
+                      </a:r>
+                    </a:p>
+                  </a:txBody>
+                  <a:tcPr marL="69069" marR="47964" marT="34534" marB="34534" anchor="ctr">
+                    <a:lnL>
+                      <a:noFill/>
+                    </a:lnL>
+                    <a:lnR>
+                      <a:noFill/>
+                    </a:lnR>
+                    <a:lnT w="6350" cap="flat" cmpd="sng" algn="ctr">
+                      <a:solidFill>
+                        <a:srgbClr val="E0E4E9"/>
+                      </a:solidFill>
+                      <a:prstDash val="solid"/>
+                      <a:round/>
+                      <a:headEnd type="none" w="med" len="med"/>
+                      <a:tailEnd type="none" w="med" len="med"/>
+                    </a:lnT>
+                    <a:lnB w="6350" cap="flat" cmpd="sng" algn="ctr">
+                      <a:solidFill>
+                        <a:srgbClr val="E0E4E9"/>
+                      </a:solidFill>
+                      <a:prstDash val="solid"/>
+                      <a:round/>
+                      <a:headEnd type="none" w="med" len="med"/>
+                      <a:tailEnd type="none" w="med" len="med"/>
+                    </a:lnB>
+                    <a:solidFill>
+                      <a:srgbClr val="FFFFFF"/>
+                    </a:solidFill>
+                  </a:tcPr>
+                </a:tc>
+                <a:tc>
+                  <a:txBody>
+                    <a:bodyPr/>
+                    <a:lstStyle/>
+                    <a:p>
+                      <a:r>
+                        <a:rPr sz="2800"/>
+                        <a:t>106M</a:t>
+                      </a:r>
+                    </a:p>
+                  </a:txBody>
+                  <a:tcPr marL="47964" marR="69069" marT="34534" marB="34534" anchor="ctr">
+                    <a:lnL>
+                      <a:noFill/>
+                    </a:lnL>
+                    <a:lnR>
+                      <a:noFill/>
+                    </a:lnR>
+                    <a:lnT w="6350" cap="flat" cmpd="sng" algn="ctr">
+                      <a:solidFill>
+                        <a:srgbClr val="E0E4E9"/>
+                      </a:solidFill>
+                      <a:prstDash val="solid"/>
+                      <a:round/>
+                      <a:headEnd type="none" w="med" len="med"/>
+                      <a:tailEnd type="none" w="med" len="med"/>
+                    </a:lnT>
+                    <a:lnB w="6350" cap="flat" cmpd="sng" algn="ctr">
+                      <a:solidFill>
+                        <a:srgbClr val="E0E4E9"/>
+                      </a:solidFill>
+                      <a:prstDash val="solid"/>
+                      <a:round/>
+                      <a:headEnd type="none" w="med" len="med"/>
+                      <a:tailEnd type="none" w="med" len="med"/>
+                    </a:lnB>
+                    <a:solidFill>
+                      <a:srgbClr val="FFFFFF"/>
+                    </a:solidFill>
+                  </a:tcPr>
+                </a:tc>
+                <a:extLst>
+                  <a:ext uri="{0D108BD9-81ED-4DB2-BD59-A6C34878D82A}">
+                    <a16:rowId xmlns:a16="http://schemas.microsoft.com/office/drawing/2014/main" val="2866622775"/>
+                  </a:ext>
+                </a:extLst>
+              </a:tr>
+              <a:tr h="897895">
+                <a:tc>
+                  <a:txBody>
+                    <a:bodyPr/>
+                    <a:lstStyle/>
+                    <a:p>
+                      <a:pPr algn="l"/>
+                      <a:r>
+                        <a:rPr lang="en-US" sz="2800" dirty="0">
+                          <a:effectLst/>
+                        </a:rPr>
+                        <a:t>Total Cash Per Share (</a:t>
+                      </a:r>
+                      <a:r>
+                        <a:rPr lang="en-US" sz="2800" dirty="0" err="1">
+                          <a:effectLst/>
+                        </a:rPr>
+                        <a:t>mrq</a:t>
+                      </a:r>
+                      <a:r>
+                        <a:rPr lang="en-US" sz="2800" dirty="0">
+                          <a:effectLst/>
+                        </a:rPr>
+                        <a:t>)</a:t>
+                      </a:r>
+                    </a:p>
+                  </a:txBody>
+                  <a:tcPr marL="69069" marR="47964" marT="34534" marB="34534" anchor="ctr">
+                    <a:lnL>
+                      <a:noFill/>
+                    </a:lnL>
+                    <a:lnR>
+                      <a:noFill/>
+                    </a:lnR>
+                    <a:lnT w="6350" cap="flat" cmpd="sng" algn="ctr">
+                      <a:solidFill>
+                        <a:srgbClr val="E0E4E9"/>
+                      </a:solidFill>
+                      <a:prstDash val="solid"/>
+                      <a:round/>
+                      <a:headEnd type="none" w="med" len="med"/>
+                      <a:tailEnd type="none" w="med" len="med"/>
+                    </a:lnT>
+                    <a:lnB w="6350" cap="flat" cmpd="sng" algn="ctr">
+                      <a:solidFill>
+                        <a:srgbClr val="E0E4E9"/>
+                      </a:solidFill>
+                      <a:prstDash val="solid"/>
+                      <a:round/>
+                      <a:headEnd type="none" w="med" len="med"/>
+                      <a:tailEnd type="none" w="med" len="med"/>
+                    </a:lnB>
+                    <a:solidFill>
+                      <a:srgbClr val="FFFFFF"/>
+                    </a:solidFill>
+                  </a:tcPr>
+                </a:tc>
+                <a:tc>
+                  <a:txBody>
+                    <a:bodyPr/>
+                    <a:lstStyle/>
+                    <a:p>
+                      <a:r>
+                        <a:rPr sz="2800"/>
+                        <a:t>1.08</a:t>
+                      </a:r>
+                    </a:p>
+                  </a:txBody>
+                  <a:tcPr marL="47964" marR="69069" marT="34534" marB="34534" anchor="ctr">
+                    <a:lnL>
+                      <a:noFill/>
+                    </a:lnL>
+                    <a:lnR>
+                      <a:noFill/>
+                    </a:lnR>
+                    <a:lnT w="6350" cap="flat" cmpd="sng" algn="ctr">
+                      <a:solidFill>
+                        <a:srgbClr val="E0E4E9"/>
+                      </a:solidFill>
+                      <a:prstDash val="solid"/>
+                      <a:round/>
+                      <a:headEnd type="none" w="med" len="med"/>
+                      <a:tailEnd type="none" w="med" len="med"/>
+                    </a:lnT>
+                    <a:lnB w="6350" cap="flat" cmpd="sng" algn="ctr">
+                      <a:solidFill>
+                        <a:srgbClr val="E0E4E9"/>
+                      </a:solidFill>
+                      <a:prstDash val="solid"/>
+                      <a:round/>
+                      <a:headEnd type="none" w="med" len="med"/>
+                      <a:tailEnd type="none" w="med" len="med"/>
+                    </a:lnB>
+                    <a:solidFill>
+                      <a:srgbClr val="FFFFFF"/>
+                    </a:solidFill>
+                  </a:tcPr>
+                </a:tc>
+                <a:extLst>
+                  <a:ext uri="{0D108BD9-81ED-4DB2-BD59-A6C34878D82A}">
+                    <a16:rowId xmlns:a16="http://schemas.microsoft.com/office/drawing/2014/main" val="959935522"/>
+                  </a:ext>
+                </a:extLst>
+              </a:tr>
+              <a:tr h="483482">
+                <a:tc>
+                  <a:txBody>
+                    <a:bodyPr/>
+                    <a:lstStyle/>
+                    <a:p>
+                      <a:pPr algn="l"/>
+                      <a:r>
+                        <a:rPr lang="en-US" sz="2800" dirty="0">
+                          <a:effectLst/>
+                        </a:rPr>
+                        <a:t>Total Debt (</a:t>
+                      </a:r>
+                      <a:r>
+                        <a:rPr lang="en-US" sz="2800" dirty="0" err="1">
+                          <a:effectLst/>
+                        </a:rPr>
+                        <a:t>mrq</a:t>
+                      </a:r>
+                      <a:r>
+                        <a:rPr lang="en-US" sz="2800" dirty="0">
+                          <a:effectLst/>
+                        </a:rPr>
+                        <a:t>)</a:t>
+                      </a:r>
+                    </a:p>
+                  </a:txBody>
+                  <a:tcPr marL="69069" marR="47964" marT="34534" marB="34534" anchor="ctr">
+                    <a:lnL>
+                      <a:noFill/>
+                    </a:lnL>
+                    <a:lnR>
+                      <a:noFill/>
+                    </a:lnR>
+                    <a:lnT w="6350" cap="flat" cmpd="sng" algn="ctr">
+                      <a:solidFill>
+                        <a:srgbClr val="E0E4E9"/>
+                      </a:solidFill>
+                      <a:prstDash val="solid"/>
+                      <a:round/>
+                      <a:headEnd type="none" w="med" len="med"/>
+                      <a:tailEnd type="none" w="med" len="med"/>
+                    </a:lnT>
+                    <a:lnB w="6350" cap="flat" cmpd="sng" algn="ctr">
+                      <a:solidFill>
+                        <a:srgbClr val="E0E4E9"/>
+                      </a:solidFill>
+                      <a:prstDash val="solid"/>
+                      <a:round/>
+                      <a:headEnd type="none" w="med" len="med"/>
+                      <a:tailEnd type="none" w="med" len="med"/>
+                    </a:lnB>
+                    <a:solidFill>
+                      <a:srgbClr val="FFFFFF"/>
+                    </a:solidFill>
+                  </a:tcPr>
+                </a:tc>
+                <a:tc>
+                  <a:txBody>
+                    <a:bodyPr/>
+                    <a:lstStyle/>
+                    <a:p>
+                      <a:r>
+                        <a:rPr sz="2800"/>
+                        <a:t>2.73B</a:t>
+                      </a:r>
+                    </a:p>
+                  </a:txBody>
+                  <a:tcPr marL="47964" marR="69069" marT="34534" marB="34534" anchor="ctr">
+                    <a:lnL>
+                      <a:noFill/>
+                    </a:lnL>
+                    <a:lnR>
+                      <a:noFill/>
+                    </a:lnR>
+                    <a:lnT w="6350" cap="flat" cmpd="sng" algn="ctr">
+                      <a:solidFill>
+                        <a:srgbClr val="E0E4E9"/>
+                      </a:solidFill>
+                      <a:prstDash val="solid"/>
+                      <a:round/>
+                      <a:headEnd type="none" w="med" len="med"/>
+                      <a:tailEnd type="none" w="med" len="med"/>
+                    </a:lnT>
+                    <a:lnB w="6350" cap="flat" cmpd="sng" algn="ctr">
+                      <a:solidFill>
+                        <a:srgbClr val="E0E4E9"/>
+                      </a:solidFill>
+                      <a:prstDash val="solid"/>
+                      <a:round/>
+                      <a:headEnd type="none" w="med" len="med"/>
+                      <a:tailEnd type="none" w="med" len="med"/>
+                    </a:lnB>
+                    <a:solidFill>
+                      <a:srgbClr val="FFFFFF"/>
+                    </a:solidFill>
+                  </a:tcPr>
+                </a:tc>
+                <a:extLst>
+                  <a:ext uri="{0D108BD9-81ED-4DB2-BD59-A6C34878D82A}">
+                    <a16:rowId xmlns:a16="http://schemas.microsoft.com/office/drawing/2014/main" val="4010006433"/>
+                  </a:ext>
+                </a:extLst>
+              </a:tr>
+              <a:tr h="690689">
+                <a:tc>
+                  <a:txBody>
+                    <a:bodyPr/>
+                    <a:lstStyle/>
+                    <a:p>
+                      <a:pPr algn="l"/>
+                      <a:r>
+                        <a:rPr lang="en-US" sz="2800" dirty="0">
+                          <a:effectLst/>
+                        </a:rPr>
+                        <a:t>Total Debt/Equity (</a:t>
+                      </a:r>
+                      <a:r>
+                        <a:rPr lang="en-US" sz="2800" dirty="0" err="1">
+                          <a:effectLst/>
+                        </a:rPr>
+                        <a:t>mrq</a:t>
+                      </a:r>
+                      <a:r>
+                        <a:rPr lang="en-US" sz="2800" dirty="0">
+                          <a:effectLst/>
+                        </a:rPr>
+                        <a:t>)</a:t>
+                      </a:r>
+                    </a:p>
+                  </a:txBody>
+                  <a:tcPr marL="69069" marR="47964" marT="34534" marB="34534" anchor="ctr">
+                    <a:lnL>
+                      <a:noFill/>
+                    </a:lnL>
+                    <a:lnR>
+                      <a:noFill/>
+                    </a:lnR>
+                    <a:lnT w="6350" cap="flat" cmpd="sng" algn="ctr">
+                      <a:solidFill>
+                        <a:srgbClr val="E0E4E9"/>
+                      </a:solidFill>
+                      <a:prstDash val="solid"/>
+                      <a:round/>
+                      <a:headEnd type="none" w="med" len="med"/>
+                      <a:tailEnd type="none" w="med" len="med"/>
+                    </a:lnT>
+                    <a:lnB w="6350" cap="flat" cmpd="sng" algn="ctr">
+                      <a:solidFill>
+                        <a:srgbClr val="E0E4E9"/>
+                      </a:solidFill>
+                      <a:prstDash val="solid"/>
+                      <a:round/>
+                      <a:headEnd type="none" w="med" len="med"/>
+                      <a:tailEnd type="none" w="med" len="med"/>
+                    </a:lnB>
+                    <a:solidFill>
+                      <a:srgbClr val="FFFFFF"/>
+                    </a:solidFill>
+                  </a:tcPr>
+                </a:tc>
+                <a:tc>
+                  <a:txBody>
+                    <a:bodyPr/>
+                    <a:lstStyle/>
+                    <a:p>
+                      <a:r>
+                        <a:rPr sz="2800"/>
+                        <a:t>149.26</a:t>
+                      </a:r>
+                    </a:p>
+                  </a:txBody>
+                  <a:tcPr marL="47964" marR="69069" marT="34534" marB="34534" anchor="ctr">
+                    <a:lnL>
+                      <a:noFill/>
+                    </a:lnL>
+                    <a:lnR>
+                      <a:noFill/>
+                    </a:lnR>
+                    <a:lnT w="6350" cap="flat" cmpd="sng" algn="ctr">
+                      <a:solidFill>
+                        <a:srgbClr val="E0E4E9"/>
+                      </a:solidFill>
+                      <a:prstDash val="solid"/>
+                      <a:round/>
+                      <a:headEnd type="none" w="med" len="med"/>
+                      <a:tailEnd type="none" w="med" len="med"/>
+                    </a:lnT>
+                    <a:lnB w="6350" cap="flat" cmpd="sng" algn="ctr">
+                      <a:solidFill>
+                        <a:srgbClr val="E0E4E9"/>
+                      </a:solidFill>
+                      <a:prstDash val="solid"/>
+                      <a:round/>
+                      <a:headEnd type="none" w="med" len="med"/>
+                      <a:tailEnd type="none" w="med" len="med"/>
+                    </a:lnB>
+                    <a:solidFill>
+                      <a:srgbClr val="FFFFFF"/>
+                    </a:solidFill>
+                  </a:tcPr>
+                </a:tc>
+                <a:extLst>
+                  <a:ext uri="{0D108BD9-81ED-4DB2-BD59-A6C34878D82A}">
+                    <a16:rowId xmlns:a16="http://schemas.microsoft.com/office/drawing/2014/main" val="4128286432"/>
+                  </a:ext>
+                </a:extLst>
+              </a:tr>
+              <a:tr h="690689">
+                <a:tc>
+                  <a:txBody>
+                    <a:bodyPr/>
+                    <a:lstStyle/>
+                    <a:p>
+                      <a:pPr algn="l"/>
+                      <a:r>
+                        <a:rPr lang="en-US" sz="2800" dirty="0">
+                          <a:effectLst/>
+                        </a:rPr>
+                        <a:t>Current Ratio (</a:t>
+                      </a:r>
+                      <a:r>
+                        <a:rPr lang="en-US" sz="2800" dirty="0" err="1">
+                          <a:effectLst/>
+                        </a:rPr>
+                        <a:t>mrq</a:t>
+                      </a:r>
+                      <a:r>
+                        <a:rPr lang="en-US" sz="2800" dirty="0">
+                          <a:effectLst/>
+                        </a:rPr>
+                        <a:t>)</a:t>
+                      </a:r>
+                    </a:p>
+                  </a:txBody>
+                  <a:tcPr marL="69069" marR="47964" marT="34534" marB="34534" anchor="ctr">
+                    <a:lnL>
+                      <a:noFill/>
+                    </a:lnL>
+                    <a:lnR>
+                      <a:noFill/>
+                    </a:lnR>
+                    <a:lnT w="6350" cap="flat" cmpd="sng" algn="ctr">
+                      <a:solidFill>
+                        <a:srgbClr val="E0E4E9"/>
+                      </a:solidFill>
+                      <a:prstDash val="solid"/>
+                      <a:round/>
+                      <a:headEnd type="none" w="med" len="med"/>
+                      <a:tailEnd type="none" w="med" len="med"/>
+                    </a:lnT>
+                    <a:lnB w="6350" cap="flat" cmpd="sng" algn="ctr">
+                      <a:solidFill>
+                        <a:srgbClr val="E0E4E9"/>
+                      </a:solidFill>
+                      <a:prstDash val="solid"/>
+                      <a:round/>
+                      <a:headEnd type="none" w="med" len="med"/>
+                      <a:tailEnd type="none" w="med" len="med"/>
+                    </a:lnB>
+                    <a:solidFill>
+                      <a:srgbClr val="FFFFFF"/>
+                    </a:solidFill>
+                  </a:tcPr>
+                </a:tc>
+                <a:tc>
+                  <a:txBody>
+                    <a:bodyPr/>
+                    <a:lstStyle/>
+                    <a:p>
+                      <a:r>
+                        <a:rPr sz="2800" dirty="0"/>
+                        <a:t>0.34</a:t>
+                      </a:r>
+                    </a:p>
+                  </a:txBody>
+                  <a:tcPr marL="47964" marR="69069" marT="34534" marB="34534" anchor="ctr">
+                    <a:lnL>
+                      <a:noFill/>
+                    </a:lnL>
+                    <a:lnR>
+                      <a:noFill/>
+                    </a:lnR>
+                    <a:lnT w="6350" cap="flat" cmpd="sng" algn="ctr">
+                      <a:solidFill>
+                        <a:srgbClr val="E0E4E9"/>
+                      </a:solidFill>
+                      <a:prstDash val="solid"/>
+                      <a:round/>
+                      <a:headEnd type="none" w="med" len="med"/>
+                      <a:tailEnd type="none" w="med" len="med"/>
+                    </a:lnT>
+                    <a:lnB w="6350" cap="flat" cmpd="sng" algn="ctr">
+                      <a:solidFill>
+                        <a:srgbClr val="E0E4E9"/>
+                      </a:solidFill>
+                      <a:prstDash val="solid"/>
+                      <a:round/>
+                      <a:headEnd type="none" w="med" len="med"/>
+                      <a:tailEnd type="none" w="med" len="med"/>
+                    </a:lnB>
+                    <a:solidFill>
+                      <a:srgbClr val="FFFFFF"/>
+                    </a:solidFill>
+                  </a:tcPr>
+                </a:tc>
+                <a:extLst>
+                  <a:ext uri="{0D108BD9-81ED-4DB2-BD59-A6C34878D82A}">
+                    <a16:rowId xmlns:a16="http://schemas.microsoft.com/office/drawing/2014/main" val="111486091"/>
+                  </a:ext>
+                </a:extLst>
+              </a:tr>
+              <a:tr h="897895">
+                <a:tc>
+                  <a:txBody>
+                    <a:bodyPr/>
+                    <a:lstStyle/>
+                    <a:p>
+                      <a:pPr algn="l"/>
+                      <a:r>
+                        <a:rPr lang="en-US" sz="2800" dirty="0">
+                          <a:effectLst/>
+                        </a:rPr>
+                        <a:t>Book Value Per Share (</a:t>
+                      </a:r>
+                      <a:r>
+                        <a:rPr lang="en-US" sz="2800" dirty="0" err="1">
+                          <a:effectLst/>
+                        </a:rPr>
+                        <a:t>mrq</a:t>
+                      </a:r>
+                      <a:r>
+                        <a:rPr lang="en-US" sz="2800" dirty="0">
+                          <a:effectLst/>
+                        </a:rPr>
+                        <a:t>)</a:t>
+                      </a:r>
+                    </a:p>
+                  </a:txBody>
+                  <a:tcPr marL="69069" marR="47964" marT="34534" marB="34534" anchor="ctr">
+                    <a:lnL>
+                      <a:noFill/>
+                    </a:lnL>
+                    <a:lnR>
+                      <a:noFill/>
+                    </a:lnR>
+                    <a:lnT w="6350" cap="flat" cmpd="sng" algn="ctr">
+                      <a:solidFill>
+                        <a:srgbClr val="E0E4E9"/>
+                      </a:solidFill>
+                      <a:prstDash val="solid"/>
+                      <a:round/>
+                      <a:headEnd type="none" w="med" len="med"/>
+                      <a:tailEnd type="none" w="med" len="med"/>
+                    </a:lnT>
+                    <a:lnB w="6350" cap="flat" cmpd="sng" algn="ctr">
+                      <a:solidFill>
+                        <a:srgbClr val="E0E4E9"/>
+                      </a:solidFill>
+                      <a:prstDash val="solid"/>
+                      <a:round/>
+                      <a:headEnd type="none" w="med" len="med"/>
+                      <a:tailEnd type="none" w="med" len="med"/>
+                    </a:lnB>
+                    <a:solidFill>
+                      <a:srgbClr val="FFFFFF"/>
+                    </a:solidFill>
+                  </a:tcPr>
+                </a:tc>
+                <a:tc>
+                  <a:txBody>
+                    <a:bodyPr/>
+                    <a:lstStyle/>
+                    <a:p>
+                      <a:r>
+                        <a:rPr sz="2800" dirty="0"/>
+                        <a:t>8.03</a:t>
+                      </a:r>
+                    </a:p>
+                  </a:txBody>
+                  <a:tcPr marL="47964" marR="69069" marT="34534" marB="34534" anchor="ctr">
+                    <a:lnL>
+                      <a:noFill/>
+                    </a:lnL>
+                    <a:lnR>
+                      <a:noFill/>
+                    </a:lnR>
+                    <a:lnT w="6350" cap="flat" cmpd="sng" algn="ctr">
+                      <a:solidFill>
+                        <a:srgbClr val="E0E4E9"/>
+                      </a:solidFill>
+                      <a:prstDash val="solid"/>
+                      <a:round/>
+                      <a:headEnd type="none" w="med" len="med"/>
+                      <a:tailEnd type="none" w="med" len="med"/>
+                    </a:lnT>
+                    <a:lnB w="6350" cap="flat" cmpd="sng" algn="ctr">
+                      <a:solidFill>
+                        <a:srgbClr val="E0E4E9"/>
+                      </a:solidFill>
+                      <a:prstDash val="solid"/>
+                      <a:round/>
+                      <a:headEnd type="none" w="med" len="med"/>
+                      <a:tailEnd type="none" w="med" len="med"/>
+                    </a:lnB>
+                    <a:solidFill>
+                      <a:srgbClr val="FFFFFF"/>
+                    </a:solidFill>
+                  </a:tcPr>
+                </a:tc>
+                <a:extLst>
+                  <a:ext uri="{0D108BD9-81ED-4DB2-BD59-A6C34878D82A}">
+                    <a16:rowId xmlns:a16="http://schemas.microsoft.com/office/drawing/2014/main" val="2309642758"/>
+                  </a:ext>
+                </a:extLst>
+              </a:tr>
+            </a:tbl>
+          </a:graphicData>
+        </a:graphic>
+      </p:graphicFrame>
+      <p:pic>
+        <p:nvPicPr>
+          <p:cNvPr id="4" name="オーディオ 3">
+            <a:hlinkClick r:id="" action="ppaction://media"/>
+            <a:extLst>
+              <a:ext uri="{FF2B5EF4-FFF2-40B4-BE49-F238E27FC236}">
+                <a16:creationId xmlns:a16="http://schemas.microsoft.com/office/drawing/2014/main" id="{4F2D2229-7858-48BB-BA0B-59F3A1F2208C}"/>
+              </a:ext>
+            </a:extLst>
+          </p:cNvPr>
+          <p:cNvPicPr>
+            <a:picLocks noChangeAspect="1"/>
+          </p:cNvPicPr>
+          <p:nvPr>
+            <a:audioFile r:link="rId2"/>
+            <p:extLst>
+              <p:ext uri="{DAA4B4D4-6D71-4841-9C94-3DE7FCFB9230}">
+                <p14:media xmlns:p14="http://schemas.microsoft.com/office/powerpoint/2010/main" r:embed="rId1"/>
+              </p:ext>
+            </p:extLst>
+          </p:nvPr>
+        </p:nvPicPr>
+        <p:blipFill>
+          <a:blip r:embed="rId4"/>
+          <a:stretch>
+            <a:fillRect/>
+          </a:stretch>
+        </p:blipFill>
+        <p:spPr>
+          <a:xfrm>
+            <a:off x="11569700" y="6235700"/>
+            <a:ext cx="406400" cy="406400"/>
+          </a:xfrm>
+          <a:prstGeom prst="rect">
+            <a:avLst/>
+          </a:prstGeom>
+        </p:spPr>
+      </p:pic>
     </p:spTree>
     <p:extLst>
       <p:ext uri="{BB962C8B-B14F-4D97-AF65-F5344CB8AC3E}">
-        <p14:creationId xmlns:p14="http://schemas.microsoft.com/office/powerpoint/2010/main" val="721029526"/>
+        <p14:creationId xmlns:p14="http://schemas.microsoft.com/office/powerpoint/2010/main" val="1310090755"/>
       </p:ext>
     </p:extLst>
   </p:cSld>
   <p:clrMapOvr>
     <a:masterClrMapping/>
   </p:clrMapOvr>
+  <mc:AlternateContent xmlns:mc="http://schemas.openxmlformats.org/markup-compatibility/2006">
+    <mc:Choice xmlns:p14="http://schemas.microsoft.com/office/powerpoint/2010/main" Requires="p14">
+      <p:transition spd="slow" p14:dur="2000" advTm="10995"/>
+    </mc:Choice>
+    <mc:Fallback>
+      <p:transition spd="slow" advTm="10995"/>
+    </mc:Fallback>
+  </mc:AlternateContent>
+  <p:timing>
+    <p:tnLst>
+      <p:par>
+        <p:cTn id="1" dur="indefinite" restart="never" nodeType="tmRoot">
+          <p:childTnLst>
+            <p:seq concurrent="1" nextAc="seek">
+              <p:cTn id="2" dur="indefinite" nodeType="mainSeq">
+                <p:childTnLst>
+                  <p:par>
+                    <p:cTn id="3" fill="hold">
+                      <p:stCondLst>
+                        <p:cond delay="indefinite"/>
+                        <p:cond evt="onBegin" delay="0">
+                          <p:tn val="2"/>
+                        </p:cond>
+                      </p:stCondLst>
+                      <p:childTnLst>
+                        <p:par>
+                          <p:cTn id="4" fill="hold">
+                            <p:stCondLst>
+                              <p:cond delay="0"/>
+                            </p:stCondLst>
+                            <p:childTnLst>
+                              <p:par>
+                                <p:cTn id="5" presetID="1" presetClass="mediacall" presetSubtype="0" fill="hold" nodeType="afterEffect">
+                                  <p:stCondLst>
+                                    <p:cond delay="0"/>
+                                  </p:stCondLst>
+                                  <p:childTnLst>
+                                    <p:cmd type="call" cmd="playFrom(0.0)">
+                                      <p:cBhvr>
+                                        <p:cTn id="6" dur="1" fill="hold"/>
+                                        <p:tgtEl>
+                                          <p:spTgt spid="4"/>
+                                        </p:tgtEl>
+                                      </p:cBhvr>
+                                    </p:cmd>
+                                  </p:childTnLst>
+                                </p:cTn>
+                              </p:par>
+                            </p:childTnLst>
+                          </p:cTn>
+                        </p:par>
+                      </p:childTnLst>
+                    </p:cTn>
+                  </p:par>
+                </p:childTnLst>
+              </p:cTn>
+              <p:prevCondLst>
+                <p:cond evt="onPrev" delay="0">
+                  <p:tgtEl>
+                    <p:sldTgt/>
+                  </p:tgtEl>
+                </p:cond>
+              </p:prevCondLst>
+              <p:nextCondLst>
+                <p:cond evt="onNext" delay="0">
+                  <p:tgtEl>
+                    <p:sldTgt/>
+                  </p:tgtEl>
+                </p:cond>
+              </p:nextCondLst>
+            </p:seq>
+            <p:audio isNarration="1">
+              <p:cMediaNode vol="80000" showWhenStopped="0">
+                <p:cTn id="7" fill="hold" display="0">
+                  <p:stCondLst>
+                    <p:cond delay="indefinite"/>
+                  </p:stCondLst>
+                  <p:endCondLst>
+                    <p:cond evt="onStopAudio" delay="0">
+                      <p:tgtEl>
+                        <p:sldTgt/>
+                      </p:tgtEl>
+                    </p:cond>
+                  </p:endCondLst>
+                </p:cTn>
+                <p:tgtEl>
+                  <p:spTgt spid="4"/>
+                </p:tgtEl>
+              </p:cMediaNode>
+            </p:audio>
+          </p:childTnLst>
+        </p:cTn>
+      </p:par>
+    </p:tnLst>
+  </p:timing>
+</p:sld>
+</file>
+
+<file path=ppt/slides/slide9.xml><?xml version="1.0" encoding="utf-8"?>
+<p:sld xmlns:a="http://schemas.openxmlformats.org/drawingml/2006/main" xmlns:r="http://schemas.openxmlformats.org/officeDocument/2006/relationships" xmlns:p="http://schemas.openxmlformats.org/presentationml/2006/main">
+  <p:cSld>
+    <p:spTree>
+      <p:nvGrpSpPr>
+        <p:cNvPr id="1" name=""/>
+        <p:cNvGrpSpPr/>
+        <p:nvPr/>
+      </p:nvGrpSpPr>
+      <p:grpSpPr>
+        <a:xfrm>
+          <a:off x="0" y="0"/>
+          <a:ext cx="0" cy="0"/>
+          <a:chOff x="0" y="0"/>
+          <a:chExt cx="0" cy="0"/>
+        </a:xfrm>
+      </p:grpSpPr>
+      <p:sp>
+        <p:nvSpPr>
+          <p:cNvPr id="2" name="正方形/長方形 1">
+            <a:extLst>
+              <a:ext uri="{FF2B5EF4-FFF2-40B4-BE49-F238E27FC236}">
+                <a16:creationId xmlns:a16="http://schemas.microsoft.com/office/drawing/2014/main" id="{06513E0B-DFE2-4C68-AFFD-6914BA692E09}"/>
+              </a:ext>
+            </a:extLst>
+          </p:cNvPr>
+          <p:cNvSpPr/>
+          <p:nvPr/>
+        </p:nvSpPr>
+        <p:spPr>
+          <a:xfrm>
+            <a:off x="1" y="0"/>
+            <a:ext cx="12192000" cy="1084881"/>
+          </a:xfrm>
+          <a:prstGeom prst="rect">
+            <a:avLst/>
+          </a:prstGeom>
+          <a:solidFill>
+            <a:schemeClr val="accent1">
+              <a:lumMod val="50000"/>
+            </a:schemeClr>
+          </a:solidFill>
+          <a:ln>
+            <a:solidFill>
+              <a:schemeClr val="accent1">
+                <a:lumMod val="50000"/>
+              </a:schemeClr>
+            </a:solidFill>
+          </a:ln>
+        </p:spPr>
+        <p:style>
+          <a:lnRef idx="2">
+            <a:schemeClr val="accent1">
+              <a:shade val="50000"/>
+            </a:schemeClr>
+          </a:lnRef>
+          <a:fillRef idx="1">
+            <a:schemeClr val="accent1"/>
+          </a:fillRef>
+          <a:effectRef idx="0">
+            <a:schemeClr val="accent1"/>
+          </a:effectRef>
+          <a:fontRef idx="minor">
+            <a:schemeClr val="lt1"/>
+          </a:fontRef>
+        </p:style>
+        <p:txBody>
+          <a:bodyPr rtlCol="0" anchor="ctr"/>
+          <a:lstStyle/>
+          <a:p>
+            <a:pPr algn="ctr"/>
+            <a:r>
+              <a:rPr sz="4400" dirty="0"/>
+              <a:t>Pattern</a:t>
+            </a:r>
+            <a:r>
+              <a:rPr lang="ja-JP" altLang="en-US" sz="4400" dirty="0"/>
+              <a:t> </a:t>
+            </a:r>
+            <a:r>
+              <a:rPr sz="4400" dirty="0"/>
+              <a:t>Energy</a:t>
+            </a:r>
+            <a:r>
+              <a:rPr lang="ja-JP" altLang="en-US" sz="4400" dirty="0"/>
+              <a:t> </a:t>
+            </a:r>
+            <a:r>
+              <a:rPr sz="4400" dirty="0"/>
+              <a:t>Group</a:t>
+            </a:r>
+            <a:r>
+              <a:rPr lang="ja-JP" altLang="en-US" sz="4400" dirty="0"/>
+              <a:t> </a:t>
+            </a:r>
+            <a:r>
+              <a:rPr sz="4400" dirty="0"/>
+              <a:t>Inc</a:t>
+            </a:r>
+            <a:endParaRPr kumimoji="1" lang="ja-JP" altLang="en-US" sz="19900" b="1" dirty="0"/>
+          </a:p>
+        </p:txBody>
+      </p:sp>
+      <p:graphicFrame>
+        <p:nvGraphicFramePr>
+          <p:cNvPr id="3" name="表 2">
+            <a:extLst>
+              <a:ext uri="{FF2B5EF4-FFF2-40B4-BE49-F238E27FC236}">
+                <a16:creationId xmlns:a16="http://schemas.microsoft.com/office/drawing/2014/main" id="{6083D6A8-9EAC-4051-928A-D10D3FD4AC5E}"/>
+              </a:ext>
+            </a:extLst>
+          </p:cNvPr>
+          <p:cNvGraphicFramePr>
+            <a:graphicFrameLocks noGrp="1"/>
+          </p:cNvGraphicFramePr>
+          <p:nvPr>
+            <p:extLst>
+              <p:ext uri="{D42A27DB-BD31-4B8C-83A1-F6EECF244321}">
+                <p14:modId xmlns:p14="http://schemas.microsoft.com/office/powerpoint/2010/main" val="1983893138"/>
+              </p:ext>
+            </p:extLst>
+          </p:nvPr>
+        </p:nvGraphicFramePr>
+        <p:xfrm>
+          <a:off x="304800" y="1748326"/>
+          <a:ext cx="11582400" cy="4618083"/>
+        </p:xfrm>
+        <a:graphic>
+          <a:graphicData uri="http://schemas.openxmlformats.org/drawingml/2006/table">
+            <a:tbl>
+              <a:tblPr/>
+              <a:tblGrid>
+                <a:gridCol w="5804007">
+                  <a:extLst>
+                    <a:ext uri="{9D8B030D-6E8A-4147-A177-3AD203B41FA5}">
+                      <a16:colId xmlns:a16="http://schemas.microsoft.com/office/drawing/2014/main" val="507755341"/>
+                    </a:ext>
+                  </a:extLst>
+                </a:gridCol>
+                <a:gridCol w="5778393">
+                  <a:extLst>
+                    <a:ext uri="{9D8B030D-6E8A-4147-A177-3AD203B41FA5}">
+                      <a16:colId xmlns:a16="http://schemas.microsoft.com/office/drawing/2014/main" val="250063547"/>
+                    </a:ext>
+                  </a:extLst>
+                </a:gridCol>
+              </a:tblGrid>
+              <a:tr h="635589">
+                <a:tc>
+                  <a:txBody>
+                    <a:bodyPr/>
+                    <a:lstStyle/>
+                    <a:p>
+                      <a:r>
+                        <a:rPr lang="en-US" sz="2800" dirty="0">
+                          <a:effectLst/>
+                        </a:rPr>
+                        <a:t>Forward Annual Dividend Rate</a:t>
+                      </a:r>
+                    </a:p>
+                  </a:txBody>
+                  <a:tcPr marL="48891" marR="33952" marT="24446" marB="24446" anchor="ctr">
+                    <a:lnL>
+                      <a:noFill/>
+                    </a:lnL>
+                    <a:lnR>
+                      <a:noFill/>
+                    </a:lnR>
+                    <a:lnT w="6350" cap="flat" cmpd="sng" algn="ctr">
+                      <a:solidFill>
+                        <a:srgbClr val="E0E4E9"/>
+                      </a:solidFill>
+                      <a:prstDash val="solid"/>
+                      <a:round/>
+                      <a:headEnd type="none" w="med" len="med"/>
+                      <a:tailEnd type="none" w="med" len="med"/>
+                    </a:lnT>
+                    <a:lnB w="6350" cap="flat" cmpd="sng" algn="ctr">
+                      <a:solidFill>
+                        <a:srgbClr val="E0E4E9"/>
+                      </a:solidFill>
+                      <a:prstDash val="solid"/>
+                      <a:round/>
+                      <a:headEnd type="none" w="med" len="med"/>
+                      <a:tailEnd type="none" w="med" len="med"/>
+                    </a:lnB>
+                    <a:solidFill>
+                      <a:srgbClr val="FFFFFF"/>
+                    </a:solidFill>
+                  </a:tcPr>
+                </a:tc>
+                <a:tc>
+                  <a:txBody>
+                    <a:bodyPr/>
+                    <a:lstStyle/>
+                    <a:p>
+                      <a:r>
+                        <a:rPr sz="2800"/>
+                        <a:t>1.69</a:t>
+                      </a:r>
+                    </a:p>
+                  </a:txBody>
+                  <a:tcPr marL="33952" marR="48891" marT="24446" marB="24446" anchor="ctr">
+                    <a:lnL>
+                      <a:noFill/>
+                    </a:lnL>
+                    <a:lnR>
+                      <a:noFill/>
+                    </a:lnR>
+                    <a:lnT w="6350" cap="flat" cmpd="sng" algn="ctr">
+                      <a:solidFill>
+                        <a:srgbClr val="E0E4E9"/>
+                      </a:solidFill>
+                      <a:prstDash val="solid"/>
+                      <a:round/>
+                      <a:headEnd type="none" w="med" len="med"/>
+                      <a:tailEnd type="none" w="med" len="med"/>
+                    </a:lnT>
+                    <a:lnB w="6350" cap="flat" cmpd="sng" algn="ctr">
+                      <a:solidFill>
+                        <a:srgbClr val="E0E4E9"/>
+                      </a:solidFill>
+                      <a:prstDash val="solid"/>
+                      <a:round/>
+                      <a:headEnd type="none" w="med" len="med"/>
+                      <a:tailEnd type="none" w="med" len="med"/>
+                    </a:lnB>
+                    <a:solidFill>
+                      <a:srgbClr val="FFFFFF"/>
+                    </a:solidFill>
+                  </a:tcPr>
+                </a:tc>
+                <a:extLst>
+                  <a:ext uri="{0D108BD9-81ED-4DB2-BD59-A6C34878D82A}">
+                    <a16:rowId xmlns:a16="http://schemas.microsoft.com/office/drawing/2014/main" val="3956935484"/>
+                  </a:ext>
+                </a:extLst>
+              </a:tr>
+              <a:tr h="635589">
+                <a:tc>
+                  <a:txBody>
+                    <a:bodyPr/>
+                    <a:lstStyle/>
+                    <a:p>
+                      <a:r>
+                        <a:rPr lang="en-US" sz="2800" dirty="0">
+                          <a:effectLst/>
+                        </a:rPr>
+                        <a:t>Forward Annual Dividend Yield</a:t>
+                      </a:r>
+                    </a:p>
+                  </a:txBody>
+                  <a:tcPr marL="48891" marR="33952" marT="24446" marB="24446" anchor="ctr">
+                    <a:lnL>
+                      <a:noFill/>
+                    </a:lnL>
+                    <a:lnR>
+                      <a:noFill/>
+                    </a:lnR>
+                    <a:lnT w="6350" cap="flat" cmpd="sng" algn="ctr">
+                      <a:solidFill>
+                        <a:srgbClr val="E0E4E9"/>
+                      </a:solidFill>
+                      <a:prstDash val="solid"/>
+                      <a:round/>
+                      <a:headEnd type="none" w="med" len="med"/>
+                      <a:tailEnd type="none" w="med" len="med"/>
+                    </a:lnT>
+                    <a:lnB w="6350" cap="flat" cmpd="sng" algn="ctr">
+                      <a:solidFill>
+                        <a:srgbClr val="E0E4E9"/>
+                      </a:solidFill>
+                      <a:prstDash val="solid"/>
+                      <a:round/>
+                      <a:headEnd type="none" w="med" len="med"/>
+                      <a:tailEnd type="none" w="med" len="med"/>
+                    </a:lnB>
+                    <a:solidFill>
+                      <a:srgbClr val="FFFFFF"/>
+                    </a:solidFill>
+                  </a:tcPr>
+                </a:tc>
+                <a:tc>
+                  <a:txBody>
+                    <a:bodyPr/>
+                    <a:lstStyle/>
+                    <a:p>
+                      <a:r>
+                        <a:rPr sz="2800"/>
+                        <a:t>6.16%</a:t>
+                      </a:r>
+                    </a:p>
+                  </a:txBody>
+                  <a:tcPr marL="33952" marR="48891" marT="24446" marB="24446" anchor="ctr">
+                    <a:lnL>
+                      <a:noFill/>
+                    </a:lnL>
+                    <a:lnR>
+                      <a:noFill/>
+                    </a:lnR>
+                    <a:lnT w="6350" cap="flat" cmpd="sng" algn="ctr">
+                      <a:solidFill>
+                        <a:srgbClr val="E0E4E9"/>
+                      </a:solidFill>
+                      <a:prstDash val="solid"/>
+                      <a:round/>
+                      <a:headEnd type="none" w="med" len="med"/>
+                      <a:tailEnd type="none" w="med" len="med"/>
+                    </a:lnT>
+                    <a:lnB w="6350" cap="flat" cmpd="sng" algn="ctr">
+                      <a:solidFill>
+                        <a:srgbClr val="E0E4E9"/>
+                      </a:solidFill>
+                      <a:prstDash val="solid"/>
+                      <a:round/>
+                      <a:headEnd type="none" w="med" len="med"/>
+                      <a:tailEnd type="none" w="med" len="med"/>
+                    </a:lnB>
+                    <a:solidFill>
+                      <a:srgbClr val="FFFFFF"/>
+                    </a:solidFill>
+                  </a:tcPr>
+                </a:tc>
+                <a:extLst>
+                  <a:ext uri="{0D108BD9-81ED-4DB2-BD59-A6C34878D82A}">
+                    <a16:rowId xmlns:a16="http://schemas.microsoft.com/office/drawing/2014/main" val="1449616386"/>
+                  </a:ext>
+                </a:extLst>
+              </a:tr>
+              <a:tr h="635589">
+                <a:tc>
+                  <a:txBody>
+                    <a:bodyPr/>
+                    <a:lstStyle/>
+                    <a:p>
+                      <a:r>
+                        <a:rPr lang="en-US" sz="2800" dirty="0">
+                          <a:effectLst/>
+                        </a:rPr>
+                        <a:t>Trailing Annual Dividend Rate</a:t>
+                      </a:r>
+                    </a:p>
+                  </a:txBody>
+                  <a:tcPr marL="48891" marR="33952" marT="24446" marB="24446" anchor="ctr">
+                    <a:lnL>
+                      <a:noFill/>
+                    </a:lnL>
+                    <a:lnR>
+                      <a:noFill/>
+                    </a:lnR>
+                    <a:lnT w="6350" cap="flat" cmpd="sng" algn="ctr">
+                      <a:solidFill>
+                        <a:srgbClr val="E0E4E9"/>
+                      </a:solidFill>
+                      <a:prstDash val="solid"/>
+                      <a:round/>
+                      <a:headEnd type="none" w="med" len="med"/>
+                      <a:tailEnd type="none" w="med" len="med"/>
+                    </a:lnT>
+                    <a:lnB w="6350" cap="flat" cmpd="sng" algn="ctr">
+                      <a:solidFill>
+                        <a:srgbClr val="E0E4E9"/>
+                      </a:solidFill>
+                      <a:prstDash val="solid"/>
+                      <a:round/>
+                      <a:headEnd type="none" w="med" len="med"/>
+                      <a:tailEnd type="none" w="med" len="med"/>
+                    </a:lnB>
+                    <a:solidFill>
+                      <a:srgbClr val="FFFFFF"/>
+                    </a:solidFill>
+                  </a:tcPr>
+                </a:tc>
+                <a:tc>
+                  <a:txBody>
+                    <a:bodyPr/>
+                    <a:lstStyle/>
+                    <a:p>
+                      <a:r>
+                        <a:rPr sz="2800"/>
+                        <a:t>1.69</a:t>
+                      </a:r>
+                    </a:p>
+                  </a:txBody>
+                  <a:tcPr marL="33952" marR="48891" marT="24446" marB="24446" anchor="ctr">
+                    <a:lnL>
+                      <a:noFill/>
+                    </a:lnL>
+                    <a:lnR>
+                      <a:noFill/>
+                    </a:lnR>
+                    <a:lnT w="6350" cap="flat" cmpd="sng" algn="ctr">
+                      <a:solidFill>
+                        <a:srgbClr val="E0E4E9"/>
+                      </a:solidFill>
+                      <a:prstDash val="solid"/>
+                      <a:round/>
+                      <a:headEnd type="none" w="med" len="med"/>
+                      <a:tailEnd type="none" w="med" len="med"/>
+                    </a:lnT>
+                    <a:lnB w="6350" cap="flat" cmpd="sng" algn="ctr">
+                      <a:solidFill>
+                        <a:srgbClr val="E0E4E9"/>
+                      </a:solidFill>
+                      <a:prstDash val="solid"/>
+                      <a:round/>
+                      <a:headEnd type="none" w="med" len="med"/>
+                      <a:tailEnd type="none" w="med" len="med"/>
+                    </a:lnB>
+                    <a:solidFill>
+                      <a:srgbClr val="FFFFFF"/>
+                    </a:solidFill>
+                  </a:tcPr>
+                </a:tc>
+                <a:extLst>
+                  <a:ext uri="{0D108BD9-81ED-4DB2-BD59-A6C34878D82A}">
+                    <a16:rowId xmlns:a16="http://schemas.microsoft.com/office/drawing/2014/main" val="3880463635"/>
+                  </a:ext>
+                </a:extLst>
+              </a:tr>
+              <a:tr h="635589">
+                <a:tc>
+                  <a:txBody>
+                    <a:bodyPr/>
+                    <a:lstStyle/>
+                    <a:p>
+                      <a:r>
+                        <a:rPr lang="en-US" sz="2800" dirty="0">
+                          <a:effectLst/>
+                        </a:rPr>
+                        <a:t>Trailing Annual Dividend Yield</a:t>
+                      </a:r>
+                    </a:p>
+                  </a:txBody>
+                  <a:tcPr marL="48891" marR="33952" marT="24446" marB="24446" anchor="ctr">
+                    <a:lnL>
+                      <a:noFill/>
+                    </a:lnL>
+                    <a:lnR>
+                      <a:noFill/>
+                    </a:lnR>
+                    <a:lnT w="6350" cap="flat" cmpd="sng" algn="ctr">
+                      <a:solidFill>
+                        <a:srgbClr val="E0E4E9"/>
+                      </a:solidFill>
+                      <a:prstDash val="solid"/>
+                      <a:round/>
+                      <a:headEnd type="none" w="med" len="med"/>
+                      <a:tailEnd type="none" w="med" len="med"/>
+                    </a:lnT>
+                    <a:lnB w="6350" cap="flat" cmpd="sng" algn="ctr">
+                      <a:solidFill>
+                        <a:srgbClr val="E0E4E9"/>
+                      </a:solidFill>
+                      <a:prstDash val="solid"/>
+                      <a:round/>
+                      <a:headEnd type="none" w="med" len="med"/>
+                      <a:tailEnd type="none" w="med" len="med"/>
+                    </a:lnB>
+                    <a:solidFill>
+                      <a:srgbClr val="FFFFFF"/>
+                    </a:solidFill>
+                  </a:tcPr>
+                </a:tc>
+                <a:tc>
+                  <a:txBody>
+                    <a:bodyPr/>
+                    <a:lstStyle/>
+                    <a:p>
+                      <a:r>
+                        <a:rPr sz="2800"/>
+                        <a:t>6.15%</a:t>
+                      </a:r>
+                    </a:p>
+                  </a:txBody>
+                  <a:tcPr marL="33952" marR="48891" marT="24446" marB="24446" anchor="ctr">
+                    <a:lnL>
+                      <a:noFill/>
+                    </a:lnL>
+                    <a:lnR>
+                      <a:noFill/>
+                    </a:lnR>
+                    <a:lnT w="6350" cap="flat" cmpd="sng" algn="ctr">
+                      <a:solidFill>
+                        <a:srgbClr val="E0E4E9"/>
+                      </a:solidFill>
+                      <a:prstDash val="solid"/>
+                      <a:round/>
+                      <a:headEnd type="none" w="med" len="med"/>
+                      <a:tailEnd type="none" w="med" len="med"/>
+                    </a:lnT>
+                    <a:lnB w="6350" cap="flat" cmpd="sng" algn="ctr">
+                      <a:solidFill>
+                        <a:srgbClr val="E0E4E9"/>
+                      </a:solidFill>
+                      <a:prstDash val="solid"/>
+                      <a:round/>
+                      <a:headEnd type="none" w="med" len="med"/>
+                      <a:tailEnd type="none" w="med" len="med"/>
+                    </a:lnB>
+                    <a:solidFill>
+                      <a:srgbClr val="FFFFFF"/>
+                    </a:solidFill>
+                  </a:tcPr>
+                </a:tc>
+                <a:extLst>
+                  <a:ext uri="{0D108BD9-81ED-4DB2-BD59-A6C34878D82A}">
+                    <a16:rowId xmlns:a16="http://schemas.microsoft.com/office/drawing/2014/main" val="796298086"/>
+                  </a:ext>
+                </a:extLst>
+              </a:tr>
+              <a:tr h="635589">
+                <a:tc>
+                  <a:txBody>
+                    <a:bodyPr/>
+                    <a:lstStyle/>
+                    <a:p>
+                      <a:r>
+                        <a:rPr lang="en-US" sz="2800" dirty="0">
+                          <a:effectLst/>
+                        </a:rPr>
+                        <a:t>5 Year Average Dividend Yield</a:t>
+                      </a:r>
+                    </a:p>
+                  </a:txBody>
+                  <a:tcPr marL="48891" marR="33952" marT="24446" marB="24446" anchor="ctr">
+                    <a:lnL>
+                      <a:noFill/>
+                    </a:lnL>
+                    <a:lnR>
+                      <a:noFill/>
+                    </a:lnR>
+                    <a:lnT w="6350" cap="flat" cmpd="sng" algn="ctr">
+                      <a:solidFill>
+                        <a:srgbClr val="E0E4E9"/>
+                      </a:solidFill>
+                      <a:prstDash val="solid"/>
+                      <a:round/>
+                      <a:headEnd type="none" w="med" len="med"/>
+                      <a:tailEnd type="none" w="med" len="med"/>
+                    </a:lnT>
+                    <a:lnB w="6350" cap="flat" cmpd="sng" algn="ctr">
+                      <a:solidFill>
+                        <a:srgbClr val="E0E4E9"/>
+                      </a:solidFill>
+                      <a:prstDash val="solid"/>
+                      <a:round/>
+                      <a:headEnd type="none" w="med" len="med"/>
+                      <a:tailEnd type="none" w="med" len="med"/>
+                    </a:lnB>
+                    <a:solidFill>
+                      <a:srgbClr val="FFFFFF"/>
+                    </a:solidFill>
+                  </a:tcPr>
+                </a:tc>
+                <a:tc>
+                  <a:txBody>
+                    <a:bodyPr/>
+                    <a:lstStyle/>
+                    <a:p>
+                      <a:r>
+                        <a:rPr sz="2800"/>
+                        <a:t>7.18</a:t>
+                      </a:r>
+                    </a:p>
+                  </a:txBody>
+                  <a:tcPr marL="33952" marR="48891" marT="24446" marB="24446" anchor="ctr">
+                    <a:lnL>
+                      <a:noFill/>
+                    </a:lnL>
+                    <a:lnR>
+                      <a:noFill/>
+                    </a:lnR>
+                    <a:lnT w="6350" cap="flat" cmpd="sng" algn="ctr">
+                      <a:solidFill>
+                        <a:srgbClr val="E0E4E9"/>
+                      </a:solidFill>
+                      <a:prstDash val="solid"/>
+                      <a:round/>
+                      <a:headEnd type="none" w="med" len="med"/>
+                      <a:tailEnd type="none" w="med" len="med"/>
+                    </a:lnT>
+                    <a:lnB w="6350" cap="flat" cmpd="sng" algn="ctr">
+                      <a:solidFill>
+                        <a:srgbClr val="E0E4E9"/>
+                      </a:solidFill>
+                      <a:prstDash val="solid"/>
+                      <a:round/>
+                      <a:headEnd type="none" w="med" len="med"/>
+                      <a:tailEnd type="none" w="med" len="med"/>
+                    </a:lnB>
+                    <a:solidFill>
+                      <a:srgbClr val="FFFFFF"/>
+                    </a:solidFill>
+                  </a:tcPr>
+                </a:tc>
+                <a:extLst>
+                  <a:ext uri="{0D108BD9-81ED-4DB2-BD59-A6C34878D82A}">
+                    <a16:rowId xmlns:a16="http://schemas.microsoft.com/office/drawing/2014/main" val="1082740847"/>
+                  </a:ext>
+                </a:extLst>
+              </a:tr>
+              <a:tr h="342240">
+                <a:tc>
+                  <a:txBody>
+                    <a:bodyPr/>
+                    <a:lstStyle/>
+                    <a:p>
+                      <a:r>
+                        <a:rPr lang="en-US" sz="2800" dirty="0">
+                          <a:effectLst/>
+                        </a:rPr>
+                        <a:t>Payout Ratio</a:t>
+                      </a:r>
+                    </a:p>
+                  </a:txBody>
+                  <a:tcPr marL="48891" marR="33952" marT="24446" marB="24446" anchor="ctr">
+                    <a:lnL>
+                      <a:noFill/>
+                    </a:lnL>
+                    <a:lnR>
+                      <a:noFill/>
+                    </a:lnR>
+                    <a:lnT w="6350" cap="flat" cmpd="sng" algn="ctr">
+                      <a:solidFill>
+                        <a:srgbClr val="E0E4E9"/>
+                      </a:solidFill>
+                      <a:prstDash val="solid"/>
+                      <a:round/>
+                      <a:headEnd type="none" w="med" len="med"/>
+                      <a:tailEnd type="none" w="med" len="med"/>
+                    </a:lnT>
+                    <a:lnB w="6350" cap="flat" cmpd="sng" algn="ctr">
+                      <a:solidFill>
+                        <a:srgbClr val="E0E4E9"/>
+                      </a:solidFill>
+                      <a:prstDash val="solid"/>
+                      <a:round/>
+                      <a:headEnd type="none" w="med" len="med"/>
+                      <a:tailEnd type="none" w="med" len="med"/>
+                    </a:lnB>
+                    <a:solidFill>
+                      <a:srgbClr val="FFFFFF"/>
+                    </a:solidFill>
+                  </a:tcPr>
+                </a:tc>
+                <a:tc>
+                  <a:txBody>
+                    <a:bodyPr/>
+                    <a:lstStyle/>
+                    <a:p>
+                      <a:r>
+                        <a:rPr sz="2800"/>
+                        <a:t>N/A</a:t>
+                      </a:r>
+                    </a:p>
+                  </a:txBody>
+                  <a:tcPr marL="33952" marR="48891" marT="24446" marB="24446" anchor="ctr">
+                    <a:lnL>
+                      <a:noFill/>
+                    </a:lnL>
+                    <a:lnR>
+                      <a:noFill/>
+                    </a:lnR>
+                    <a:lnT w="6350" cap="flat" cmpd="sng" algn="ctr">
+                      <a:solidFill>
+                        <a:srgbClr val="E0E4E9"/>
+                      </a:solidFill>
+                      <a:prstDash val="solid"/>
+                      <a:round/>
+                      <a:headEnd type="none" w="med" len="med"/>
+                      <a:tailEnd type="none" w="med" len="med"/>
+                    </a:lnT>
+                    <a:lnB w="6350" cap="flat" cmpd="sng" algn="ctr">
+                      <a:solidFill>
+                        <a:srgbClr val="E0E4E9"/>
+                      </a:solidFill>
+                      <a:prstDash val="solid"/>
+                      <a:round/>
+                      <a:headEnd type="none" w="med" len="med"/>
+                      <a:tailEnd type="none" w="med" len="med"/>
+                    </a:lnB>
+                    <a:solidFill>
+                      <a:srgbClr val="FFFFFF"/>
+                    </a:solidFill>
+                  </a:tcPr>
+                </a:tc>
+                <a:extLst>
+                  <a:ext uri="{0D108BD9-81ED-4DB2-BD59-A6C34878D82A}">
+                    <a16:rowId xmlns:a16="http://schemas.microsoft.com/office/drawing/2014/main" val="2341212515"/>
+                  </a:ext>
+                </a:extLst>
+              </a:tr>
+              <a:tr h="342240">
+                <a:tc>
+                  <a:txBody>
+                    <a:bodyPr/>
+                    <a:lstStyle/>
+                    <a:p>
+                      <a:r>
+                        <a:rPr lang="en-US" sz="2800" dirty="0">
+                          <a:effectLst/>
+                        </a:rPr>
+                        <a:t>Dividend Date</a:t>
+                      </a:r>
+                    </a:p>
+                  </a:txBody>
+                  <a:tcPr marL="48891" marR="33952" marT="24446" marB="24446" anchor="ctr">
+                    <a:lnL>
+                      <a:noFill/>
+                    </a:lnL>
+                    <a:lnR>
+                      <a:noFill/>
+                    </a:lnR>
+                    <a:lnT w="6350" cap="flat" cmpd="sng" algn="ctr">
+                      <a:solidFill>
+                        <a:srgbClr val="E0E4E9"/>
+                      </a:solidFill>
+                      <a:prstDash val="solid"/>
+                      <a:round/>
+                      <a:headEnd type="none" w="med" len="med"/>
+                      <a:tailEnd type="none" w="med" len="med"/>
+                    </a:lnT>
+                    <a:lnB w="6350" cap="flat" cmpd="sng" algn="ctr">
+                      <a:solidFill>
+                        <a:srgbClr val="E0E4E9"/>
+                      </a:solidFill>
+                      <a:prstDash val="solid"/>
+                      <a:round/>
+                      <a:headEnd type="none" w="med" len="med"/>
+                      <a:tailEnd type="none" w="med" len="med"/>
+                    </a:lnB>
+                    <a:solidFill>
+                      <a:srgbClr val="FFFFFF"/>
+                    </a:solidFill>
+                  </a:tcPr>
+                </a:tc>
+                <a:tc>
+                  <a:txBody>
+                    <a:bodyPr/>
+                    <a:lstStyle/>
+                    <a:p>
+                      <a:r>
+                        <a:rPr sz="2800" dirty="0"/>
+                        <a:t>Jan</a:t>
+                      </a:r>
+                      <a:r>
+                        <a:rPr lang="ja-JP" altLang="en-US" sz="2800" dirty="0"/>
+                        <a:t> </a:t>
+                      </a:r>
+                      <a:r>
+                        <a:rPr sz="2800" dirty="0"/>
+                        <a:t>31,</a:t>
+                      </a:r>
+                      <a:r>
+                        <a:rPr lang="ja-JP" altLang="en-US" sz="2800" dirty="0"/>
+                        <a:t> </a:t>
+                      </a:r>
+                      <a:r>
+                        <a:rPr sz="2800" dirty="0"/>
+                        <a:t>2020</a:t>
+                      </a:r>
+                    </a:p>
+                  </a:txBody>
+                  <a:tcPr marL="33952" marR="48891" marT="24446" marB="24446" anchor="ctr">
+                    <a:lnL>
+                      <a:noFill/>
+                    </a:lnL>
+                    <a:lnR>
+                      <a:noFill/>
+                    </a:lnR>
+                    <a:lnT w="6350" cap="flat" cmpd="sng" algn="ctr">
+                      <a:solidFill>
+                        <a:srgbClr val="E0E4E9"/>
+                      </a:solidFill>
+                      <a:prstDash val="solid"/>
+                      <a:round/>
+                      <a:headEnd type="none" w="med" len="med"/>
+                      <a:tailEnd type="none" w="med" len="med"/>
+                    </a:lnT>
+                    <a:lnB w="6350" cap="flat" cmpd="sng" algn="ctr">
+                      <a:solidFill>
+                        <a:srgbClr val="E0E4E9"/>
+                      </a:solidFill>
+                      <a:prstDash val="solid"/>
+                      <a:round/>
+                      <a:headEnd type="none" w="med" len="med"/>
+                      <a:tailEnd type="none" w="med" len="med"/>
+                    </a:lnB>
+                    <a:solidFill>
+                      <a:srgbClr val="FFFFFF"/>
+                    </a:solidFill>
+                  </a:tcPr>
+                </a:tc>
+                <a:extLst>
+                  <a:ext uri="{0D108BD9-81ED-4DB2-BD59-A6C34878D82A}">
+                    <a16:rowId xmlns:a16="http://schemas.microsoft.com/office/drawing/2014/main" val="158887723"/>
+                  </a:ext>
+                </a:extLst>
+              </a:tr>
+              <a:tr h="488914">
+                <a:tc>
+                  <a:txBody>
+                    <a:bodyPr/>
+                    <a:lstStyle/>
+                    <a:p>
+                      <a:r>
+                        <a:rPr lang="en-US" sz="2800" dirty="0">
+                          <a:effectLst/>
+                        </a:rPr>
+                        <a:t>Ex-Dividend Date</a:t>
+                      </a:r>
+                    </a:p>
+                  </a:txBody>
+                  <a:tcPr marL="48891" marR="33952" marT="24446" marB="24446" anchor="ctr">
+                    <a:lnL>
+                      <a:noFill/>
+                    </a:lnL>
+                    <a:lnR>
+                      <a:noFill/>
+                    </a:lnR>
+                    <a:lnT w="6350" cap="flat" cmpd="sng" algn="ctr">
+                      <a:solidFill>
+                        <a:srgbClr val="E0E4E9"/>
+                      </a:solidFill>
+                      <a:prstDash val="solid"/>
+                      <a:round/>
+                      <a:headEnd type="none" w="med" len="med"/>
+                      <a:tailEnd type="none" w="med" len="med"/>
+                    </a:lnT>
+                    <a:lnB w="6350" cap="flat" cmpd="sng" algn="ctr">
+                      <a:solidFill>
+                        <a:srgbClr val="E0E4E9"/>
+                      </a:solidFill>
+                      <a:prstDash val="solid"/>
+                      <a:round/>
+                      <a:headEnd type="none" w="med" len="med"/>
+                      <a:tailEnd type="none" w="med" len="med"/>
+                    </a:lnB>
+                    <a:solidFill>
+                      <a:srgbClr val="FFFFFF"/>
+                    </a:solidFill>
+                  </a:tcPr>
+                </a:tc>
+                <a:tc>
+                  <a:txBody>
+                    <a:bodyPr/>
+                    <a:lstStyle/>
+                    <a:p>
+                      <a:r>
+                        <a:rPr sz="2800" dirty="0"/>
+                        <a:t>Dec</a:t>
+                      </a:r>
+                      <a:r>
+                        <a:rPr lang="ja-JP" altLang="en-US" sz="2800" dirty="0"/>
+                        <a:t> </a:t>
+                      </a:r>
+                      <a:r>
+                        <a:rPr sz="2800" dirty="0"/>
+                        <a:t>30,</a:t>
+                      </a:r>
+                      <a:r>
+                        <a:rPr lang="ja-JP" altLang="en-US" sz="2800" dirty="0"/>
+                        <a:t> </a:t>
+                      </a:r>
+                      <a:r>
+                        <a:rPr sz="2800" dirty="0"/>
+                        <a:t>2019</a:t>
+                      </a:r>
+                    </a:p>
+                  </a:txBody>
+                  <a:tcPr marL="33952" marR="48891" marT="24446" marB="24446" anchor="ctr">
+                    <a:lnL>
+                      <a:noFill/>
+                    </a:lnL>
+                    <a:lnR>
+                      <a:noFill/>
+                    </a:lnR>
+                    <a:lnT w="6350" cap="flat" cmpd="sng" algn="ctr">
+                      <a:solidFill>
+                        <a:srgbClr val="E0E4E9"/>
+                      </a:solidFill>
+                      <a:prstDash val="solid"/>
+                      <a:round/>
+                      <a:headEnd type="none" w="med" len="med"/>
+                      <a:tailEnd type="none" w="med" len="med"/>
+                    </a:lnT>
+                    <a:lnB w="6350" cap="flat" cmpd="sng" algn="ctr">
+                      <a:solidFill>
+                        <a:srgbClr val="E0E4E9"/>
+                      </a:solidFill>
+                      <a:prstDash val="solid"/>
+                      <a:round/>
+                      <a:headEnd type="none" w="med" len="med"/>
+                      <a:tailEnd type="none" w="med" len="med"/>
+                    </a:lnB>
+                    <a:solidFill>
+                      <a:srgbClr val="FFFFFF"/>
+                    </a:solidFill>
+                  </a:tcPr>
+                </a:tc>
+                <a:extLst>
+                  <a:ext uri="{0D108BD9-81ED-4DB2-BD59-A6C34878D82A}">
+                    <a16:rowId xmlns:a16="http://schemas.microsoft.com/office/drawing/2014/main" val="157238532"/>
+                  </a:ext>
+                </a:extLst>
+              </a:tr>
+            </a:tbl>
+          </a:graphicData>
+        </a:graphic>
+      </p:graphicFrame>
+      <p:pic>
+        <p:nvPicPr>
+          <p:cNvPr id="4" name="オーディオ 3">
+            <a:hlinkClick r:id="" action="ppaction://media"/>
+            <a:extLst>
+              <a:ext uri="{FF2B5EF4-FFF2-40B4-BE49-F238E27FC236}">
+                <a16:creationId xmlns:a16="http://schemas.microsoft.com/office/drawing/2014/main" id="{172ECF12-7DEB-4F20-BAA4-68F8D7EECCDB}"/>
+              </a:ext>
+            </a:extLst>
+          </p:cNvPr>
+          <p:cNvPicPr>
+            <a:picLocks noChangeAspect="1"/>
+          </p:cNvPicPr>
+          <p:nvPr>
+            <a:audioFile r:link="rId2"/>
+            <p:extLst>
+              <p:ext uri="{DAA4B4D4-6D71-4841-9C94-3DE7FCFB9230}">
+                <p14:media xmlns:p14="http://schemas.microsoft.com/office/powerpoint/2010/main" r:embed="rId1"/>
+              </p:ext>
+            </p:extLst>
+          </p:nvPr>
+        </p:nvPicPr>
+        <p:blipFill>
+          <a:blip r:embed="rId4"/>
+          <a:stretch>
+            <a:fillRect/>
+          </a:stretch>
+        </p:blipFill>
+        <p:spPr>
+          <a:xfrm>
+            <a:off x="11569700" y="6235700"/>
+            <a:ext cx="406400" cy="406400"/>
+          </a:xfrm>
+          <a:prstGeom prst="rect">
+            <a:avLst/>
+          </a:prstGeom>
+        </p:spPr>
+      </p:pic>
+    </p:spTree>
+    <p:extLst>
+      <p:ext uri="{BB962C8B-B14F-4D97-AF65-F5344CB8AC3E}">
+        <p14:creationId xmlns:p14="http://schemas.microsoft.com/office/powerpoint/2010/main" val="3540452035"/>
+      </p:ext>
+    </p:extLst>
+  </p:cSld>
+  <p:clrMapOvr>
+    <a:masterClrMapping/>
+  </p:clrMapOvr>
+  <mc:AlternateContent xmlns:mc="http://schemas.openxmlformats.org/markup-compatibility/2006">
+    <mc:Choice xmlns:p14="http://schemas.microsoft.com/office/powerpoint/2010/main" Requires="p14">
+      <p:transition spd="slow" p14:dur="2000" advTm="23344"/>
+    </mc:Choice>
+    <mc:Fallback>
+      <p:transition spd="slow" advTm="23344"/>
+    </mc:Fallback>
+  </mc:AlternateContent>
+  <p:timing>
+    <p:tnLst>
+      <p:par>
+        <p:cTn id="1" dur="indefinite" restart="never" nodeType="tmRoot">
+          <p:childTnLst>
+            <p:seq concurrent="1" nextAc="seek">
+              <p:cTn id="2" dur="indefinite" nodeType="mainSeq">
+                <p:childTnLst>
+                  <p:par>
+                    <p:cTn id="3" fill="hold">
+                      <p:stCondLst>
+                        <p:cond delay="indefinite"/>
+                        <p:cond evt="onBegin" delay="0">
+                          <p:tn val="2"/>
+                        </p:cond>
+                      </p:stCondLst>
+                      <p:childTnLst>
+                        <p:par>
+                          <p:cTn id="4" fill="hold">
+                            <p:stCondLst>
+                              <p:cond delay="0"/>
+                            </p:stCondLst>
+                            <p:childTnLst>
+                              <p:par>
+                                <p:cTn id="5" presetID="1" presetClass="mediacall" presetSubtype="0" fill="hold" nodeType="afterEffect">
+                                  <p:stCondLst>
+                                    <p:cond delay="0"/>
+                                  </p:stCondLst>
+                                  <p:childTnLst>
+                                    <p:cmd type="call" cmd="playFrom(0.0)">
+                                      <p:cBhvr>
+                                        <p:cTn id="6" dur="1" fill="hold"/>
+                                        <p:tgtEl>
+                                          <p:spTgt spid="4"/>
+                                        </p:tgtEl>
+                                      </p:cBhvr>
+                                    </p:cmd>
+                                  </p:childTnLst>
+                                </p:cTn>
+                              </p:par>
+                            </p:childTnLst>
+                          </p:cTn>
+                        </p:par>
+                      </p:childTnLst>
+                    </p:cTn>
+                  </p:par>
+                </p:childTnLst>
+              </p:cTn>
+              <p:prevCondLst>
+                <p:cond evt="onPrev" delay="0">
+                  <p:tgtEl>
+                    <p:sldTgt/>
+                  </p:tgtEl>
+                </p:cond>
+              </p:prevCondLst>
+              <p:nextCondLst>
+                <p:cond evt="onNext" delay="0">
+                  <p:tgtEl>
+                    <p:sldTgt/>
+                  </p:tgtEl>
+                </p:cond>
+              </p:nextCondLst>
+            </p:seq>
+            <p:audio isNarration="1">
+              <p:cMediaNode vol="80000" showWhenStopped="0">
+                <p:cTn id="7" fill="hold" display="0">
+                  <p:stCondLst>
+                    <p:cond delay="indefinite"/>
+                  </p:stCondLst>
+                  <p:endCondLst>
+                    <p:cond evt="onStopAudio" delay="0">
+                      <p:tgtEl>
+                        <p:sldTgt/>
+                      </p:tgtEl>
+                    </p:cond>
+                  </p:endCondLst>
+                </p:cTn>
+                <p:tgtEl>
+                  <p:spTgt spid="4"/>
+                </p:tgtEl>
+              </p:cMediaNode>
+            </p:audio>
+          </p:childTnLst>
+        </p:cTn>
+      </p:par>
+    </p:tnLst>
+  </p:timing>
 </p:sld>
 </file>
 
